--- a/files/Prometheus.pptx
+++ b/files/Prometheus.pptx
@@ -24,14 +24,25 @@
     <p:sldId id="278" r:id="rId18"/>
     <p:sldId id="273" r:id="rId19"/>
     <p:sldId id="274" r:id="rId20"/>
-    <p:sldId id="281" r:id="rId21"/>
-    <p:sldId id="282" r:id="rId22"/>
-    <p:sldId id="283" r:id="rId23"/>
-    <p:sldId id="284" r:id="rId24"/>
-    <p:sldId id="285" r:id="rId25"/>
-    <p:sldId id="286" r:id="rId26"/>
-    <p:sldId id="287" r:id="rId27"/>
-    <p:sldId id="288" r:id="rId28"/>
+    <p:sldId id="290" r:id="rId21"/>
+    <p:sldId id="291" r:id="rId22"/>
+    <p:sldId id="292" r:id="rId23"/>
+    <p:sldId id="293" r:id="rId24"/>
+    <p:sldId id="294" r:id="rId25"/>
+    <p:sldId id="295" r:id="rId26"/>
+    <p:sldId id="296" r:id="rId27"/>
+    <p:sldId id="297" r:id="rId28"/>
+    <p:sldId id="281" r:id="rId29"/>
+    <p:sldId id="289" r:id="rId30"/>
+    <p:sldId id="282" r:id="rId31"/>
+    <p:sldId id="283" r:id="rId32"/>
+    <p:sldId id="284" r:id="rId33"/>
+    <p:sldId id="285" r:id="rId34"/>
+    <p:sldId id="286" r:id="rId35"/>
+    <p:sldId id="287" r:id="rId36"/>
+    <p:sldId id="288" r:id="rId37"/>
+    <p:sldId id="299" r:id="rId38"/>
+    <p:sldId id="298" r:id="rId39"/>
   </p:sldIdLst>
   <p:sldSz cx="12192000" cy="6858000"/>
   <p:notesSz cx="6858000" cy="9144000"/>
@@ -138,6 +149,18 @@
 </p:presentation>
 </file>
 
+<file path=ppt/commentAuthors.xml><?xml version="1.0" encoding="utf-8"?>
+<p:cmAuthorLst xmlns:a="http://schemas.openxmlformats.org/drawingml/2006/main" xmlns:r="http://schemas.openxmlformats.org/officeDocument/2006/relationships" xmlns:p="http://schemas.openxmlformats.org/presentationml/2006/main">
+  <p:cmAuthor id="1" name="35084" initials="3" lastIdx="1" clrIdx="0">
+    <p:extLst>
+      <p:ext uri="{19B8F6BF-5375-455C-9EA6-DF929625EA0E}">
+        <p15:presenceInfo xmlns:p15="http://schemas.microsoft.com/office/powerpoint/2012/main" userId="35084" providerId="None"/>
+      </p:ext>
+    </p:extLst>
+  </p:cmAuthor>
+</p:cmAuthorLst>
+</file>
+
 <file path=ppt/slideLayouts/slideLayout1.xml><?xml version="1.0" encoding="utf-8"?>
 <p:sldLayout xmlns:a="http://schemas.openxmlformats.org/drawingml/2006/main" xmlns:r="http://schemas.openxmlformats.org/officeDocument/2006/relationships" xmlns:p="http://schemas.openxmlformats.org/presentationml/2006/main" type="title" preserve="1">
   <p:cSld name="标题幻灯片">
@@ -285,7 +308,7 @@
           <a:p>
             <a:fld id="{DD2514A8-13CE-47E7-BD5A-5572C6224BC1}" type="datetimeFigureOut">
               <a:rPr lang="zh-CN" altLang="en-US" smtClean="0"/>
-              <a:t>2019/8/14</a:t>
+              <a:t>2019/10/25</a:t>
             </a:fld>
             <a:endParaRPr lang="zh-CN" altLang="en-US"/>
           </a:p>
@@ -483,7 +506,7 @@
           <a:p>
             <a:fld id="{DD2514A8-13CE-47E7-BD5A-5572C6224BC1}" type="datetimeFigureOut">
               <a:rPr lang="zh-CN" altLang="en-US" smtClean="0"/>
-              <a:t>2019/8/14</a:t>
+              <a:t>2019/10/25</a:t>
             </a:fld>
             <a:endParaRPr lang="zh-CN" altLang="en-US"/>
           </a:p>
@@ -691,7 +714,7 @@
           <a:p>
             <a:fld id="{DD2514A8-13CE-47E7-BD5A-5572C6224BC1}" type="datetimeFigureOut">
               <a:rPr lang="zh-CN" altLang="en-US" smtClean="0"/>
-              <a:t>2019/8/14</a:t>
+              <a:t>2019/10/25</a:t>
             </a:fld>
             <a:endParaRPr lang="zh-CN" altLang="en-US"/>
           </a:p>
@@ -889,7 +912,7 @@
           <a:p>
             <a:fld id="{DD2514A8-13CE-47E7-BD5A-5572C6224BC1}" type="datetimeFigureOut">
               <a:rPr lang="zh-CN" altLang="en-US" smtClean="0"/>
-              <a:t>2019/8/14</a:t>
+              <a:t>2019/10/25</a:t>
             </a:fld>
             <a:endParaRPr lang="zh-CN" altLang="en-US"/>
           </a:p>
@@ -1164,7 +1187,7 @@
           <a:p>
             <a:fld id="{DD2514A8-13CE-47E7-BD5A-5572C6224BC1}" type="datetimeFigureOut">
               <a:rPr lang="zh-CN" altLang="en-US" smtClean="0"/>
-              <a:t>2019/8/14</a:t>
+              <a:t>2019/10/25</a:t>
             </a:fld>
             <a:endParaRPr lang="zh-CN" altLang="en-US"/>
           </a:p>
@@ -1429,7 +1452,7 @@
           <a:p>
             <a:fld id="{DD2514A8-13CE-47E7-BD5A-5572C6224BC1}" type="datetimeFigureOut">
               <a:rPr lang="zh-CN" altLang="en-US" smtClean="0"/>
-              <a:t>2019/8/14</a:t>
+              <a:t>2019/10/25</a:t>
             </a:fld>
             <a:endParaRPr lang="zh-CN" altLang="en-US"/>
           </a:p>
@@ -1841,7 +1864,7 @@
           <a:p>
             <a:fld id="{DD2514A8-13CE-47E7-BD5A-5572C6224BC1}" type="datetimeFigureOut">
               <a:rPr lang="zh-CN" altLang="en-US" smtClean="0"/>
-              <a:t>2019/8/14</a:t>
+              <a:t>2019/10/25</a:t>
             </a:fld>
             <a:endParaRPr lang="zh-CN" altLang="en-US"/>
           </a:p>
@@ -1982,7 +2005,7 @@
           <a:p>
             <a:fld id="{DD2514A8-13CE-47E7-BD5A-5572C6224BC1}" type="datetimeFigureOut">
               <a:rPr lang="zh-CN" altLang="en-US" smtClean="0"/>
-              <a:t>2019/8/14</a:t>
+              <a:t>2019/10/25</a:t>
             </a:fld>
             <a:endParaRPr lang="zh-CN" altLang="en-US"/>
           </a:p>
@@ -2095,7 +2118,7 @@
           <a:p>
             <a:fld id="{DD2514A8-13CE-47E7-BD5A-5572C6224BC1}" type="datetimeFigureOut">
               <a:rPr lang="zh-CN" altLang="en-US" smtClean="0"/>
-              <a:t>2019/8/14</a:t>
+              <a:t>2019/10/25</a:t>
             </a:fld>
             <a:endParaRPr lang="zh-CN" altLang="en-US"/>
           </a:p>
@@ -2406,7 +2429,7 @@
           <a:p>
             <a:fld id="{DD2514A8-13CE-47E7-BD5A-5572C6224BC1}" type="datetimeFigureOut">
               <a:rPr lang="zh-CN" altLang="en-US" smtClean="0"/>
-              <a:t>2019/8/14</a:t>
+              <a:t>2019/10/25</a:t>
             </a:fld>
             <a:endParaRPr lang="zh-CN" altLang="en-US"/>
           </a:p>
@@ -2694,7 +2717,7 @@
           <a:p>
             <a:fld id="{DD2514A8-13CE-47E7-BD5A-5572C6224BC1}" type="datetimeFigureOut">
               <a:rPr lang="zh-CN" altLang="en-US" smtClean="0"/>
-              <a:t>2019/8/14</a:t>
+              <a:t>2019/10/25</a:t>
             </a:fld>
             <a:endParaRPr lang="zh-CN" altLang="en-US"/>
           </a:p>
@@ -2935,7 +2958,7 @@
           <a:p>
             <a:fld id="{DD2514A8-13CE-47E7-BD5A-5572C6224BC1}" type="datetimeFigureOut">
               <a:rPr lang="zh-CN" altLang="en-US" smtClean="0"/>
-              <a:t>2019/8/14</a:t>
+              <a:t>2019/10/25</a:t>
             </a:fld>
             <a:endParaRPr lang="zh-CN" altLang="en-US"/>
           </a:p>
@@ -3367,7 +3390,7 @@
         <p:spPr>
           <a:xfrm>
             <a:off x="5247482" y="751344"/>
-            <a:ext cx="2733544" cy="5355312"/>
+            <a:ext cx="2733544" cy="7017306"/>
           </a:xfrm>
           <a:prstGeom prst="rect">
             <a:avLst/>
@@ -3464,6 +3487,36 @@
               </a:rPr>
               <a:t>存储</a:t>
             </a:r>
+            <a:endParaRPr lang="en-US" altLang="zh-CN" b="1" dirty="0">
+              <a:latin typeface="helvetica neue"/>
+            </a:endParaRPr>
+          </a:p>
+          <a:p>
+            <a:pPr marL="285750" indent="-285750">
+              <a:lnSpc>
+                <a:spcPct val="300000"/>
+              </a:lnSpc>
+              <a:buFont typeface="Wingdings" panose="05000000000000000000" pitchFamily="2" charset="2"/>
+              <a:buChar char="Ø"/>
+            </a:pPr>
+            <a:r>
+              <a:rPr lang="zh-CN" altLang="en-US" b="1" dirty="0">
+                <a:latin typeface="helvetica neue"/>
+              </a:rPr>
+              <a:t>报警</a:t>
+            </a:r>
+          </a:p>
+          <a:p>
+            <a:pPr marL="285750" indent="-285750">
+              <a:lnSpc>
+                <a:spcPct val="300000"/>
+              </a:lnSpc>
+              <a:buFont typeface="Wingdings" panose="05000000000000000000" pitchFamily="2" charset="2"/>
+              <a:buChar char="Ø"/>
+            </a:pPr>
+            <a:endParaRPr lang="zh-CN" altLang="en-US" b="1" dirty="0">
+              <a:latin typeface="helvetica neue"/>
+            </a:endParaRPr>
           </a:p>
           <a:p>
             <a:endParaRPr lang="zh-CN" altLang="en-US" dirty="0"/>
@@ -7193,7 +7246,7 @@
         <p:spPr>
           <a:xfrm>
             <a:off x="477078" y="2054087"/>
-            <a:ext cx="11224592" cy="2677656"/>
+            <a:ext cx="11224592" cy="1631216"/>
           </a:xfrm>
           <a:prstGeom prst="rect">
             <a:avLst/>
@@ -7211,7 +7264,7 @@
               </a:spcBef>
             </a:pPr>
             <a:r>
-              <a:rPr lang="en-US" altLang="zh-CN" sz="2800" dirty="0">
+              <a:rPr lang="en-US" altLang="zh-CN" sz="2000" dirty="0">
                 <a:hlinkClick r:id="rId2">
                   <a:extLst>
                     <a:ext uri="{A12FA001-AC4F-418D-AE19-62706E023703}">
@@ -7223,27 +7276,27 @@
               <a:t>Prometheus</a:t>
             </a:r>
             <a:r>
-              <a:rPr lang="zh-CN" altLang="en-US" sz="2800" dirty="0"/>
+              <a:rPr lang="zh-CN" altLang="en-US" sz="2000" dirty="0"/>
               <a:t> 是由前 </a:t>
             </a:r>
             <a:r>
-              <a:rPr lang="en-US" altLang="zh-CN" sz="2800" dirty="0"/>
+              <a:rPr lang="en-US" altLang="zh-CN" sz="2000" dirty="0"/>
               <a:t>Google </a:t>
             </a:r>
             <a:r>
-              <a:rPr lang="zh-CN" altLang="en-US" sz="2800" dirty="0"/>
+              <a:rPr lang="zh-CN" altLang="en-US" sz="2000" dirty="0"/>
               <a:t>工程师从 </a:t>
             </a:r>
             <a:r>
-              <a:rPr lang="en-US" altLang="zh-CN" sz="2800" dirty="0"/>
+              <a:rPr lang="en-US" altLang="zh-CN" sz="2000" dirty="0"/>
               <a:t>2012 </a:t>
             </a:r>
             <a:r>
-              <a:rPr lang="zh-CN" altLang="en-US" sz="2800" dirty="0"/>
+              <a:rPr lang="zh-CN" altLang="en-US" sz="2000" dirty="0"/>
               <a:t>年开始在 </a:t>
             </a:r>
             <a:r>
-              <a:rPr lang="en-US" altLang="zh-CN" sz="2800" dirty="0">
+              <a:rPr lang="en-US" altLang="zh-CN" sz="2000" dirty="0">
                 <a:hlinkClick r:id="rId3">
                   <a:extLst>
                     <a:ext uri="{A12FA001-AC4F-418D-AE19-62706E023703}">
@@ -7255,51 +7308,51 @@
               <a:t>Soundcloud</a:t>
             </a:r>
             <a:r>
-              <a:rPr lang="zh-CN" altLang="en-US" sz="2800" dirty="0"/>
+              <a:rPr lang="zh-CN" altLang="en-US" sz="2000" dirty="0"/>
               <a:t> 以开源软件的形式进行研发的系统监控和告警工具包，自此以后，许多公司和组织都采用了 </a:t>
             </a:r>
             <a:r>
-              <a:rPr lang="en-US" altLang="zh-CN" sz="2800" dirty="0"/>
+              <a:rPr lang="en-US" altLang="zh-CN" sz="2000" dirty="0"/>
               <a:t>Prometheus </a:t>
             </a:r>
             <a:r>
-              <a:rPr lang="zh-CN" altLang="en-US" sz="2800" dirty="0"/>
+              <a:rPr lang="zh-CN" altLang="en-US" sz="2000" dirty="0"/>
               <a:t>作为监控告警工具。</a:t>
             </a:r>
             <a:r>
-              <a:rPr lang="en-US" altLang="zh-CN" sz="2800" dirty="0"/>
+              <a:rPr lang="en-US" altLang="zh-CN" sz="2000" dirty="0"/>
               <a:t>Prometheus </a:t>
             </a:r>
             <a:r>
-              <a:rPr lang="zh-CN" altLang="en-US" sz="2800" dirty="0"/>
+              <a:rPr lang="zh-CN" altLang="en-US" sz="2000" dirty="0"/>
               <a:t>的开发者和用户社区非常活跃，它现在是一个独立的开源项目，可以独立于任何公司进行维护。为了证明这一点，</a:t>
             </a:r>
             <a:r>
-              <a:rPr lang="en-US" altLang="zh-CN" sz="2800" dirty="0"/>
+              <a:rPr lang="en-US" altLang="zh-CN" sz="2000" dirty="0"/>
               <a:t>Prometheus </a:t>
             </a:r>
             <a:r>
-              <a:rPr lang="zh-CN" altLang="en-US" sz="2800" dirty="0"/>
+              <a:rPr lang="zh-CN" altLang="en-US" sz="2000" dirty="0"/>
               <a:t>于 </a:t>
             </a:r>
             <a:r>
-              <a:rPr lang="en-US" altLang="zh-CN" sz="2800" dirty="0"/>
+              <a:rPr lang="en-US" altLang="zh-CN" sz="2000" dirty="0"/>
               <a:t>2016 </a:t>
             </a:r>
             <a:r>
-              <a:rPr lang="zh-CN" altLang="en-US" sz="2800" dirty="0"/>
+              <a:rPr lang="zh-CN" altLang="en-US" sz="2000" dirty="0"/>
               <a:t>年 </a:t>
             </a:r>
             <a:r>
-              <a:rPr lang="en-US" altLang="zh-CN" sz="2800" dirty="0"/>
+              <a:rPr lang="en-US" altLang="zh-CN" sz="2000" dirty="0"/>
               <a:t>5 </a:t>
             </a:r>
             <a:r>
-              <a:rPr lang="zh-CN" altLang="en-US" sz="2800" dirty="0"/>
+              <a:rPr lang="zh-CN" altLang="en-US" sz="2000" dirty="0"/>
               <a:t>月加入 </a:t>
             </a:r>
             <a:r>
-              <a:rPr lang="en-US" altLang="zh-CN" sz="2800" dirty="0">
+              <a:rPr lang="en-US" altLang="zh-CN" sz="2000" dirty="0">
                 <a:hlinkClick r:id="rId4">
                   <a:extLst>
                     <a:ext uri="{A12FA001-AC4F-418D-AE19-62706E023703}">
@@ -7311,11 +7364,11 @@
               <a:t>CNCF</a:t>
             </a:r>
             <a:r>
-              <a:rPr lang="zh-CN" altLang="en-US" sz="2800" dirty="0"/>
+              <a:rPr lang="zh-CN" altLang="en-US" sz="2000" dirty="0"/>
               <a:t> 基金会，成为继 </a:t>
             </a:r>
             <a:r>
-              <a:rPr lang="en-US" altLang="zh-CN" sz="2800" dirty="0">
+              <a:rPr lang="en-US" altLang="zh-CN" sz="2000" dirty="0">
                 <a:hlinkClick r:id="rId5">
                   <a:extLst>
                     <a:ext uri="{A12FA001-AC4F-418D-AE19-62706E023703}">
@@ -7327,20 +7380,50 @@
               <a:t>Kubernetes</a:t>
             </a:r>
             <a:r>
-              <a:rPr lang="zh-CN" altLang="en-US" sz="2800" dirty="0"/>
+              <a:rPr lang="zh-CN" altLang="en-US" sz="2000" dirty="0"/>
               <a:t> 之后的第二个 </a:t>
             </a:r>
             <a:r>
-              <a:rPr lang="en-US" altLang="zh-CN" sz="2800" dirty="0"/>
+              <a:rPr lang="en-US" altLang="zh-CN" sz="2000" dirty="0"/>
               <a:t>CNCF </a:t>
             </a:r>
             <a:r>
-              <a:rPr lang="zh-CN" altLang="en-US" sz="2800" dirty="0"/>
+              <a:rPr lang="zh-CN" altLang="en-US" sz="2000" dirty="0"/>
               <a:t>托管项目。</a:t>
             </a:r>
           </a:p>
         </p:txBody>
       </p:sp>
+      <p:pic>
+        <p:nvPicPr>
+          <p:cNvPr id="3" name="图片 2">
+            <a:extLst>
+              <a:ext uri="{FF2B5EF4-FFF2-40B4-BE49-F238E27FC236}">
+                <a16:creationId xmlns:a16="http://schemas.microsoft.com/office/drawing/2014/main" id="{A491A795-E737-4EE2-830F-FF74226D4C73}"/>
+              </a:ext>
+            </a:extLst>
+          </p:cNvPr>
+          <p:cNvPicPr>
+            <a:picLocks noChangeAspect="1"/>
+          </p:cNvPicPr>
+          <p:nvPr/>
+        </p:nvPicPr>
+        <p:blipFill>
+          <a:blip r:embed="rId6"/>
+          <a:stretch>
+            <a:fillRect/>
+          </a:stretch>
+        </p:blipFill>
+        <p:spPr>
+          <a:xfrm>
+            <a:off x="838200" y="4048702"/>
+            <a:ext cx="9847619" cy="2314286"/>
+          </a:xfrm>
+          <a:prstGeom prst="rect">
+            <a:avLst/>
+          </a:prstGeom>
+        </p:spPr>
+      </p:pic>
     </p:spTree>
     <p:extLst>
       <p:ext uri="{BB962C8B-B14F-4D97-AF65-F5344CB8AC3E}">
@@ -7376,7 +7459,7 @@
           <p:cNvPr id="2" name="标题 1">
             <a:extLst>
               <a:ext uri="{FF2B5EF4-FFF2-40B4-BE49-F238E27FC236}">
-                <a16:creationId xmlns:a16="http://schemas.microsoft.com/office/drawing/2014/main" id="{627DD9A1-F058-4794-B169-A4226139A01A}"/>
+                <a16:creationId xmlns:a16="http://schemas.microsoft.com/office/drawing/2014/main" id="{7DB0E1E1-59DA-47E5-8626-3031D99D8117}"/>
               </a:ext>
             </a:extLst>
           </p:cNvPr>
@@ -7389,31 +7472,16 @@
         </p:nvSpPr>
         <p:spPr/>
         <p:txBody>
-          <a:bodyPr>
-            <a:normAutofit/>
-          </a:bodyPr>
+          <a:bodyPr/>
           <a:lstStyle/>
           <a:p>
             <a:r>
-              <a:rPr lang="en-US" altLang="zh-CN" dirty="0"/>
-              <a:t>Demo</a:t>
-            </a:r>
-            <a:br>
-              <a:rPr lang="en-US" altLang="zh-CN" dirty="0"/>
-            </a:br>
-            <a:r>
-              <a:rPr lang="en-US" altLang="zh-CN" sz="2000" dirty="0">
+              <a:rPr lang="en-US" altLang="zh-CN" dirty="0">
                 <a:hlinkClick r:id="rId2"/>
               </a:rPr>
-              <a:t>http://127.0.0.1:9090</a:t>
-            </a:r>
-            <a:r>
-              <a:rPr lang="en-US" altLang="zh-CN" sz="2000">
-                <a:hlinkClick r:id="rId2"/>
-              </a:rPr>
-              <a:t>/graph</a:t>
-            </a:r>
-            <a:endParaRPr lang="zh-CN" altLang="en-US" sz="2000" dirty="0"/>
+              <a:t>https://prometheus.io/docs/operating/integrations/#remote-endpoints-and-storage</a:t>
+            </a:r>
+            <a:endParaRPr lang="zh-CN" altLang="en-US" dirty="0"/>
           </a:p>
         </p:txBody>
       </p:sp>
@@ -7422,7 +7490,7 @@
           <p:cNvPr id="4" name="内容占位符 3">
             <a:extLst>
               <a:ext uri="{FF2B5EF4-FFF2-40B4-BE49-F238E27FC236}">
-                <a16:creationId xmlns:a16="http://schemas.microsoft.com/office/drawing/2014/main" id="{A45D9358-C346-4E23-95E0-9511820F28B5}"/>
+                <a16:creationId xmlns:a16="http://schemas.microsoft.com/office/drawing/2014/main" id="{9E16363B-B36C-44BE-922A-AD636598EDE5}"/>
               </a:ext>
             </a:extLst>
           </p:cNvPr>
@@ -7441,52 +7509,18 @@
         </p:blipFill>
         <p:spPr>
           <a:xfrm>
-            <a:off x="838200" y="2216242"/>
-            <a:ext cx="9628600" cy="4351338"/>
+            <a:off x="2896487" y="1825625"/>
+            <a:ext cx="6399025" cy="4351338"/>
           </a:xfrm>
           <a:prstGeom prst="rect">
             <a:avLst/>
           </a:prstGeom>
         </p:spPr>
       </p:pic>
-      <p:sp>
-        <p:nvSpPr>
-          <p:cNvPr id="3" name="矩形 2">
-            <a:extLst>
-              <a:ext uri="{FF2B5EF4-FFF2-40B4-BE49-F238E27FC236}">
-                <a16:creationId xmlns:a16="http://schemas.microsoft.com/office/drawing/2014/main" id="{D516D200-A2E1-44EE-9150-A4C074A414C4}"/>
-              </a:ext>
-            </a:extLst>
-          </p:cNvPr>
-          <p:cNvSpPr/>
-          <p:nvPr/>
-        </p:nvSpPr>
-        <p:spPr>
-          <a:xfrm>
-            <a:off x="3544390" y="1768799"/>
-            <a:ext cx="4216219" cy="369332"/>
-          </a:xfrm>
-          <a:prstGeom prst="rect">
-            <a:avLst/>
-          </a:prstGeom>
-        </p:spPr>
-        <p:txBody>
-          <a:bodyPr wrap="none">
-            <a:spAutoFit/>
-          </a:bodyPr>
-          <a:lstStyle/>
-          <a:p>
-            <a:r>
-              <a:rPr lang="zh-CN" altLang="en-US" dirty="0"/>
-              <a:t>sum (db_pool_wait_count) by (job,mode)</a:t>
-            </a:r>
-          </a:p>
-        </p:txBody>
-      </p:sp>
     </p:spTree>
     <p:extLst>
       <p:ext uri="{BB962C8B-B14F-4D97-AF65-F5344CB8AC3E}">
-        <p14:creationId xmlns:p14="http://schemas.microsoft.com/office/powerpoint/2010/main" val="2298155963"/>
+        <p14:creationId xmlns:p14="http://schemas.microsoft.com/office/powerpoint/2010/main" val="952734190"/>
       </p:ext>
     </p:extLst>
   </p:cSld>
@@ -7513,6 +7547,1421 @@
           <a:chExt cx="0" cy="0"/>
         </a:xfrm>
       </p:grpSpPr>
+      <p:sp>
+        <p:nvSpPr>
+          <p:cNvPr id="2" name="标题 1">
+            <a:extLst>
+              <a:ext uri="{FF2B5EF4-FFF2-40B4-BE49-F238E27FC236}">
+                <a16:creationId xmlns:a16="http://schemas.microsoft.com/office/drawing/2014/main" id="{11FF91E9-FD47-4970-AD9A-245BC4712517}"/>
+              </a:ext>
+            </a:extLst>
+          </p:cNvPr>
+          <p:cNvSpPr>
+            <a:spLocks noGrp="1"/>
+          </p:cNvSpPr>
+          <p:nvPr>
+            <p:ph type="title"/>
+          </p:nvPr>
+        </p:nvSpPr>
+        <p:spPr/>
+        <p:txBody>
+          <a:bodyPr>
+            <a:normAutofit/>
+          </a:bodyPr>
+          <a:lstStyle/>
+          <a:p>
+            <a:pPr marL="571500" indent="-571500">
+              <a:buFont typeface="Wingdings" panose="05000000000000000000" pitchFamily="2" charset="2"/>
+              <a:buChar char="Ø"/>
+            </a:pPr>
+            <a:r>
+              <a:rPr lang="zh-CN" altLang="en-US" b="1" dirty="0">
+                <a:latin typeface="helvetica neue"/>
+              </a:rPr>
+              <a:t>报警</a:t>
+            </a:r>
+            <a:br>
+              <a:rPr lang="en-US" altLang="zh-CN" b="1" dirty="0">
+                <a:latin typeface="helvetica neue"/>
+              </a:rPr>
+            </a:br>
+            <a:endParaRPr lang="zh-CN" altLang="en-US" sz="2000" dirty="0"/>
+          </a:p>
+        </p:txBody>
+      </p:sp>
+      <p:sp>
+        <p:nvSpPr>
+          <p:cNvPr id="3" name="内容占位符 2">
+            <a:extLst>
+              <a:ext uri="{FF2B5EF4-FFF2-40B4-BE49-F238E27FC236}">
+                <a16:creationId xmlns:a16="http://schemas.microsoft.com/office/drawing/2014/main" id="{5A84727F-AE11-462B-82F6-E5297BE1F121}"/>
+              </a:ext>
+            </a:extLst>
+          </p:cNvPr>
+          <p:cNvSpPr>
+            <a:spLocks noGrp="1"/>
+          </p:cNvSpPr>
+          <p:nvPr>
+            <p:ph idx="1"/>
+          </p:nvPr>
+        </p:nvSpPr>
+        <p:spPr/>
+        <p:txBody>
+          <a:bodyPr>
+            <a:normAutofit/>
+          </a:bodyPr>
+          <a:lstStyle/>
+          <a:p>
+            <a:pPr marL="0" indent="0">
+              <a:lnSpc>
+                <a:spcPct val="100000"/>
+              </a:lnSpc>
+              <a:buNone/>
+            </a:pPr>
+            <a:r>
+              <a:rPr lang="en-US" altLang="zh-CN" dirty="0"/>
+              <a:t>Prometheus</a:t>
+            </a:r>
+            <a:r>
+              <a:rPr lang="zh-CN" altLang="en-US" dirty="0"/>
+              <a:t>的警报分为两个部分：</a:t>
+            </a:r>
+            <a:endParaRPr lang="en-US" altLang="zh-CN" dirty="0"/>
+          </a:p>
+          <a:p>
+            <a:pPr marL="514350" indent="-514350">
+              <a:lnSpc>
+                <a:spcPct val="100000"/>
+              </a:lnSpc>
+              <a:buAutoNum type="arabicPeriod"/>
+            </a:pPr>
+            <a:r>
+              <a:rPr lang="en-US" altLang="zh-CN" dirty="0"/>
+              <a:t>Prometheus</a:t>
+            </a:r>
+            <a:r>
+              <a:rPr lang="zh-CN" altLang="en-US" dirty="0"/>
+              <a:t>服务器中的警报规则将警报发送到</a:t>
+            </a:r>
+            <a:r>
+              <a:rPr lang="en-US" altLang="zh-CN" dirty="0" err="1"/>
+              <a:t>Alertmanager</a:t>
+            </a:r>
+            <a:r>
+              <a:rPr lang="zh-CN" altLang="en-US" dirty="0"/>
+              <a:t>。</a:t>
+            </a:r>
+            <a:endParaRPr lang="en-US" altLang="zh-CN" dirty="0"/>
+          </a:p>
+          <a:p>
+            <a:pPr marL="514350" indent="-514350">
+              <a:lnSpc>
+                <a:spcPct val="100000"/>
+              </a:lnSpc>
+              <a:buAutoNum type="arabicPeriod"/>
+            </a:pPr>
+            <a:r>
+              <a:rPr lang="zh-CN" altLang="en-US" dirty="0"/>
+              <a:t>然后，</a:t>
+            </a:r>
+            <a:r>
+              <a:rPr lang="en-US" altLang="zh-CN" dirty="0" err="1">
+                <a:hlinkClick r:id="rId2"/>
+              </a:rPr>
+              <a:t>Alertmanager</a:t>
+            </a:r>
+            <a:r>
+              <a:rPr lang="zh-CN" altLang="en-US" dirty="0"/>
+              <a:t>管理这些警报，通过</a:t>
+            </a:r>
+            <a:r>
+              <a:rPr lang="en-US" altLang="zh-CN" dirty="0"/>
+              <a:t>email</a:t>
+            </a:r>
+            <a:r>
+              <a:rPr lang="zh-CN" altLang="en-US" dirty="0"/>
+              <a:t>、微信等方法通知。</a:t>
+            </a:r>
+            <a:endParaRPr lang="en-US" altLang="zh-CN" dirty="0"/>
+          </a:p>
+          <a:p>
+            <a:pPr marL="0" indent="0">
+              <a:lnSpc>
+                <a:spcPct val="100000"/>
+              </a:lnSpc>
+              <a:buNone/>
+            </a:pPr>
+            <a:r>
+              <a:rPr lang="zh-CN" altLang="en-US" dirty="0"/>
+              <a:t>设置警报和通知的主要步骤是：</a:t>
+            </a:r>
+            <a:endParaRPr lang="en-US" altLang="zh-CN" dirty="0"/>
+          </a:p>
+          <a:p>
+            <a:pPr marL="0" indent="0">
+              <a:buNone/>
+            </a:pPr>
+            <a:r>
+              <a:rPr lang="en-US" altLang="zh-CN" dirty="0"/>
+              <a:t>1. </a:t>
+            </a:r>
+            <a:r>
+              <a:rPr lang="zh-CN" altLang="en-US" dirty="0">
+                <a:hlinkClick r:id="rId3"/>
+              </a:rPr>
+              <a:t>配置</a:t>
+            </a:r>
+            <a:r>
+              <a:rPr lang="en-US" altLang="zh-CN" dirty="0" err="1">
+                <a:hlinkClick r:id="rId3"/>
+              </a:rPr>
+              <a:t>Alertmanager</a:t>
+            </a:r>
+            <a:endParaRPr lang="en-US" altLang="zh-CN" dirty="0"/>
+          </a:p>
+          <a:p>
+            <a:pPr marL="0" indent="0">
+              <a:buNone/>
+            </a:pPr>
+            <a:r>
+              <a:rPr lang="en-US" altLang="zh-CN" dirty="0"/>
+              <a:t>2.  </a:t>
+            </a:r>
+            <a:r>
+              <a:rPr lang="zh-CN" altLang="en-US" dirty="0"/>
+              <a:t>配置</a:t>
+            </a:r>
+            <a:r>
+              <a:rPr lang="en-US" altLang="zh-CN" dirty="0">
+                <a:hlinkClick r:id="rId4"/>
+              </a:rPr>
+              <a:t>Prometheus</a:t>
+            </a:r>
+            <a:r>
+              <a:rPr lang="zh-CN" altLang="en-US" dirty="0">
+                <a:hlinkClick r:id="rId4"/>
+              </a:rPr>
+              <a:t>与</a:t>
+            </a:r>
+            <a:r>
+              <a:rPr lang="en-US" altLang="zh-CN" dirty="0" err="1">
+                <a:hlinkClick r:id="rId4"/>
+              </a:rPr>
+              <a:t>Alertmanager</a:t>
+            </a:r>
+            <a:r>
+              <a:rPr lang="zh-CN" altLang="en-US" dirty="0">
+                <a:hlinkClick r:id="rId4"/>
+              </a:rPr>
+              <a:t>连接</a:t>
+            </a:r>
+            <a:endParaRPr lang="en-US" altLang="zh-CN" dirty="0"/>
+          </a:p>
+          <a:p>
+            <a:pPr marL="0" indent="0">
+              <a:buNone/>
+            </a:pPr>
+            <a:r>
+              <a:rPr lang="en-US" altLang="zh-CN" dirty="0"/>
+              <a:t>3. </a:t>
+            </a:r>
+            <a:r>
+              <a:rPr lang="zh-CN" altLang="en-US" dirty="0"/>
+              <a:t>在</a:t>
+            </a:r>
+            <a:r>
+              <a:rPr lang="en-US" altLang="zh-CN" dirty="0"/>
+              <a:t>Prometheus</a:t>
+            </a:r>
+            <a:r>
+              <a:rPr lang="zh-CN" altLang="en-US" dirty="0"/>
+              <a:t>中创建</a:t>
+            </a:r>
+            <a:r>
+              <a:rPr lang="zh-CN" altLang="en-US" dirty="0">
+                <a:hlinkClick r:id="rId5"/>
+              </a:rPr>
+              <a:t>报警规则</a:t>
+            </a:r>
+            <a:endParaRPr lang="en-US" altLang="zh-CN" dirty="0"/>
+          </a:p>
+          <a:p>
+            <a:pPr marL="0" indent="0">
+              <a:buNone/>
+            </a:pPr>
+            <a:endParaRPr lang="en-US" altLang="zh-CN" dirty="0"/>
+          </a:p>
+          <a:p>
+            <a:pPr marL="0" indent="0">
+              <a:lnSpc>
+                <a:spcPct val="100000"/>
+              </a:lnSpc>
+              <a:buNone/>
+            </a:pPr>
+            <a:endParaRPr lang="zh-CN" altLang="en-US" dirty="0"/>
+          </a:p>
+        </p:txBody>
+      </p:sp>
+    </p:spTree>
+    <p:extLst>
+      <p:ext uri="{BB962C8B-B14F-4D97-AF65-F5344CB8AC3E}">
+        <p14:creationId xmlns:p14="http://schemas.microsoft.com/office/powerpoint/2010/main" val="2444665481"/>
+      </p:ext>
+    </p:extLst>
+  </p:cSld>
+  <p:clrMapOvr>
+    <a:masterClrMapping/>
+  </p:clrMapOvr>
+</p:sld>
+</file>
+
+<file path=ppt/slides/slide22.xml><?xml version="1.0" encoding="utf-8"?>
+<p:sld xmlns:a="http://schemas.openxmlformats.org/drawingml/2006/main" xmlns:r="http://schemas.openxmlformats.org/officeDocument/2006/relationships" xmlns:p="http://schemas.openxmlformats.org/presentationml/2006/main">
+  <p:cSld>
+    <p:spTree>
+      <p:nvGrpSpPr>
+        <p:cNvPr id="1" name=""/>
+        <p:cNvGrpSpPr/>
+        <p:nvPr/>
+      </p:nvGrpSpPr>
+      <p:grpSpPr>
+        <a:xfrm>
+          <a:off x="0" y="0"/>
+          <a:ext cx="0" cy="0"/>
+          <a:chOff x="0" y="0"/>
+          <a:chExt cx="0" cy="0"/>
+        </a:xfrm>
+      </p:grpSpPr>
+      <p:sp>
+        <p:nvSpPr>
+          <p:cNvPr id="2" name="标题 1">
+            <a:extLst>
+              <a:ext uri="{FF2B5EF4-FFF2-40B4-BE49-F238E27FC236}">
+                <a16:creationId xmlns:a16="http://schemas.microsoft.com/office/drawing/2014/main" id="{347A7EAA-8444-43FB-ABAA-6E4BB1964192}"/>
+              </a:ext>
+            </a:extLst>
+          </p:cNvPr>
+          <p:cNvSpPr>
+            <a:spLocks noGrp="1"/>
+          </p:cNvSpPr>
+          <p:nvPr>
+            <p:ph type="title"/>
+          </p:nvPr>
+        </p:nvSpPr>
+        <p:spPr>
+          <a:xfrm>
+            <a:off x="496454" y="88034"/>
+            <a:ext cx="10515600" cy="752475"/>
+          </a:xfrm>
+        </p:spPr>
+        <p:txBody>
+          <a:bodyPr>
+            <a:normAutofit/>
+          </a:bodyPr>
+          <a:lstStyle/>
+          <a:p>
+            <a:r>
+              <a:rPr lang="en-US" altLang="zh-CN" dirty="0"/>
+              <a:t>1. </a:t>
+            </a:r>
+            <a:r>
+              <a:rPr lang="zh-CN" altLang="en-US" dirty="0"/>
+              <a:t>配置</a:t>
+            </a:r>
+            <a:r>
+              <a:rPr lang="en-US" altLang="zh-CN" dirty="0" err="1"/>
+              <a:t>Alertmanager</a:t>
+            </a:r>
+            <a:r>
+              <a:rPr lang="en-US" altLang="zh-CN" dirty="0"/>
+              <a:t>(</a:t>
+            </a:r>
+            <a:r>
+              <a:rPr lang="en-US" altLang="zh-CN" dirty="0" err="1">
+                <a:hlinkClick r:id="rId2"/>
+              </a:rPr>
+              <a:t>simple.yml</a:t>
+            </a:r>
+            <a:r>
+              <a:rPr lang="en-US" altLang="zh-CN" dirty="0"/>
+              <a:t>)</a:t>
+            </a:r>
+            <a:endParaRPr lang="zh-CN" altLang="en-US" dirty="0"/>
+          </a:p>
+        </p:txBody>
+      </p:sp>
+      <p:sp>
+        <p:nvSpPr>
+          <p:cNvPr id="9" name="内容占位符 8">
+            <a:extLst>
+              <a:ext uri="{FF2B5EF4-FFF2-40B4-BE49-F238E27FC236}">
+                <a16:creationId xmlns:a16="http://schemas.microsoft.com/office/drawing/2014/main" id="{AEA76B10-A716-4311-932B-17D7D5C55761}"/>
+              </a:ext>
+            </a:extLst>
+          </p:cNvPr>
+          <p:cNvSpPr>
+            <a:spLocks noGrp="1"/>
+          </p:cNvSpPr>
+          <p:nvPr>
+            <p:ph idx="1"/>
+          </p:nvPr>
+        </p:nvSpPr>
+        <p:spPr/>
+        <p:txBody>
+          <a:bodyPr/>
+          <a:lstStyle/>
+          <a:p>
+            <a:endParaRPr lang="zh-CN" altLang="en-US"/>
+          </a:p>
+        </p:txBody>
+      </p:sp>
+      <p:pic>
+        <p:nvPicPr>
+          <p:cNvPr id="10" name="图片 9">
+            <a:extLst>
+              <a:ext uri="{FF2B5EF4-FFF2-40B4-BE49-F238E27FC236}">
+                <a16:creationId xmlns:a16="http://schemas.microsoft.com/office/drawing/2014/main" id="{A03988DF-1DCB-40D1-9736-87253B05AECD}"/>
+              </a:ext>
+            </a:extLst>
+          </p:cNvPr>
+          <p:cNvPicPr>
+            <a:picLocks noChangeAspect="1"/>
+          </p:cNvPicPr>
+          <p:nvPr/>
+        </p:nvPicPr>
+        <p:blipFill>
+          <a:blip r:embed="rId3"/>
+          <a:stretch>
+            <a:fillRect/>
+          </a:stretch>
+        </p:blipFill>
+        <p:spPr>
+          <a:xfrm>
+            <a:off x="2417634" y="2267960"/>
+            <a:ext cx="7190476" cy="3466667"/>
+          </a:xfrm>
+          <a:prstGeom prst="rect">
+            <a:avLst/>
+          </a:prstGeom>
+        </p:spPr>
+      </p:pic>
+    </p:spTree>
+    <p:extLst>
+      <p:ext uri="{BB962C8B-B14F-4D97-AF65-F5344CB8AC3E}">
+        <p14:creationId xmlns:p14="http://schemas.microsoft.com/office/powerpoint/2010/main" val="3390940271"/>
+      </p:ext>
+    </p:extLst>
+  </p:cSld>
+  <p:clrMapOvr>
+    <a:masterClrMapping/>
+  </p:clrMapOvr>
+</p:sld>
+</file>
+
+<file path=ppt/slides/slide23.xml><?xml version="1.0" encoding="utf-8"?>
+<p:sld xmlns:a="http://schemas.openxmlformats.org/drawingml/2006/main" xmlns:r="http://schemas.openxmlformats.org/officeDocument/2006/relationships" xmlns:p="http://schemas.openxmlformats.org/presentationml/2006/main">
+  <p:cSld>
+    <p:spTree>
+      <p:nvGrpSpPr>
+        <p:cNvPr id="1" name=""/>
+        <p:cNvGrpSpPr/>
+        <p:nvPr/>
+      </p:nvGrpSpPr>
+      <p:grpSpPr>
+        <a:xfrm>
+          <a:off x="0" y="0"/>
+          <a:ext cx="0" cy="0"/>
+          <a:chOff x="0" y="0"/>
+          <a:chExt cx="0" cy="0"/>
+        </a:xfrm>
+      </p:grpSpPr>
+      <p:sp>
+        <p:nvSpPr>
+          <p:cNvPr id="2" name="标题 1">
+            <a:extLst>
+              <a:ext uri="{FF2B5EF4-FFF2-40B4-BE49-F238E27FC236}">
+                <a16:creationId xmlns:a16="http://schemas.microsoft.com/office/drawing/2014/main" id="{F0F9E826-8B07-4C37-9D63-3D3724ADDB4D}"/>
+              </a:ext>
+            </a:extLst>
+          </p:cNvPr>
+          <p:cNvSpPr>
+            <a:spLocks noGrp="1"/>
+          </p:cNvSpPr>
+          <p:nvPr>
+            <p:ph type="title"/>
+          </p:nvPr>
+        </p:nvSpPr>
+        <p:spPr>
+          <a:xfrm>
+            <a:off x="570346" y="152690"/>
+            <a:ext cx="10515600" cy="891020"/>
+          </a:xfrm>
+        </p:spPr>
+        <p:txBody>
+          <a:bodyPr/>
+          <a:lstStyle/>
+          <a:p>
+            <a:r>
+              <a:rPr lang="en-US" altLang="zh-CN" dirty="0"/>
+              <a:t>2.  </a:t>
+            </a:r>
+            <a:r>
+              <a:rPr lang="zh-CN" altLang="en-US" dirty="0"/>
+              <a:t>配置</a:t>
+            </a:r>
+            <a:r>
+              <a:rPr lang="en-US" altLang="zh-CN" dirty="0"/>
+              <a:t>Prometheus</a:t>
+            </a:r>
+            <a:r>
+              <a:rPr lang="zh-CN" altLang="en-US" dirty="0"/>
+              <a:t>与</a:t>
+            </a:r>
+            <a:r>
+              <a:rPr lang="en-US" altLang="zh-CN" dirty="0" err="1"/>
+              <a:t>Alertmanager</a:t>
+            </a:r>
+            <a:r>
+              <a:rPr lang="zh-CN" altLang="en-US" dirty="0"/>
+              <a:t>连接</a:t>
+            </a:r>
+          </a:p>
+        </p:txBody>
+      </p:sp>
+      <p:sp>
+        <p:nvSpPr>
+          <p:cNvPr id="6" name="内容占位符 5">
+            <a:extLst>
+              <a:ext uri="{FF2B5EF4-FFF2-40B4-BE49-F238E27FC236}">
+                <a16:creationId xmlns:a16="http://schemas.microsoft.com/office/drawing/2014/main" id="{8D51FB49-CCBE-48EB-8EF1-353C75BABC21}"/>
+              </a:ext>
+            </a:extLst>
+          </p:cNvPr>
+          <p:cNvSpPr>
+            <a:spLocks noGrp="1"/>
+          </p:cNvSpPr>
+          <p:nvPr>
+            <p:ph idx="1"/>
+          </p:nvPr>
+        </p:nvSpPr>
+        <p:spPr/>
+        <p:txBody>
+          <a:bodyPr/>
+          <a:lstStyle/>
+          <a:p>
+            <a:endParaRPr lang="zh-CN" altLang="en-US"/>
+          </a:p>
+        </p:txBody>
+      </p:sp>
+      <p:pic>
+        <p:nvPicPr>
+          <p:cNvPr id="7" name="图片 6">
+            <a:extLst>
+              <a:ext uri="{FF2B5EF4-FFF2-40B4-BE49-F238E27FC236}">
+                <a16:creationId xmlns:a16="http://schemas.microsoft.com/office/drawing/2014/main" id="{DB8A92FC-FF6C-4188-9AAD-D73E7161F39E}"/>
+              </a:ext>
+            </a:extLst>
+          </p:cNvPr>
+          <p:cNvPicPr>
+            <a:picLocks noChangeAspect="1"/>
+          </p:cNvPicPr>
+          <p:nvPr/>
+        </p:nvPicPr>
+        <p:blipFill>
+          <a:blip r:embed="rId2"/>
+          <a:stretch>
+            <a:fillRect/>
+          </a:stretch>
+        </p:blipFill>
+        <p:spPr>
+          <a:xfrm>
+            <a:off x="1562666" y="1431636"/>
+            <a:ext cx="9066667" cy="5364030"/>
+          </a:xfrm>
+          <a:prstGeom prst="rect">
+            <a:avLst/>
+          </a:prstGeom>
+        </p:spPr>
+      </p:pic>
+    </p:spTree>
+    <p:extLst>
+      <p:ext uri="{BB962C8B-B14F-4D97-AF65-F5344CB8AC3E}">
+        <p14:creationId xmlns:p14="http://schemas.microsoft.com/office/powerpoint/2010/main" val="2206303574"/>
+      </p:ext>
+    </p:extLst>
+  </p:cSld>
+  <p:clrMapOvr>
+    <a:masterClrMapping/>
+  </p:clrMapOvr>
+</p:sld>
+</file>
+
+<file path=ppt/slides/slide24.xml><?xml version="1.0" encoding="utf-8"?>
+<p:sld xmlns:a="http://schemas.openxmlformats.org/drawingml/2006/main" xmlns:r="http://schemas.openxmlformats.org/officeDocument/2006/relationships" xmlns:p="http://schemas.openxmlformats.org/presentationml/2006/main">
+  <p:cSld>
+    <p:spTree>
+      <p:nvGrpSpPr>
+        <p:cNvPr id="1" name=""/>
+        <p:cNvGrpSpPr/>
+        <p:nvPr/>
+      </p:nvGrpSpPr>
+      <p:grpSpPr>
+        <a:xfrm>
+          <a:off x="0" y="0"/>
+          <a:ext cx="0" cy="0"/>
+          <a:chOff x="0" y="0"/>
+          <a:chExt cx="0" cy="0"/>
+        </a:xfrm>
+      </p:grpSpPr>
+      <p:sp>
+        <p:nvSpPr>
+          <p:cNvPr id="2" name="标题 1">
+            <a:extLst>
+              <a:ext uri="{FF2B5EF4-FFF2-40B4-BE49-F238E27FC236}">
+                <a16:creationId xmlns:a16="http://schemas.microsoft.com/office/drawing/2014/main" id="{EA48AB28-1BAB-452A-AEB7-CB5E4D1247C1}"/>
+              </a:ext>
+            </a:extLst>
+          </p:cNvPr>
+          <p:cNvSpPr>
+            <a:spLocks noGrp="1"/>
+          </p:cNvSpPr>
+          <p:nvPr>
+            <p:ph type="title"/>
+          </p:nvPr>
+        </p:nvSpPr>
+        <p:spPr>
+          <a:xfrm>
+            <a:off x="838200" y="365126"/>
+            <a:ext cx="10515600" cy="974148"/>
+          </a:xfrm>
+        </p:spPr>
+        <p:txBody>
+          <a:bodyPr/>
+          <a:lstStyle/>
+          <a:p>
+            <a:r>
+              <a:rPr lang="en-US" altLang="zh-CN" dirty="0"/>
+              <a:t>3. </a:t>
+            </a:r>
+            <a:r>
+              <a:rPr lang="zh-CN" altLang="en-US" dirty="0"/>
+              <a:t>在</a:t>
+            </a:r>
+            <a:r>
+              <a:rPr lang="en-US" altLang="zh-CN" dirty="0"/>
+              <a:t>Prometheus</a:t>
+            </a:r>
+            <a:r>
+              <a:rPr lang="zh-CN" altLang="en-US" dirty="0"/>
+              <a:t>中创建报警规则</a:t>
+            </a:r>
+          </a:p>
+        </p:txBody>
+      </p:sp>
+      <p:pic>
+        <p:nvPicPr>
+          <p:cNvPr id="4" name="内容占位符 3">
+            <a:extLst>
+              <a:ext uri="{FF2B5EF4-FFF2-40B4-BE49-F238E27FC236}">
+                <a16:creationId xmlns:a16="http://schemas.microsoft.com/office/drawing/2014/main" id="{B0DEB6C8-1A81-47E6-B111-F4DAC503B06D}"/>
+              </a:ext>
+            </a:extLst>
+          </p:cNvPr>
+          <p:cNvPicPr>
+            <a:picLocks noGrp="1" noChangeAspect="1"/>
+          </p:cNvPicPr>
+          <p:nvPr>
+            <p:ph idx="1"/>
+          </p:nvPr>
+        </p:nvPicPr>
+        <p:blipFill>
+          <a:blip r:embed="rId2"/>
+          <a:stretch>
+            <a:fillRect/>
+          </a:stretch>
+        </p:blipFill>
+        <p:spPr>
+          <a:xfrm>
+            <a:off x="1519809" y="2648913"/>
+            <a:ext cx="9152381" cy="2704762"/>
+          </a:xfrm>
+          <a:prstGeom prst="rect">
+            <a:avLst/>
+          </a:prstGeom>
+        </p:spPr>
+      </p:pic>
+    </p:spTree>
+    <p:extLst>
+      <p:ext uri="{BB962C8B-B14F-4D97-AF65-F5344CB8AC3E}">
+        <p14:creationId xmlns:p14="http://schemas.microsoft.com/office/powerpoint/2010/main" val="258529598"/>
+      </p:ext>
+    </p:extLst>
+  </p:cSld>
+  <p:clrMapOvr>
+    <a:masterClrMapping/>
+  </p:clrMapOvr>
+</p:sld>
+</file>
+
+<file path=ppt/slides/slide25.xml><?xml version="1.0" encoding="utf-8"?>
+<p:sld xmlns:a="http://schemas.openxmlformats.org/drawingml/2006/main" xmlns:r="http://schemas.openxmlformats.org/officeDocument/2006/relationships" xmlns:p="http://schemas.openxmlformats.org/presentationml/2006/main">
+  <p:cSld>
+    <p:spTree>
+      <p:nvGrpSpPr>
+        <p:cNvPr id="1" name=""/>
+        <p:cNvGrpSpPr/>
+        <p:nvPr/>
+      </p:nvGrpSpPr>
+      <p:grpSpPr>
+        <a:xfrm>
+          <a:off x="0" y="0"/>
+          <a:ext cx="0" cy="0"/>
+          <a:chOff x="0" y="0"/>
+          <a:chExt cx="0" cy="0"/>
+        </a:xfrm>
+      </p:grpSpPr>
+      <p:sp>
+        <p:nvSpPr>
+          <p:cNvPr id="2" name="标题 1">
+            <a:extLst>
+              <a:ext uri="{FF2B5EF4-FFF2-40B4-BE49-F238E27FC236}">
+                <a16:creationId xmlns:a16="http://schemas.microsoft.com/office/drawing/2014/main" id="{F9AEBDBD-B8FF-4839-A3D6-57D899E9D411}"/>
+              </a:ext>
+            </a:extLst>
+          </p:cNvPr>
+          <p:cNvSpPr>
+            <a:spLocks noGrp="1"/>
+          </p:cNvSpPr>
+          <p:nvPr>
+            <p:ph type="title"/>
+          </p:nvPr>
+        </p:nvSpPr>
+        <p:spPr/>
+        <p:txBody>
+          <a:bodyPr/>
+          <a:lstStyle/>
+          <a:p>
+            <a:endParaRPr lang="zh-CN" altLang="en-US"/>
+          </a:p>
+        </p:txBody>
+      </p:sp>
+      <p:pic>
+        <p:nvPicPr>
+          <p:cNvPr id="4" name="内容占位符 3">
+            <a:extLst>
+              <a:ext uri="{FF2B5EF4-FFF2-40B4-BE49-F238E27FC236}">
+                <a16:creationId xmlns:a16="http://schemas.microsoft.com/office/drawing/2014/main" id="{271F229A-BDE1-4D5C-BAED-ECF0B7D423A0}"/>
+              </a:ext>
+            </a:extLst>
+          </p:cNvPr>
+          <p:cNvPicPr>
+            <a:picLocks noGrp="1" noChangeAspect="1"/>
+          </p:cNvPicPr>
+          <p:nvPr>
+            <p:ph idx="1"/>
+          </p:nvPr>
+        </p:nvPicPr>
+        <p:blipFill>
+          <a:blip r:embed="rId2"/>
+          <a:stretch>
+            <a:fillRect/>
+          </a:stretch>
+        </p:blipFill>
+        <p:spPr>
+          <a:xfrm>
+            <a:off x="838200" y="1904214"/>
+            <a:ext cx="10515600" cy="4194160"/>
+          </a:xfrm>
+          <a:prstGeom prst="rect">
+            <a:avLst/>
+          </a:prstGeom>
+        </p:spPr>
+      </p:pic>
+    </p:spTree>
+    <p:extLst>
+      <p:ext uri="{BB962C8B-B14F-4D97-AF65-F5344CB8AC3E}">
+        <p14:creationId xmlns:p14="http://schemas.microsoft.com/office/powerpoint/2010/main" val="1893640749"/>
+      </p:ext>
+    </p:extLst>
+  </p:cSld>
+  <p:clrMapOvr>
+    <a:masterClrMapping/>
+  </p:clrMapOvr>
+</p:sld>
+</file>
+
+<file path=ppt/slides/slide26.xml><?xml version="1.0" encoding="utf-8"?>
+<p:sld xmlns:a="http://schemas.openxmlformats.org/drawingml/2006/main" xmlns:r="http://schemas.openxmlformats.org/officeDocument/2006/relationships" xmlns:p="http://schemas.openxmlformats.org/presentationml/2006/main">
+  <p:cSld>
+    <p:spTree>
+      <p:nvGrpSpPr>
+        <p:cNvPr id="1" name=""/>
+        <p:cNvGrpSpPr/>
+        <p:nvPr/>
+      </p:nvGrpSpPr>
+      <p:grpSpPr>
+        <a:xfrm>
+          <a:off x="0" y="0"/>
+          <a:ext cx="0" cy="0"/>
+          <a:chOff x="0" y="0"/>
+          <a:chExt cx="0" cy="0"/>
+        </a:xfrm>
+      </p:grpSpPr>
+      <p:sp>
+        <p:nvSpPr>
+          <p:cNvPr id="2" name="标题 1">
+            <a:extLst>
+              <a:ext uri="{FF2B5EF4-FFF2-40B4-BE49-F238E27FC236}">
+                <a16:creationId xmlns:a16="http://schemas.microsoft.com/office/drawing/2014/main" id="{42CA75D9-3688-46D3-A70C-E8AF6E190F61}"/>
+              </a:ext>
+            </a:extLst>
+          </p:cNvPr>
+          <p:cNvSpPr>
+            <a:spLocks noGrp="1"/>
+          </p:cNvSpPr>
+          <p:nvPr>
+            <p:ph type="title"/>
+          </p:nvPr>
+        </p:nvSpPr>
+        <p:spPr/>
+        <p:txBody>
+          <a:bodyPr/>
+          <a:lstStyle/>
+          <a:p>
+            <a:endParaRPr lang="zh-CN" altLang="en-US"/>
+          </a:p>
+        </p:txBody>
+      </p:sp>
+      <p:pic>
+        <p:nvPicPr>
+          <p:cNvPr id="4" name="内容占位符 3">
+            <a:extLst>
+              <a:ext uri="{FF2B5EF4-FFF2-40B4-BE49-F238E27FC236}">
+                <a16:creationId xmlns:a16="http://schemas.microsoft.com/office/drawing/2014/main" id="{FD2C4745-BF53-42E8-BB56-8C5D3B70E05A}"/>
+              </a:ext>
+            </a:extLst>
+          </p:cNvPr>
+          <p:cNvPicPr>
+            <a:picLocks noGrp="1" noChangeAspect="1"/>
+          </p:cNvPicPr>
+          <p:nvPr>
+            <p:ph idx="1"/>
+          </p:nvPr>
+        </p:nvPicPr>
+        <p:blipFill>
+          <a:blip r:embed="rId2"/>
+          <a:stretch>
+            <a:fillRect/>
+          </a:stretch>
+        </p:blipFill>
+        <p:spPr>
+          <a:xfrm>
+            <a:off x="838200" y="1826772"/>
+            <a:ext cx="10515600" cy="4349044"/>
+          </a:xfrm>
+          <a:prstGeom prst="rect">
+            <a:avLst/>
+          </a:prstGeom>
+        </p:spPr>
+      </p:pic>
+    </p:spTree>
+    <p:extLst>
+      <p:ext uri="{BB962C8B-B14F-4D97-AF65-F5344CB8AC3E}">
+        <p14:creationId xmlns:p14="http://schemas.microsoft.com/office/powerpoint/2010/main" val="3188316213"/>
+      </p:ext>
+    </p:extLst>
+  </p:cSld>
+  <p:clrMapOvr>
+    <a:masterClrMapping/>
+  </p:clrMapOvr>
+</p:sld>
+</file>
+
+<file path=ppt/slides/slide27.xml><?xml version="1.0" encoding="utf-8"?>
+<p:sld xmlns:a="http://schemas.openxmlformats.org/drawingml/2006/main" xmlns:r="http://schemas.openxmlformats.org/officeDocument/2006/relationships" xmlns:p="http://schemas.openxmlformats.org/presentationml/2006/main">
+  <p:cSld>
+    <p:spTree>
+      <p:nvGrpSpPr>
+        <p:cNvPr id="1" name=""/>
+        <p:cNvGrpSpPr/>
+        <p:nvPr/>
+      </p:nvGrpSpPr>
+      <p:grpSpPr>
+        <a:xfrm>
+          <a:off x="0" y="0"/>
+          <a:ext cx="0" cy="0"/>
+          <a:chOff x="0" y="0"/>
+          <a:chExt cx="0" cy="0"/>
+        </a:xfrm>
+      </p:grpSpPr>
+      <p:pic>
+        <p:nvPicPr>
+          <p:cNvPr id="5" name="图片 4">
+            <a:extLst>
+              <a:ext uri="{FF2B5EF4-FFF2-40B4-BE49-F238E27FC236}">
+                <a16:creationId xmlns:a16="http://schemas.microsoft.com/office/drawing/2014/main" id="{10F82488-5698-4277-9336-85144D952C3C}"/>
+              </a:ext>
+            </a:extLst>
+          </p:cNvPr>
+          <p:cNvPicPr>
+            <a:picLocks noChangeAspect="1"/>
+          </p:cNvPicPr>
+          <p:nvPr/>
+        </p:nvPicPr>
+        <p:blipFill>
+          <a:blip r:embed="rId2"/>
+          <a:stretch>
+            <a:fillRect/>
+          </a:stretch>
+        </p:blipFill>
+        <p:spPr>
+          <a:xfrm>
+            <a:off x="0" y="0"/>
+            <a:ext cx="12192000" cy="2977346"/>
+          </a:xfrm>
+          <a:prstGeom prst="rect">
+            <a:avLst/>
+          </a:prstGeom>
+        </p:spPr>
+      </p:pic>
+      <p:pic>
+        <p:nvPicPr>
+          <p:cNvPr id="4" name="内容占位符 3">
+            <a:extLst>
+              <a:ext uri="{FF2B5EF4-FFF2-40B4-BE49-F238E27FC236}">
+                <a16:creationId xmlns:a16="http://schemas.microsoft.com/office/drawing/2014/main" id="{B846EAFD-65D7-444C-A2AD-82CC93E6FA50}"/>
+              </a:ext>
+            </a:extLst>
+          </p:cNvPr>
+          <p:cNvPicPr>
+            <a:picLocks noGrp="1" noChangeAspect="1"/>
+          </p:cNvPicPr>
+          <p:nvPr>
+            <p:ph idx="1"/>
+          </p:nvPr>
+        </p:nvPicPr>
+        <p:blipFill>
+          <a:blip r:embed="rId3"/>
+          <a:stretch>
+            <a:fillRect/>
+          </a:stretch>
+        </p:blipFill>
+        <p:spPr>
+          <a:xfrm>
+            <a:off x="348672" y="2977346"/>
+            <a:ext cx="10515600" cy="3325068"/>
+          </a:xfrm>
+          <a:prstGeom prst="rect">
+            <a:avLst/>
+          </a:prstGeom>
+        </p:spPr>
+      </p:pic>
+    </p:spTree>
+    <p:extLst>
+      <p:ext uri="{BB962C8B-B14F-4D97-AF65-F5344CB8AC3E}">
+        <p14:creationId xmlns:p14="http://schemas.microsoft.com/office/powerpoint/2010/main" val="3739554024"/>
+      </p:ext>
+    </p:extLst>
+  </p:cSld>
+  <p:clrMapOvr>
+    <a:masterClrMapping/>
+  </p:clrMapOvr>
+</p:sld>
+</file>
+
+<file path=ppt/slides/slide28.xml><?xml version="1.0" encoding="utf-8"?>
+<p:sld xmlns:a="http://schemas.openxmlformats.org/drawingml/2006/main" xmlns:r="http://schemas.openxmlformats.org/officeDocument/2006/relationships" xmlns:p="http://schemas.openxmlformats.org/presentationml/2006/main">
+  <p:cSld>
+    <p:spTree>
+      <p:nvGrpSpPr>
+        <p:cNvPr id="1" name=""/>
+        <p:cNvGrpSpPr/>
+        <p:nvPr/>
+      </p:nvGrpSpPr>
+      <p:grpSpPr>
+        <a:xfrm>
+          <a:off x="0" y="0"/>
+          <a:ext cx="0" cy="0"/>
+          <a:chOff x="0" y="0"/>
+          <a:chExt cx="0" cy="0"/>
+        </a:xfrm>
+      </p:grpSpPr>
+      <p:sp>
+        <p:nvSpPr>
+          <p:cNvPr id="2" name="标题 1">
+            <a:extLst>
+              <a:ext uri="{FF2B5EF4-FFF2-40B4-BE49-F238E27FC236}">
+                <a16:creationId xmlns:a16="http://schemas.microsoft.com/office/drawing/2014/main" id="{627DD9A1-F058-4794-B169-A4226139A01A}"/>
+              </a:ext>
+            </a:extLst>
+          </p:cNvPr>
+          <p:cNvSpPr>
+            <a:spLocks noGrp="1"/>
+          </p:cNvSpPr>
+          <p:nvPr>
+            <p:ph type="title"/>
+          </p:nvPr>
+        </p:nvSpPr>
+        <p:spPr/>
+        <p:txBody>
+          <a:bodyPr>
+            <a:normAutofit fontScale="90000"/>
+          </a:bodyPr>
+          <a:lstStyle/>
+          <a:p>
+            <a:r>
+              <a:rPr lang="en-US" altLang="zh-CN" dirty="0"/>
+              <a:t>Demo</a:t>
+            </a:r>
+            <a:br>
+              <a:rPr lang="en-US" altLang="zh-CN" dirty="0"/>
+            </a:br>
+            <a:r>
+              <a:rPr lang="en-US" altLang="zh-CN" sz="2000" dirty="0"/>
+              <a:t>./</a:t>
+            </a:r>
+            <a:r>
+              <a:rPr lang="en-US" altLang="zh-CN" sz="2000" dirty="0" err="1"/>
+              <a:t>alertmanager</a:t>
+            </a:r>
+            <a:r>
+              <a:rPr lang="en-US" altLang="zh-CN" sz="2000" dirty="0"/>
+              <a:t> --</a:t>
+            </a:r>
+            <a:r>
+              <a:rPr lang="en-US" altLang="zh-CN" sz="2000" dirty="0" err="1"/>
+              <a:t>config.file</a:t>
+            </a:r>
+            <a:r>
+              <a:rPr lang="en-US" altLang="zh-CN" sz="2000" dirty="0"/>
+              <a:t>=</a:t>
+            </a:r>
+            <a:r>
+              <a:rPr lang="en-US" altLang="zh-CN" sz="2000" dirty="0" err="1"/>
+              <a:t>alertmanager.yml</a:t>
+            </a:r>
+            <a:br>
+              <a:rPr lang="en-US" altLang="zh-CN" sz="2000" dirty="0"/>
+            </a:br>
+            <a:r>
+              <a:rPr lang="en-US" altLang="zh-CN" sz="2000" dirty="0"/>
+              <a:t>./</a:t>
+            </a:r>
+            <a:r>
+              <a:rPr lang="en-US" altLang="zh-CN" sz="2000" dirty="0" err="1"/>
+              <a:t>prometheus</a:t>
+            </a:r>
+            <a:r>
+              <a:rPr lang="en-US" altLang="zh-CN" sz="2000" dirty="0"/>
+              <a:t> --</a:t>
+            </a:r>
+            <a:r>
+              <a:rPr lang="en-US" altLang="zh-CN" sz="2000" dirty="0" err="1"/>
+              <a:t>config.file</a:t>
+            </a:r>
+            <a:r>
+              <a:rPr lang="en-US" altLang="zh-CN" sz="2000" dirty="0"/>
+              <a:t>=</a:t>
+            </a:r>
+            <a:r>
+              <a:rPr lang="en-US" altLang="zh-CN" sz="2000" dirty="0" err="1"/>
+              <a:t>prometheus.yml</a:t>
+            </a:r>
+            <a:br>
+              <a:rPr lang="en-US" altLang="zh-CN" dirty="0"/>
+            </a:br>
+            <a:r>
+              <a:rPr lang="en-US" altLang="zh-CN" sz="2000" dirty="0">
+                <a:hlinkClick r:id="rId2"/>
+              </a:rPr>
+              <a:t>http://127.0.0.1:9090/graph</a:t>
+            </a:r>
+            <a:endParaRPr lang="zh-CN" altLang="en-US" sz="2000" dirty="0"/>
+          </a:p>
+        </p:txBody>
+      </p:sp>
+      <p:pic>
+        <p:nvPicPr>
+          <p:cNvPr id="4" name="内容占位符 3">
+            <a:extLst>
+              <a:ext uri="{FF2B5EF4-FFF2-40B4-BE49-F238E27FC236}">
+                <a16:creationId xmlns:a16="http://schemas.microsoft.com/office/drawing/2014/main" id="{A45D9358-C346-4E23-95E0-9511820F28B5}"/>
+              </a:ext>
+            </a:extLst>
+          </p:cNvPr>
+          <p:cNvPicPr>
+            <a:picLocks noGrp="1" noChangeAspect="1"/>
+          </p:cNvPicPr>
+          <p:nvPr>
+            <p:ph idx="1"/>
+          </p:nvPr>
+        </p:nvPicPr>
+        <p:blipFill>
+          <a:blip r:embed="rId3"/>
+          <a:stretch>
+            <a:fillRect/>
+          </a:stretch>
+        </p:blipFill>
+        <p:spPr>
+          <a:xfrm>
+            <a:off x="838200" y="2216242"/>
+            <a:ext cx="9628600" cy="4351338"/>
+          </a:xfrm>
+          <a:prstGeom prst="rect">
+            <a:avLst/>
+          </a:prstGeom>
+        </p:spPr>
+      </p:pic>
+      <p:sp>
+        <p:nvSpPr>
+          <p:cNvPr id="3" name="矩形 2">
+            <a:extLst>
+              <a:ext uri="{FF2B5EF4-FFF2-40B4-BE49-F238E27FC236}">
+                <a16:creationId xmlns:a16="http://schemas.microsoft.com/office/drawing/2014/main" id="{D516D200-A2E1-44EE-9150-A4C074A414C4}"/>
+              </a:ext>
+            </a:extLst>
+          </p:cNvPr>
+          <p:cNvSpPr/>
+          <p:nvPr/>
+        </p:nvSpPr>
+        <p:spPr>
+          <a:xfrm>
+            <a:off x="3544390" y="1768799"/>
+            <a:ext cx="4216219" cy="369332"/>
+          </a:xfrm>
+          <a:prstGeom prst="rect">
+            <a:avLst/>
+          </a:prstGeom>
+        </p:spPr>
+        <p:txBody>
+          <a:bodyPr wrap="none">
+            <a:spAutoFit/>
+          </a:bodyPr>
+          <a:lstStyle/>
+          <a:p>
+            <a:r>
+              <a:rPr lang="zh-CN" altLang="en-US" dirty="0"/>
+              <a:t>sum (db_pool_wait_count) by (job,mode)</a:t>
+            </a:r>
+          </a:p>
+        </p:txBody>
+      </p:sp>
+    </p:spTree>
+    <p:extLst>
+      <p:ext uri="{BB962C8B-B14F-4D97-AF65-F5344CB8AC3E}">
+        <p14:creationId xmlns:p14="http://schemas.microsoft.com/office/powerpoint/2010/main" val="2298155963"/>
+      </p:ext>
+    </p:extLst>
+  </p:cSld>
+  <p:clrMapOvr>
+    <a:masterClrMapping/>
+  </p:clrMapOvr>
+</p:sld>
+</file>
+
+<file path=ppt/slides/slide29.xml><?xml version="1.0" encoding="utf-8"?>
+<p:sld xmlns:a="http://schemas.openxmlformats.org/drawingml/2006/main" xmlns:r="http://schemas.openxmlformats.org/officeDocument/2006/relationships" xmlns:p="http://schemas.openxmlformats.org/presentationml/2006/main">
+  <p:cSld>
+    <p:spTree>
+      <p:nvGrpSpPr>
+        <p:cNvPr id="1" name=""/>
+        <p:cNvGrpSpPr/>
+        <p:nvPr/>
+      </p:nvGrpSpPr>
+      <p:grpSpPr>
+        <a:xfrm>
+          <a:off x="0" y="0"/>
+          <a:ext cx="0" cy="0"/>
+          <a:chOff x="0" y="0"/>
+          <a:chExt cx="0" cy="0"/>
+        </a:xfrm>
+      </p:grpSpPr>
+      <p:sp>
+        <p:nvSpPr>
+          <p:cNvPr id="2" name="标题 1">
+            <a:extLst>
+              <a:ext uri="{FF2B5EF4-FFF2-40B4-BE49-F238E27FC236}">
+                <a16:creationId xmlns:a16="http://schemas.microsoft.com/office/drawing/2014/main" id="{763BD4A6-B6B2-4B06-8BD6-18C2AA920A4C}"/>
+              </a:ext>
+            </a:extLst>
+          </p:cNvPr>
+          <p:cNvSpPr>
+            <a:spLocks noGrp="1"/>
+          </p:cNvSpPr>
+          <p:nvPr>
+            <p:ph type="title"/>
+          </p:nvPr>
+        </p:nvSpPr>
+        <p:spPr/>
+        <p:txBody>
+          <a:bodyPr/>
+          <a:lstStyle/>
+          <a:p>
+            <a:r>
+              <a:rPr lang="zh-CN" altLang="en-US" dirty="0"/>
+              <a:t>配置文件</a:t>
+            </a:r>
+            <a:br>
+              <a:rPr lang="en-US" altLang="zh-CN" dirty="0"/>
+            </a:br>
+            <a:r>
+              <a:rPr lang="zh-CN" altLang="en-US" sz="1200" dirty="0"/>
+              <a:t>服务发现支持的类型丰富：</a:t>
+            </a:r>
+            <a:r>
+              <a:rPr lang="en-US" altLang="zh-CN" sz="1200" dirty="0"/>
+              <a:t>consul</a:t>
+            </a:r>
+            <a:r>
+              <a:rPr lang="zh-CN" altLang="en-US" sz="1200" dirty="0"/>
+              <a:t>，</a:t>
+            </a:r>
+            <a:r>
+              <a:rPr lang="en-US" altLang="zh-CN" sz="1200" dirty="0"/>
+              <a:t>k8s</a:t>
+            </a:r>
+            <a:r>
+              <a:rPr lang="zh-CN" altLang="en-US" sz="1200" dirty="0"/>
+              <a:t>等</a:t>
+            </a:r>
+            <a:r>
+              <a:rPr lang="en-US" altLang="zh-CN" sz="1200" dirty="0">
+                <a:hlinkClick r:id="rId2"/>
+              </a:rPr>
+              <a:t>https://prometheus.io/docs/prometheus/latest/configuration/configuration/</a:t>
+            </a:r>
+            <a:br>
+              <a:rPr lang="en-US" altLang="zh-CN" sz="1200" dirty="0"/>
+            </a:br>
+            <a:r>
+              <a:rPr lang="zh-CN" altLang="en-US" sz="1200" dirty="0"/>
+              <a:t>例子：</a:t>
+            </a:r>
+            <a:r>
+              <a:rPr lang="en-US" altLang="zh-CN" sz="1200" dirty="0">
+                <a:hlinkClick r:id="rId3"/>
+              </a:rPr>
+              <a:t>https://github.com/prometheus/prometheus/tree/master/config/testdata</a:t>
+            </a:r>
+            <a:endParaRPr lang="zh-CN" altLang="en-US" sz="1200" dirty="0"/>
+          </a:p>
+        </p:txBody>
+      </p:sp>
+      <p:pic>
+        <p:nvPicPr>
+          <p:cNvPr id="4" name="内容占位符 3">
+            <a:extLst>
+              <a:ext uri="{FF2B5EF4-FFF2-40B4-BE49-F238E27FC236}">
+                <a16:creationId xmlns:a16="http://schemas.microsoft.com/office/drawing/2014/main" id="{43296D9F-5139-4BC0-8002-37363B9E280D}"/>
+              </a:ext>
+            </a:extLst>
+          </p:cNvPr>
+          <p:cNvPicPr>
+            <a:picLocks noGrp="1" noChangeAspect="1"/>
+          </p:cNvPicPr>
+          <p:nvPr>
+            <p:ph idx="1"/>
+          </p:nvPr>
+        </p:nvPicPr>
+        <p:blipFill>
+          <a:blip r:embed="rId4"/>
+          <a:stretch>
+            <a:fillRect/>
+          </a:stretch>
+        </p:blipFill>
+        <p:spPr>
+          <a:xfrm>
+            <a:off x="2539854" y="2141537"/>
+            <a:ext cx="6597388" cy="4351338"/>
+          </a:xfrm>
+          <a:prstGeom prst="rect">
+            <a:avLst/>
+          </a:prstGeom>
+        </p:spPr>
+      </p:pic>
+    </p:spTree>
+    <p:extLst>
+      <p:ext uri="{BB962C8B-B14F-4D97-AF65-F5344CB8AC3E}">
+        <p14:creationId xmlns:p14="http://schemas.microsoft.com/office/powerpoint/2010/main" val="2293244407"/>
+      </p:ext>
+    </p:extLst>
+  </p:cSld>
+  <p:clrMapOvr>
+    <a:masterClrMapping/>
+  </p:clrMapOvr>
+</p:sld>
+</file>
+
+<file path=ppt/slides/slide3.xml><?xml version="1.0" encoding="utf-8"?>
+<p:sld xmlns:a="http://schemas.openxmlformats.org/drawingml/2006/main" xmlns:r="http://schemas.openxmlformats.org/officeDocument/2006/relationships" xmlns:p="http://schemas.openxmlformats.org/presentationml/2006/main">
+  <p:cSld>
+    <p:spTree>
+      <p:nvGrpSpPr>
+        <p:cNvPr id="1" name=""/>
+        <p:cNvGrpSpPr/>
+        <p:nvPr/>
+      </p:nvGrpSpPr>
+      <p:grpSpPr>
+        <a:xfrm>
+          <a:off x="0" y="0"/>
+          <a:ext cx="0" cy="0"/>
+          <a:chOff x="0" y="0"/>
+          <a:chExt cx="0" cy="0"/>
+        </a:xfrm>
+      </p:grpSpPr>
+      <p:sp>
+        <p:nvSpPr>
+          <p:cNvPr id="2" name="标题 1">
+            <a:extLst>
+              <a:ext uri="{FF2B5EF4-FFF2-40B4-BE49-F238E27FC236}">
+                <a16:creationId xmlns:a16="http://schemas.microsoft.com/office/drawing/2014/main" id="{DB1C44AC-6D99-4373-939E-7788352EF2AF}"/>
+              </a:ext>
+            </a:extLst>
+          </p:cNvPr>
+          <p:cNvSpPr>
+            <a:spLocks noGrp="1"/>
+          </p:cNvSpPr>
+          <p:nvPr>
+            <p:ph type="title"/>
+          </p:nvPr>
+        </p:nvSpPr>
+        <p:spPr/>
+        <p:txBody>
+          <a:bodyPr/>
+          <a:lstStyle/>
+          <a:p>
+            <a:r>
+              <a:rPr lang="en-US" altLang="zh-CN" b="1" dirty="0"/>
+              <a:t>1.Prometheus </a:t>
+            </a:r>
+            <a:r>
+              <a:rPr lang="zh-CN" altLang="en-US" b="1" dirty="0"/>
+              <a:t>的特征</a:t>
+            </a:r>
+          </a:p>
+        </p:txBody>
+      </p:sp>
+      <p:sp>
+        <p:nvSpPr>
+          <p:cNvPr id="3" name="内容占位符 2">
+            <a:extLst>
+              <a:ext uri="{FF2B5EF4-FFF2-40B4-BE49-F238E27FC236}">
+                <a16:creationId xmlns:a16="http://schemas.microsoft.com/office/drawing/2014/main" id="{B2A5480B-273A-416B-9192-1F9FC7F8A742}"/>
+              </a:ext>
+            </a:extLst>
+          </p:cNvPr>
+          <p:cNvSpPr>
+            <a:spLocks noGrp="1"/>
+          </p:cNvSpPr>
+          <p:nvPr>
+            <p:ph idx="1"/>
+          </p:nvPr>
+        </p:nvSpPr>
+        <p:spPr/>
+        <p:txBody>
+          <a:bodyPr/>
+          <a:lstStyle/>
+          <a:p>
+            <a:r>
+              <a:rPr lang="zh-CN" altLang="en-US" dirty="0"/>
+              <a:t>由指标名称和和键</a:t>
+            </a:r>
+            <a:r>
+              <a:rPr lang="en-US" altLang="zh-CN" dirty="0"/>
+              <a:t>/</a:t>
+            </a:r>
+            <a:r>
+              <a:rPr lang="zh-CN" altLang="en-US" dirty="0"/>
+              <a:t>值对标签标识的时间序列数据组成的多维数据模型。</a:t>
+            </a:r>
+          </a:p>
+          <a:p>
+            <a:r>
+              <a:rPr lang="zh-CN" altLang="en-US" dirty="0"/>
+              <a:t>强大的查询语言 </a:t>
+            </a:r>
+            <a:r>
+              <a:rPr lang="en-US" altLang="zh-CN" dirty="0" err="1"/>
+              <a:t>PromQL</a:t>
+            </a:r>
+            <a:r>
+              <a:rPr lang="zh-CN" altLang="en-US" dirty="0"/>
+              <a:t>。</a:t>
+            </a:r>
+          </a:p>
+          <a:p>
+            <a:r>
+              <a:rPr lang="zh-CN" altLang="en-US" dirty="0"/>
+              <a:t>不依赖分布式存储；单个服务节点具有自治能力。</a:t>
+            </a:r>
+          </a:p>
+          <a:p>
+            <a:r>
+              <a:rPr lang="zh-CN" altLang="en-US" dirty="0"/>
+              <a:t>时间序列数据是服务端通过 </a:t>
+            </a:r>
+            <a:r>
+              <a:rPr lang="en-US" altLang="zh-CN" dirty="0"/>
+              <a:t>HTTP </a:t>
+            </a:r>
+            <a:r>
+              <a:rPr lang="zh-CN" altLang="en-US" dirty="0"/>
+              <a:t>协议主动拉取获得的。</a:t>
+            </a:r>
+          </a:p>
+          <a:p>
+            <a:r>
+              <a:rPr lang="zh-CN" altLang="en-US" dirty="0"/>
+              <a:t>也可以通过中间网关来推送时间序列数据。</a:t>
+            </a:r>
+          </a:p>
+          <a:p>
+            <a:r>
+              <a:rPr lang="zh-CN" altLang="en-US" dirty="0"/>
+              <a:t>可以通过静态配置文件或服务发现来获取监控目标。</a:t>
+            </a:r>
+          </a:p>
+          <a:p>
+            <a:r>
+              <a:rPr lang="zh-CN" altLang="en-US" dirty="0"/>
+              <a:t>支持多种类型的图表和仪表盘。</a:t>
+            </a:r>
+          </a:p>
+          <a:p>
+            <a:endParaRPr lang="zh-CN" altLang="en-US" dirty="0"/>
+          </a:p>
+        </p:txBody>
+      </p:sp>
+    </p:spTree>
+    <p:extLst>
+      <p:ext uri="{BB962C8B-B14F-4D97-AF65-F5344CB8AC3E}">
+        <p14:creationId xmlns:p14="http://schemas.microsoft.com/office/powerpoint/2010/main" val="4222791036"/>
+      </p:ext>
+    </p:extLst>
+  </p:cSld>
+  <p:clrMapOvr>
+    <a:masterClrMapping/>
+  </p:clrMapOvr>
+</p:sld>
+</file>
+
+<file path=ppt/slides/slide30.xml><?xml version="1.0" encoding="utf-8"?>
+<p:sld xmlns:a="http://schemas.openxmlformats.org/drawingml/2006/main" xmlns:r="http://schemas.openxmlformats.org/officeDocument/2006/relationships" xmlns:p="http://schemas.openxmlformats.org/presentationml/2006/main">
+  <p:cSld>
+    <p:spTree>
+      <p:nvGrpSpPr>
+        <p:cNvPr id="1" name=""/>
+        <p:cNvGrpSpPr/>
+        <p:nvPr/>
+      </p:nvGrpSpPr>
+      <p:grpSpPr>
+        <a:xfrm>
+          <a:off x="0" y="0"/>
+          <a:ext cx="0" cy="0"/>
+          <a:chOff x="0" y="0"/>
+          <a:chExt cx="0" cy="0"/>
+        </a:xfrm>
+      </p:grpSpPr>
       <p:pic>
         <p:nvPicPr>
           <p:cNvPr id="4" name="图片 3">
@@ -7596,7 +9045,7 @@
 </p:sld>
 </file>
 
-<file path=ppt/slides/slide22.xml><?xml version="1.0" encoding="utf-8"?>
+<file path=ppt/slides/slide31.xml><?xml version="1.0" encoding="utf-8"?>
 <p:sld xmlns:a="http://schemas.openxmlformats.org/drawingml/2006/main" xmlns:r="http://schemas.openxmlformats.org/officeDocument/2006/relationships" xmlns:p="http://schemas.openxmlformats.org/presentationml/2006/main">
   <p:cSld>
     <p:spTree>
@@ -7656,7 +9105,7 @@
 </p:sld>
 </file>
 
-<file path=ppt/slides/slide23.xml><?xml version="1.0" encoding="utf-8"?>
+<file path=ppt/slides/slide32.xml><?xml version="1.0" encoding="utf-8"?>
 <p:sld xmlns:a="http://schemas.openxmlformats.org/drawingml/2006/main" xmlns:r="http://schemas.openxmlformats.org/officeDocument/2006/relationships" xmlns:p="http://schemas.openxmlformats.org/presentationml/2006/main">
   <p:cSld>
     <p:spTree>
@@ -7751,7 +9200,7 @@
 </p:sld>
 </file>
 
-<file path=ppt/slides/slide24.xml><?xml version="1.0" encoding="utf-8"?>
+<file path=ppt/slides/slide33.xml><?xml version="1.0" encoding="utf-8"?>
 <p:sld xmlns:a="http://schemas.openxmlformats.org/drawingml/2006/main" xmlns:r="http://schemas.openxmlformats.org/officeDocument/2006/relationships" xmlns:p="http://schemas.openxmlformats.org/presentationml/2006/main">
   <p:cSld>
     <p:spTree>
@@ -7851,7 +9300,7 @@
 </p:sld>
 </file>
 
-<file path=ppt/slides/slide25.xml><?xml version="1.0" encoding="utf-8"?>
+<file path=ppt/slides/slide34.xml><?xml version="1.0" encoding="utf-8"?>
 <p:sld xmlns:a="http://schemas.openxmlformats.org/drawingml/2006/main" xmlns:r="http://schemas.openxmlformats.org/officeDocument/2006/relationships" xmlns:p="http://schemas.openxmlformats.org/presentationml/2006/main">
   <p:cSld>
     <p:spTree>
@@ -7941,7 +9390,7 @@
 </p:sld>
 </file>
 
-<file path=ppt/slides/slide26.xml><?xml version="1.0" encoding="utf-8"?>
+<file path=ppt/slides/slide35.xml><?xml version="1.0" encoding="utf-8"?>
 <p:sld xmlns:a="http://schemas.openxmlformats.org/drawingml/2006/main" xmlns:r="http://schemas.openxmlformats.org/officeDocument/2006/relationships" xmlns:p="http://schemas.openxmlformats.org/presentationml/2006/main">
   <p:cSld>
     <p:spTree>
@@ -8031,7 +9480,7 @@
 </p:sld>
 </file>
 
-<file path=ppt/slides/slide27.xml><?xml version="1.0" encoding="utf-8"?>
+<file path=ppt/slides/slide36.xml><?xml version="1.0" encoding="utf-8"?>
 <p:sld xmlns:a="http://schemas.openxmlformats.org/drawingml/2006/main" xmlns:r="http://schemas.openxmlformats.org/officeDocument/2006/relationships" xmlns:p="http://schemas.openxmlformats.org/presentationml/2006/main">
   <p:cSld>
     <p:spTree>
@@ -8121,7 +9570,7 @@
 </p:sld>
 </file>
 
-<file path=ppt/slides/slide3.xml><?xml version="1.0" encoding="utf-8"?>
+<file path=ppt/slides/slide37.xml><?xml version="1.0" encoding="utf-8"?>
 <p:sld xmlns:a="http://schemas.openxmlformats.org/drawingml/2006/main" xmlns:r="http://schemas.openxmlformats.org/officeDocument/2006/relationships" xmlns:p="http://schemas.openxmlformats.org/presentationml/2006/main">
   <p:cSld>
     <p:spTree>
@@ -8143,7 +9592,7 @@
           <p:cNvPr id="2" name="标题 1">
             <a:extLst>
               <a:ext uri="{FF2B5EF4-FFF2-40B4-BE49-F238E27FC236}">
-                <a16:creationId xmlns:a16="http://schemas.microsoft.com/office/drawing/2014/main" id="{DB1C44AC-6D99-4373-939E-7788352EF2AF}"/>
+                <a16:creationId xmlns:a16="http://schemas.microsoft.com/office/drawing/2014/main" id="{DEF2DD8F-F708-4F79-9AA3-2D5B318CBB06}"/>
               </a:ext>
             </a:extLst>
           </p:cNvPr>
@@ -8160,13 +9609,19 @@
           <a:lstStyle/>
           <a:p>
             <a:r>
-              <a:rPr lang="en-US" altLang="zh-CN" b="1" dirty="0"/>
-              <a:t>1.Prometheus </a:t>
-            </a:r>
-            <a:r>
-              <a:rPr lang="zh-CN" altLang="en-US" b="1" dirty="0"/>
-              <a:t>的特征</a:t>
-            </a:r>
+              <a:rPr lang="en-US" altLang="zh-CN" dirty="0"/>
+              <a:t>Exporter</a:t>
+            </a:r>
+            <a:br>
+              <a:rPr lang="en-US" altLang="zh-CN" dirty="0"/>
+            </a:br>
+            <a:r>
+              <a:rPr lang="en-US" altLang="zh-CN" dirty="0">
+                <a:hlinkClick r:id="rId2"/>
+              </a:rPr>
+              <a:t>https://prometheus.io/download/</a:t>
+            </a:r>
+            <a:endParaRPr lang="zh-CN" altLang="en-US" dirty="0"/>
           </a:p>
         </p:txBody>
       </p:sp>
@@ -8175,7 +9630,7 @@
           <p:cNvPr id="3" name="内容占位符 2">
             <a:extLst>
               <a:ext uri="{FF2B5EF4-FFF2-40B4-BE49-F238E27FC236}">
-                <a16:creationId xmlns:a16="http://schemas.microsoft.com/office/drawing/2014/main" id="{B2A5480B-273A-416B-9192-1F9FC7F8A742}"/>
+                <a16:creationId xmlns:a16="http://schemas.microsoft.com/office/drawing/2014/main" id="{75140AC0-AFE4-4E5F-8BCA-DCE5100160B7}"/>
               </a:ext>
             </a:extLst>
           </p:cNvPr>
@@ -8192,71 +9647,44 @@
           <a:lstStyle/>
           <a:p>
             <a:r>
-              <a:rPr lang="zh-CN" altLang="en-US" dirty="0"/>
-              <a:t>由指标名称和和键</a:t>
-            </a:r>
-            <a:r>
-              <a:rPr lang="en-US" altLang="zh-CN" dirty="0"/>
-              <a:t>/</a:t>
-            </a:r>
-            <a:r>
-              <a:rPr lang="zh-CN" altLang="en-US" dirty="0"/>
-              <a:t>值对标签标识的时间序列数据组成的多维数据模型。</a:t>
-            </a:r>
-          </a:p>
-          <a:p>
-            <a:r>
-              <a:rPr lang="zh-CN" altLang="en-US" dirty="0"/>
-              <a:t>强大的查询语言 </a:t>
-            </a:r>
-            <a:r>
               <a:rPr lang="en-US" altLang="zh-CN" dirty="0" err="1"/>
-              <a:t>PromQL</a:t>
-            </a:r>
-            <a:r>
-              <a:rPr lang="zh-CN" altLang="en-US" dirty="0"/>
-              <a:t>。</a:t>
-            </a:r>
-          </a:p>
-          <a:p>
-            <a:r>
-              <a:rPr lang="zh-CN" altLang="en-US" dirty="0"/>
-              <a:t>不依赖分布式存储；单个服务节点具有自治能力。</a:t>
-            </a:r>
-          </a:p>
-          <a:p>
-            <a:r>
-              <a:rPr lang="zh-CN" altLang="en-US" dirty="0"/>
-              <a:t>时间序列数据是服务端通过 </a:t>
-            </a:r>
-            <a:r>
-              <a:rPr lang="en-US" altLang="zh-CN" dirty="0"/>
-              <a:t>HTTP </a:t>
-            </a:r>
-            <a:r>
-              <a:rPr lang="zh-CN" altLang="en-US" dirty="0"/>
-              <a:t>协议主动拉取获得的。</a:t>
-            </a:r>
-          </a:p>
-          <a:p>
-            <a:r>
-              <a:rPr lang="zh-CN" altLang="en-US" dirty="0"/>
-              <a:t>也可以通过中间网关来推送时间序列数据。</a:t>
-            </a:r>
-          </a:p>
-          <a:p>
-            <a:r>
-              <a:rPr lang="zh-CN" altLang="en-US" dirty="0"/>
-              <a:t>可以通过静态配置文件或服务发现来获取监控目标。</a:t>
-            </a:r>
-          </a:p>
-          <a:p>
-            <a:r>
-              <a:rPr lang="zh-CN" altLang="en-US" dirty="0"/>
-              <a:t>支持多种类型的图表和仪表盘。</a:t>
-            </a:r>
-          </a:p>
-          <a:p>
+              <a:t>consul_exporter</a:t>
+            </a:r>
+            <a:endParaRPr lang="en-US" altLang="zh-CN" dirty="0"/>
+          </a:p>
+          <a:p>
+            <a:r>
+              <a:rPr lang="en-US" altLang="zh-CN" dirty="0" err="1"/>
+              <a:t>haproxy_exporter</a:t>
+            </a:r>
+            <a:endParaRPr lang="en-US" altLang="zh-CN" dirty="0"/>
+          </a:p>
+          <a:p>
+            <a:r>
+              <a:rPr lang="en-US" altLang="zh-CN" dirty="0" err="1"/>
+              <a:t>memcached_exporter</a:t>
+            </a:r>
+            <a:endParaRPr lang="en-US" altLang="zh-CN" dirty="0"/>
+          </a:p>
+          <a:p>
+            <a:r>
+              <a:rPr lang="en-US" altLang="zh-CN" dirty="0" err="1"/>
+              <a:t>mysqld_exporter</a:t>
+            </a:r>
+            <a:endParaRPr lang="en-US" altLang="zh-CN" dirty="0"/>
+          </a:p>
+          <a:p>
+            <a:r>
+              <a:rPr lang="en-US" altLang="zh-CN" dirty="0" err="1"/>
+              <a:t>node_exporter</a:t>
+            </a:r>
+            <a:endParaRPr lang="en-US" altLang="zh-CN" dirty="0"/>
+          </a:p>
+          <a:p>
+            <a:r>
+              <a:rPr lang="en-US" altLang="zh-CN" dirty="0"/>
+              <a:t>…</a:t>
+            </a:r>
             <a:endParaRPr lang="zh-CN" altLang="en-US" dirty="0"/>
           </a:p>
         </p:txBody>
@@ -8264,7 +9692,91 @@
     </p:spTree>
     <p:extLst>
       <p:ext uri="{BB962C8B-B14F-4D97-AF65-F5344CB8AC3E}">
-        <p14:creationId xmlns:p14="http://schemas.microsoft.com/office/powerpoint/2010/main" val="4222791036"/>
+        <p14:creationId xmlns:p14="http://schemas.microsoft.com/office/powerpoint/2010/main" val="2705626852"/>
+      </p:ext>
+    </p:extLst>
+  </p:cSld>
+  <p:clrMapOvr>
+    <a:masterClrMapping/>
+  </p:clrMapOvr>
+</p:sld>
+</file>
+
+<file path=ppt/slides/slide38.xml><?xml version="1.0" encoding="utf-8"?>
+<p:sld xmlns:a="http://schemas.openxmlformats.org/drawingml/2006/main" xmlns:r="http://schemas.openxmlformats.org/officeDocument/2006/relationships" xmlns:p="http://schemas.openxmlformats.org/presentationml/2006/main">
+  <p:cSld>
+    <p:spTree>
+      <p:nvGrpSpPr>
+        <p:cNvPr id="1" name=""/>
+        <p:cNvGrpSpPr/>
+        <p:nvPr/>
+      </p:nvGrpSpPr>
+      <p:grpSpPr>
+        <a:xfrm>
+          <a:off x="0" y="0"/>
+          <a:ext cx="0" cy="0"/>
+          <a:chOff x="0" y="0"/>
+          <a:chExt cx="0" cy="0"/>
+        </a:xfrm>
+      </p:grpSpPr>
+      <p:sp>
+        <p:nvSpPr>
+          <p:cNvPr id="2" name="标题 1">
+            <a:extLst>
+              <a:ext uri="{FF2B5EF4-FFF2-40B4-BE49-F238E27FC236}">
+                <a16:creationId xmlns:a16="http://schemas.microsoft.com/office/drawing/2014/main" id="{7601048D-90E9-4AAF-9C85-45A8232AA773}"/>
+              </a:ext>
+            </a:extLst>
+          </p:cNvPr>
+          <p:cNvSpPr>
+            <a:spLocks noGrp="1"/>
+          </p:cNvSpPr>
+          <p:nvPr>
+            <p:ph type="title"/>
+          </p:nvPr>
+        </p:nvSpPr>
+        <p:spPr/>
+        <p:txBody>
+          <a:bodyPr/>
+          <a:lstStyle/>
+          <a:p>
+            <a:r>
+              <a:rPr lang="en-US" altLang="zh-CN" dirty="0"/>
+              <a:t>Grafana</a:t>
+            </a:r>
+            <a:endParaRPr lang="zh-CN" altLang="en-US" dirty="0"/>
+          </a:p>
+        </p:txBody>
+      </p:sp>
+      <p:sp>
+        <p:nvSpPr>
+          <p:cNvPr id="3" name="内容占位符 2">
+            <a:extLst>
+              <a:ext uri="{FF2B5EF4-FFF2-40B4-BE49-F238E27FC236}">
+                <a16:creationId xmlns:a16="http://schemas.microsoft.com/office/drawing/2014/main" id="{71060E1E-9B42-4B2E-BF47-43971C2005DF}"/>
+              </a:ext>
+            </a:extLst>
+          </p:cNvPr>
+          <p:cNvSpPr>
+            <a:spLocks noGrp="1"/>
+          </p:cNvSpPr>
+          <p:nvPr>
+            <p:ph idx="1"/>
+          </p:nvPr>
+        </p:nvSpPr>
+        <p:spPr/>
+        <p:txBody>
+          <a:bodyPr/>
+          <a:lstStyle/>
+          <a:p>
+            <a:endParaRPr lang="zh-CN" altLang="en-US" dirty="0"/>
+          </a:p>
+        </p:txBody>
+      </p:sp>
+    </p:spTree>
+    <p:extLst>
+      <p:ext uri="{BB962C8B-B14F-4D97-AF65-F5344CB8AC3E}">
+        <p14:creationId xmlns:p14="http://schemas.microsoft.com/office/powerpoint/2010/main" val="2969576714"/>
       </p:ext>
     </p:extLst>
   </p:cSld>

--- a/files/Prometheus.pptx
+++ b/files/Prometheus.pptx
@@ -24,29 +24,30 @@
     <p:sldId id="279" r:id="rId18"/>
     <p:sldId id="280" r:id="rId19"/>
     <p:sldId id="278" r:id="rId20"/>
-    <p:sldId id="273" r:id="rId21"/>
-    <p:sldId id="274" r:id="rId22"/>
-    <p:sldId id="290" r:id="rId23"/>
-    <p:sldId id="291" r:id="rId24"/>
-    <p:sldId id="303" r:id="rId25"/>
-    <p:sldId id="292" r:id="rId26"/>
-    <p:sldId id="293" r:id="rId27"/>
-    <p:sldId id="294" r:id="rId28"/>
-    <p:sldId id="295" r:id="rId29"/>
-    <p:sldId id="296" r:id="rId30"/>
-    <p:sldId id="297" r:id="rId31"/>
-    <p:sldId id="281" r:id="rId32"/>
-    <p:sldId id="289" r:id="rId33"/>
-    <p:sldId id="282" r:id="rId34"/>
-    <p:sldId id="283" r:id="rId35"/>
-    <p:sldId id="284" r:id="rId36"/>
-    <p:sldId id="285" r:id="rId37"/>
-    <p:sldId id="286" r:id="rId38"/>
-    <p:sldId id="287" r:id="rId39"/>
-    <p:sldId id="288" r:id="rId40"/>
-    <p:sldId id="299" r:id="rId41"/>
-    <p:sldId id="298" r:id="rId42"/>
-    <p:sldId id="304" r:id="rId43"/>
+    <p:sldId id="305" r:id="rId21"/>
+    <p:sldId id="273" r:id="rId22"/>
+    <p:sldId id="274" r:id="rId23"/>
+    <p:sldId id="290" r:id="rId24"/>
+    <p:sldId id="291" r:id="rId25"/>
+    <p:sldId id="303" r:id="rId26"/>
+    <p:sldId id="292" r:id="rId27"/>
+    <p:sldId id="293" r:id="rId28"/>
+    <p:sldId id="294" r:id="rId29"/>
+    <p:sldId id="295" r:id="rId30"/>
+    <p:sldId id="296" r:id="rId31"/>
+    <p:sldId id="297" r:id="rId32"/>
+    <p:sldId id="281" r:id="rId33"/>
+    <p:sldId id="289" r:id="rId34"/>
+    <p:sldId id="282" r:id="rId35"/>
+    <p:sldId id="283" r:id="rId36"/>
+    <p:sldId id="284" r:id="rId37"/>
+    <p:sldId id="285" r:id="rId38"/>
+    <p:sldId id="286" r:id="rId39"/>
+    <p:sldId id="287" r:id="rId40"/>
+    <p:sldId id="288" r:id="rId41"/>
+    <p:sldId id="299" r:id="rId42"/>
+    <p:sldId id="298" r:id="rId43"/>
+    <p:sldId id="304" r:id="rId44"/>
   </p:sldIdLst>
   <p:sldSz cx="12192000" cy="6858000"/>
   <p:notesSz cx="6858000" cy="9144000"/>
@@ -312,7 +313,7 @@
           <a:p>
             <a:fld id="{DD2514A8-13CE-47E7-BD5A-5572C6224BC1}" type="datetimeFigureOut">
               <a:rPr lang="zh-CN" altLang="en-US" smtClean="0"/>
-              <a:t>2019/10/25</a:t>
+              <a:t>2019/10/26</a:t>
             </a:fld>
             <a:endParaRPr lang="zh-CN" altLang="en-US"/>
           </a:p>
@@ -510,7 +511,7 @@
           <a:p>
             <a:fld id="{DD2514A8-13CE-47E7-BD5A-5572C6224BC1}" type="datetimeFigureOut">
               <a:rPr lang="zh-CN" altLang="en-US" smtClean="0"/>
-              <a:t>2019/10/25</a:t>
+              <a:t>2019/10/26</a:t>
             </a:fld>
             <a:endParaRPr lang="zh-CN" altLang="en-US"/>
           </a:p>
@@ -718,7 +719,7 @@
           <a:p>
             <a:fld id="{DD2514A8-13CE-47E7-BD5A-5572C6224BC1}" type="datetimeFigureOut">
               <a:rPr lang="zh-CN" altLang="en-US" smtClean="0"/>
-              <a:t>2019/10/25</a:t>
+              <a:t>2019/10/26</a:t>
             </a:fld>
             <a:endParaRPr lang="zh-CN" altLang="en-US"/>
           </a:p>
@@ -916,7 +917,7 @@
           <a:p>
             <a:fld id="{DD2514A8-13CE-47E7-BD5A-5572C6224BC1}" type="datetimeFigureOut">
               <a:rPr lang="zh-CN" altLang="en-US" smtClean="0"/>
-              <a:t>2019/10/25</a:t>
+              <a:t>2019/10/26</a:t>
             </a:fld>
             <a:endParaRPr lang="zh-CN" altLang="en-US"/>
           </a:p>
@@ -1191,7 +1192,7 @@
           <a:p>
             <a:fld id="{DD2514A8-13CE-47E7-BD5A-5572C6224BC1}" type="datetimeFigureOut">
               <a:rPr lang="zh-CN" altLang="en-US" smtClean="0"/>
-              <a:t>2019/10/25</a:t>
+              <a:t>2019/10/26</a:t>
             </a:fld>
             <a:endParaRPr lang="zh-CN" altLang="en-US"/>
           </a:p>
@@ -1456,7 +1457,7 @@
           <a:p>
             <a:fld id="{DD2514A8-13CE-47E7-BD5A-5572C6224BC1}" type="datetimeFigureOut">
               <a:rPr lang="zh-CN" altLang="en-US" smtClean="0"/>
-              <a:t>2019/10/25</a:t>
+              <a:t>2019/10/26</a:t>
             </a:fld>
             <a:endParaRPr lang="zh-CN" altLang="en-US"/>
           </a:p>
@@ -1868,7 +1869,7 @@
           <a:p>
             <a:fld id="{DD2514A8-13CE-47E7-BD5A-5572C6224BC1}" type="datetimeFigureOut">
               <a:rPr lang="zh-CN" altLang="en-US" smtClean="0"/>
-              <a:t>2019/10/25</a:t>
+              <a:t>2019/10/26</a:t>
             </a:fld>
             <a:endParaRPr lang="zh-CN" altLang="en-US"/>
           </a:p>
@@ -2009,7 +2010,7 @@
           <a:p>
             <a:fld id="{DD2514A8-13CE-47E7-BD5A-5572C6224BC1}" type="datetimeFigureOut">
               <a:rPr lang="zh-CN" altLang="en-US" smtClean="0"/>
-              <a:t>2019/10/25</a:t>
+              <a:t>2019/10/26</a:t>
             </a:fld>
             <a:endParaRPr lang="zh-CN" altLang="en-US"/>
           </a:p>
@@ -2122,7 +2123,7 @@
           <a:p>
             <a:fld id="{DD2514A8-13CE-47E7-BD5A-5572C6224BC1}" type="datetimeFigureOut">
               <a:rPr lang="zh-CN" altLang="en-US" smtClean="0"/>
-              <a:t>2019/10/25</a:t>
+              <a:t>2019/10/26</a:t>
             </a:fld>
             <a:endParaRPr lang="zh-CN" altLang="en-US"/>
           </a:p>
@@ -2433,7 +2434,7 @@
           <a:p>
             <a:fld id="{DD2514A8-13CE-47E7-BD5A-5572C6224BC1}" type="datetimeFigureOut">
               <a:rPr lang="zh-CN" altLang="en-US" smtClean="0"/>
-              <a:t>2019/10/25</a:t>
+              <a:t>2019/10/26</a:t>
             </a:fld>
             <a:endParaRPr lang="zh-CN" altLang="en-US"/>
           </a:p>
@@ -2721,7 +2722,7 @@
           <a:p>
             <a:fld id="{DD2514A8-13CE-47E7-BD5A-5572C6224BC1}" type="datetimeFigureOut">
               <a:rPr lang="zh-CN" altLang="en-US" smtClean="0"/>
-              <a:t>2019/10/25</a:t>
+              <a:t>2019/10/26</a:t>
             </a:fld>
             <a:endParaRPr lang="zh-CN" altLang="en-US"/>
           </a:p>
@@ -2962,7 +2963,7 @@
           <a:p>
             <a:fld id="{DD2514A8-13CE-47E7-BD5A-5572C6224BC1}" type="datetimeFigureOut">
               <a:rPr lang="zh-CN" altLang="en-US" smtClean="0"/>
-              <a:t>2019/10/25</a:t>
+              <a:t>2019/10/26</a:t>
             </a:fld>
             <a:endParaRPr lang="zh-CN" altLang="en-US"/>
           </a:p>
@@ -6043,7 +6044,7 @@
         </p:spPr>
         <p:txBody>
           <a:bodyPr>
-            <a:normAutofit/>
+            <a:normAutofit fontScale="85000" lnSpcReduction="10000"/>
           </a:bodyPr>
           <a:lstStyle/>
           <a:p>
@@ -6125,19 +6126,19 @@
               <a:t>  </a:t>
             </a:r>
             <a:r>
-              <a:rPr lang="en-US" altLang="zh-CN" sz="1600" dirty="0" err="1"/>
+              <a:rPr lang="en-US" altLang="zh-CN" sz="1800" dirty="0" err="1"/>
               <a:t>io_namespace_http_requests_latency_seconds_histogram_sum</a:t>
             </a:r>
             <a:r>
-              <a:rPr lang="en-US" altLang="zh-CN" sz="1600" dirty="0"/>
+              <a:rPr lang="en-US" altLang="zh-CN" sz="1800" dirty="0"/>
               <a:t>{path="/",method="</a:t>
             </a:r>
             <a:r>
-              <a:rPr lang="en-US" altLang="zh-CN" sz="1600" dirty="0" err="1"/>
+              <a:rPr lang="en-US" altLang="zh-CN" sz="1800" dirty="0" err="1"/>
               <a:t>GET",code</a:t>
             </a:r>
             <a:r>
-              <a:rPr lang="en-US" altLang="zh-CN" sz="1600" dirty="0"/>
+              <a:rPr lang="en-US" altLang="zh-CN" sz="1800" dirty="0"/>
               <a:t>="200",} 13.10767</a:t>
             </a:r>
           </a:p>
@@ -6152,7 +6153,7 @@
               <a:buNone/>
             </a:pPr>
             <a:r>
-              <a:rPr lang="en-US" altLang="zh-CN" sz="1800" b="1" dirty="0"/>
+              <a:rPr lang="en-US" altLang="zh-CN" sz="1800" dirty="0"/>
               <a:t>3. </a:t>
             </a:r>
             <a:r>
@@ -6230,23 +6231,23 @@
               <a:buNone/>
             </a:pPr>
             <a:r>
-              <a:rPr lang="zh-CN" altLang="en-US" sz="1600" dirty="0"/>
+              <a:rPr lang="zh-CN" altLang="en-US" sz="1800" dirty="0"/>
               <a:t>  </a:t>
             </a:r>
             <a:r>
-              <a:rPr lang="en-US" altLang="zh-CN" sz="1600" dirty="0" err="1"/>
+              <a:rPr lang="en-US" altLang="zh-CN" sz="1800" dirty="0" err="1"/>
               <a:t>io_namespace_http_requests_latency_seconds_histogram_count</a:t>
             </a:r>
             <a:r>
-              <a:rPr lang="en-US" altLang="zh-CN" sz="1600" dirty="0"/>
+              <a:rPr lang="en-US" altLang="zh-CN" sz="1800" dirty="0"/>
               <a:t>{path="/",method="</a:t>
             </a:r>
             <a:r>
-              <a:rPr lang="en-US" altLang="zh-CN" sz="1600" dirty="0" err="1"/>
+              <a:rPr lang="en-US" altLang="zh-CN" sz="1800" dirty="0" err="1"/>
               <a:t>GET",code</a:t>
             </a:r>
             <a:r>
-              <a:rPr lang="en-US" altLang="zh-CN" sz="1600" dirty="0"/>
+              <a:rPr lang="en-US" altLang="zh-CN" sz="1800" dirty="0"/>
               <a:t>="200",} 2.0</a:t>
             </a:r>
           </a:p>
@@ -6254,7 +6255,7 @@
             <a:pPr marL="0" indent="0">
               <a:buNone/>
             </a:pPr>
-            <a:endParaRPr lang="en-US" altLang="zh-CN" sz="1600" dirty="0"/>
+            <a:endParaRPr lang="en-US" altLang="zh-CN" sz="1800" dirty="0"/>
           </a:p>
           <a:p>
             <a:pPr marL="0" indent="0">
@@ -6264,7 +6265,7 @@
               <a:buNone/>
             </a:pPr>
             <a:r>
-              <a:rPr lang="zh-CN" altLang="en-US" sz="1600" dirty="0"/>
+              <a:rPr lang="zh-CN" altLang="en-US" sz="1800" dirty="0"/>
               <a:t> 注意：</a:t>
             </a:r>
           </a:p>
@@ -6276,124 +6277,246 @@
               <a:buNone/>
             </a:pPr>
             <a:r>
-              <a:rPr lang="en-US" altLang="zh-CN" sz="1600" dirty="0"/>
+              <a:rPr lang="en-US" altLang="zh-CN" sz="1800" dirty="0"/>
               <a:t>bucket </a:t>
             </a:r>
             <a:r>
-              <a:rPr lang="zh-CN" altLang="en-US" sz="1600" dirty="0"/>
+              <a:rPr lang="zh-CN" altLang="en-US" sz="1800" dirty="0"/>
               <a:t>可以理解为是对数据指标值域的一个划分，划分的依据应该基于数据值的分布。注意后面的采样点是包含前面的采样点的，假设 </a:t>
             </a:r>
             <a:r>
-              <a:rPr lang="en-US" altLang="zh-CN" sz="1600" dirty="0" err="1"/>
+              <a:rPr lang="en-US" altLang="zh-CN" sz="1800" dirty="0" err="1"/>
               <a:t>xxx_bucket</a:t>
             </a:r>
             <a:r>
-              <a:rPr lang="en-US" altLang="zh-CN" sz="1600" dirty="0"/>
+              <a:rPr lang="en-US" altLang="zh-CN" sz="1800" dirty="0"/>
               <a:t>{...,le="0.01"} </a:t>
             </a:r>
             <a:r>
-              <a:rPr lang="zh-CN" altLang="en-US" sz="1600" dirty="0"/>
+              <a:rPr lang="zh-CN" altLang="en-US" sz="1800" dirty="0"/>
               <a:t>的值为 </a:t>
             </a:r>
             <a:r>
-              <a:rPr lang="en-US" altLang="zh-CN" sz="1600" dirty="0"/>
+              <a:rPr lang="en-US" altLang="zh-CN" sz="1800" dirty="0"/>
               <a:t>10</a:t>
             </a:r>
             <a:r>
-              <a:rPr lang="zh-CN" altLang="en-US" sz="1600" dirty="0"/>
+              <a:rPr lang="zh-CN" altLang="en-US" sz="1800" dirty="0"/>
               <a:t>，而 </a:t>
             </a:r>
             <a:r>
-              <a:rPr lang="en-US" altLang="zh-CN" sz="1600" dirty="0" err="1"/>
+              <a:rPr lang="en-US" altLang="zh-CN" sz="1800" dirty="0" err="1"/>
               <a:t>xxx_bucket</a:t>
             </a:r>
             <a:r>
-              <a:rPr lang="en-US" altLang="zh-CN" sz="1600" dirty="0"/>
+              <a:rPr lang="en-US" altLang="zh-CN" sz="1800" dirty="0"/>
               <a:t>{...,le="0.05"} </a:t>
             </a:r>
             <a:r>
-              <a:rPr lang="zh-CN" altLang="en-US" sz="1600" dirty="0"/>
+              <a:rPr lang="zh-CN" altLang="en-US" sz="1800" dirty="0"/>
               <a:t>的值为 </a:t>
             </a:r>
             <a:r>
-              <a:rPr lang="en-US" altLang="zh-CN" sz="1600" dirty="0"/>
+              <a:rPr lang="en-US" altLang="zh-CN" sz="1800" dirty="0"/>
               <a:t>30</a:t>
             </a:r>
             <a:r>
-              <a:rPr lang="zh-CN" altLang="en-US" sz="1600" dirty="0"/>
+              <a:rPr lang="zh-CN" altLang="en-US" sz="1800" dirty="0"/>
               <a:t>，那么意味着这 </a:t>
             </a:r>
             <a:r>
-              <a:rPr lang="en-US" altLang="zh-CN" sz="1600" dirty="0"/>
+              <a:rPr lang="en-US" altLang="zh-CN" sz="1800" dirty="0"/>
               <a:t>30 </a:t>
             </a:r>
             <a:r>
-              <a:rPr lang="zh-CN" altLang="en-US" sz="1600" dirty="0"/>
+              <a:rPr lang="zh-CN" altLang="en-US" sz="1800" dirty="0"/>
               <a:t>个采样点中，有 </a:t>
             </a:r>
             <a:r>
-              <a:rPr lang="en-US" altLang="zh-CN" sz="1600" dirty="0"/>
+              <a:rPr lang="en-US" altLang="zh-CN" sz="1800" dirty="0"/>
               <a:t>10 </a:t>
             </a:r>
             <a:r>
-              <a:rPr lang="zh-CN" altLang="en-US" sz="1600" dirty="0"/>
+              <a:rPr lang="zh-CN" altLang="en-US" sz="1800" dirty="0"/>
               <a:t>个是小于 </a:t>
             </a:r>
             <a:r>
-              <a:rPr lang="en-US" altLang="zh-CN" sz="1600" dirty="0"/>
+              <a:rPr lang="en-US" altLang="zh-CN" sz="1800" dirty="0"/>
               <a:t>10 </a:t>
             </a:r>
             <a:r>
-              <a:rPr lang="en-US" altLang="zh-CN" sz="1600" dirty="0" err="1"/>
+              <a:rPr lang="en-US" altLang="zh-CN" sz="1800" dirty="0" err="1"/>
               <a:t>ms</a:t>
             </a:r>
             <a:r>
-              <a:rPr lang="en-US" altLang="zh-CN" sz="1600" dirty="0"/>
+              <a:rPr lang="en-US" altLang="zh-CN" sz="1800" dirty="0"/>
               <a:t> </a:t>
             </a:r>
             <a:r>
-              <a:rPr lang="zh-CN" altLang="en-US" sz="1600" dirty="0"/>
+              <a:rPr lang="zh-CN" altLang="en-US" sz="1800" dirty="0"/>
               <a:t>的，其余 </a:t>
             </a:r>
             <a:r>
-              <a:rPr lang="en-US" altLang="zh-CN" sz="1600" dirty="0"/>
+              <a:rPr lang="en-US" altLang="zh-CN" sz="1800" dirty="0"/>
               <a:t>20 </a:t>
             </a:r>
             <a:r>
-              <a:rPr lang="zh-CN" altLang="en-US" sz="1600" dirty="0"/>
+              <a:rPr lang="zh-CN" altLang="en-US" sz="1800" dirty="0"/>
               <a:t>个采样点的响应时间是介于 </a:t>
             </a:r>
             <a:r>
-              <a:rPr lang="en-US" altLang="zh-CN" sz="1600" dirty="0"/>
+              <a:rPr lang="en-US" altLang="zh-CN" sz="1800" dirty="0"/>
               <a:t>10 </a:t>
             </a:r>
             <a:r>
-              <a:rPr lang="en-US" altLang="zh-CN" sz="1600" dirty="0" err="1"/>
+              <a:rPr lang="en-US" altLang="zh-CN" sz="1800" dirty="0" err="1"/>
               <a:t>ms</a:t>
             </a:r>
             <a:r>
-              <a:rPr lang="en-US" altLang="zh-CN" sz="1600" dirty="0"/>
+              <a:rPr lang="en-US" altLang="zh-CN" sz="1800" dirty="0"/>
               <a:t> </a:t>
             </a:r>
             <a:r>
-              <a:rPr lang="zh-CN" altLang="en-US" sz="1600" dirty="0"/>
+              <a:rPr lang="zh-CN" altLang="en-US" sz="1800" dirty="0"/>
               <a:t>和 </a:t>
             </a:r>
             <a:r>
-              <a:rPr lang="en-US" altLang="zh-CN" sz="1600" dirty="0"/>
+              <a:rPr lang="en-US" altLang="zh-CN" sz="1800" dirty="0"/>
               <a:t>50 </a:t>
             </a:r>
             <a:r>
-              <a:rPr lang="en-US" altLang="zh-CN" sz="1600" dirty="0" err="1"/>
+              <a:rPr lang="en-US" altLang="zh-CN" sz="1800" dirty="0" err="1"/>
               <a:t>ms</a:t>
             </a:r>
             <a:r>
-              <a:rPr lang="en-US" altLang="zh-CN" sz="1600" dirty="0"/>
+              <a:rPr lang="en-US" altLang="zh-CN" sz="1800" dirty="0"/>
               <a:t> </a:t>
             </a:r>
             <a:r>
-              <a:rPr lang="zh-CN" altLang="en-US" sz="1600" dirty="0"/>
+              <a:rPr lang="zh-CN" altLang="en-US" sz="1800" dirty="0"/>
               <a:t>之间的。</a:t>
+            </a:r>
+            <a:endParaRPr lang="en-US" altLang="zh-CN" sz="1800" dirty="0"/>
+          </a:p>
+          <a:p>
+            <a:pPr marL="0" indent="0">
+              <a:lnSpc>
+                <a:spcPct val="100000"/>
+              </a:lnSpc>
+              <a:buNone/>
+            </a:pPr>
+            <a:endParaRPr lang="en-US" altLang="zh-CN" sz="1800" dirty="0"/>
+          </a:p>
+          <a:p>
+            <a:pPr marL="0" indent="0">
+              <a:lnSpc>
+                <a:spcPct val="100000"/>
+              </a:lnSpc>
+              <a:buNone/>
+            </a:pPr>
+            <a:r>
+              <a:rPr lang="zh-CN" altLang="en-US" sz="1800" dirty="0"/>
+              <a:t>可以使用使用</a:t>
+            </a:r>
+            <a:r>
+              <a:rPr lang="en-US" altLang="zh-CN" sz="1800" dirty="0" err="1">
+                <a:hlinkClick r:id="rId2"/>
+              </a:rPr>
+              <a:t>histogram_quantile</a:t>
+            </a:r>
+            <a:r>
+              <a:rPr lang="en-US" altLang="zh-CN" sz="1800" dirty="0">
+                <a:hlinkClick r:id="rId2"/>
+              </a:rPr>
+              <a:t>()</a:t>
+            </a:r>
+            <a:r>
+              <a:rPr lang="zh-CN" altLang="en-US" sz="1800" dirty="0"/>
+              <a:t>函数得到分位数（不精确的），设置的</a:t>
+            </a:r>
+            <a:r>
+              <a:rPr lang="en-US" altLang="zh-CN" sz="1800" dirty="0"/>
+              <a:t>bucket</a:t>
+            </a:r>
+            <a:r>
+              <a:rPr lang="zh-CN" altLang="en-US" sz="1800" dirty="0"/>
+              <a:t>不合理的话，误差会非常大。会消耗服务端的计算资源。</a:t>
+            </a:r>
+            <a:endParaRPr lang="en-US" altLang="zh-CN" sz="1800" dirty="0"/>
+          </a:p>
+          <a:p>
+            <a:pPr marL="0" indent="0">
+              <a:lnSpc>
+                <a:spcPct val="100000"/>
+              </a:lnSpc>
+              <a:buNone/>
+            </a:pPr>
+            <a:endParaRPr lang="en-US" altLang="zh-CN" sz="1800" dirty="0"/>
+          </a:p>
+          <a:p>
+            <a:pPr marL="0" indent="0">
+              <a:lnSpc>
+                <a:spcPct val="100000"/>
+              </a:lnSpc>
+              <a:buNone/>
+            </a:pPr>
+            <a:r>
+              <a:rPr lang="zh-CN" altLang="en-US" sz="1800" dirty="0"/>
+              <a:t>如果需要聚合（</a:t>
+            </a:r>
+            <a:r>
+              <a:rPr lang="en-US" altLang="zh-CN" sz="1800" dirty="0"/>
+              <a:t>aggregate</a:t>
+            </a:r>
+            <a:r>
+              <a:rPr lang="zh-CN" altLang="en-US" sz="1800" dirty="0"/>
+              <a:t>），选择</a:t>
+            </a:r>
+            <a:r>
+              <a:rPr lang="en-US" altLang="zh-CN" sz="1800" dirty="0"/>
+              <a:t>histograms</a:t>
+            </a:r>
+            <a:r>
+              <a:rPr lang="zh-CN" altLang="en-US" sz="1800" dirty="0"/>
+              <a:t>。</a:t>
+            </a:r>
+            <a:endParaRPr lang="en-US" altLang="zh-CN" sz="1800" dirty="0"/>
+          </a:p>
+          <a:p>
+            <a:pPr marL="0" indent="0">
+              <a:lnSpc>
+                <a:spcPct val="100000"/>
+              </a:lnSpc>
+              <a:buNone/>
+            </a:pPr>
+            <a:endParaRPr lang="en-US" altLang="zh-CN" sz="1800" dirty="0"/>
+          </a:p>
+          <a:p>
+            <a:pPr marL="0" indent="0">
+              <a:lnSpc>
+                <a:spcPct val="100000"/>
+              </a:lnSpc>
+              <a:buNone/>
+            </a:pPr>
+            <a:r>
+              <a:rPr lang="zh-CN" altLang="en-US" sz="1800" dirty="0"/>
+              <a:t>果比较清楚要观测的指标的范围和分布情况，选择</a:t>
+            </a:r>
+            <a:r>
+              <a:rPr lang="en-US" altLang="zh-CN" sz="1800" dirty="0"/>
+              <a:t>histograms</a:t>
+            </a:r>
+            <a:r>
+              <a:rPr lang="zh-CN" altLang="en-US" sz="1800" dirty="0"/>
+              <a:t>。如果需要精确的分为数选择</a:t>
+            </a:r>
+            <a:r>
+              <a:rPr lang="en-US" altLang="zh-CN" sz="1800" dirty="0"/>
+              <a:t>summary</a:t>
+            </a:r>
+            <a:r>
+              <a:rPr lang="zh-CN" altLang="en-US" sz="1800" dirty="0"/>
+              <a:t>。</a:t>
             </a:r>
           </a:p>
         </p:txBody>
@@ -7667,300 +7790,408 @@
           <a:chExt cx="0" cy="0"/>
         </a:xfrm>
       </p:grpSpPr>
+      <p:pic>
+        <p:nvPicPr>
+          <p:cNvPr id="5" name="图片 4">
+            <a:extLst>
+              <a:ext uri="{FF2B5EF4-FFF2-40B4-BE49-F238E27FC236}">
+                <a16:creationId xmlns:a16="http://schemas.microsoft.com/office/drawing/2014/main" id="{FF4E2350-5D72-450C-A890-1B0C2A08A531}"/>
+              </a:ext>
+            </a:extLst>
+          </p:cNvPr>
+          <p:cNvPicPr>
+            <a:picLocks noChangeAspect="1"/>
+          </p:cNvPicPr>
+          <p:nvPr/>
+        </p:nvPicPr>
+        <p:blipFill>
+          <a:blip r:embed="rId2"/>
+          <a:stretch>
+            <a:fillRect/>
+          </a:stretch>
+        </p:blipFill>
+        <p:spPr>
+          <a:xfrm>
+            <a:off x="368926" y="667850"/>
+            <a:ext cx="6571429" cy="1314286"/>
+          </a:xfrm>
+          <a:prstGeom prst="rect">
+            <a:avLst/>
+          </a:prstGeom>
+        </p:spPr>
+      </p:pic>
       <p:sp>
         <p:nvSpPr>
-          <p:cNvPr id="2" name="标题 1">
-            <a:extLst>
-              <a:ext uri="{FF2B5EF4-FFF2-40B4-BE49-F238E27FC236}">
-                <a16:creationId xmlns:a16="http://schemas.microsoft.com/office/drawing/2014/main" id="{11FF91E9-FD47-4970-AD9A-245BC4712517}"/>
-              </a:ext>
-            </a:extLst>
-          </p:cNvPr>
-          <p:cNvSpPr>
-            <a:spLocks noGrp="1"/>
-          </p:cNvSpPr>
-          <p:nvPr>
-            <p:ph type="title"/>
-          </p:nvPr>
+          <p:cNvPr id="8" name="矩形 7">
+            <a:extLst>
+              <a:ext uri="{FF2B5EF4-FFF2-40B4-BE49-F238E27FC236}">
+                <a16:creationId xmlns:a16="http://schemas.microsoft.com/office/drawing/2014/main" id="{774A50AF-6180-4E41-9429-4C4138C86DD4}"/>
+              </a:ext>
+            </a:extLst>
+          </p:cNvPr>
+          <p:cNvSpPr/>
+          <p:nvPr/>
         </p:nvSpPr>
-        <p:spPr/>
+        <p:spPr>
+          <a:xfrm>
+            <a:off x="368926" y="110516"/>
+            <a:ext cx="1735090" cy="369332"/>
+          </a:xfrm>
+          <a:prstGeom prst="rect">
+            <a:avLst/>
+          </a:prstGeom>
+        </p:spPr>
         <p:txBody>
-          <a:bodyPr>
-            <a:normAutofit/>
+          <a:bodyPr wrap="none">
+            <a:spAutoFit/>
           </a:bodyPr>
           <a:lstStyle/>
           <a:p>
-            <a:pPr marL="571500" indent="-571500">
-              <a:buFont typeface="Wingdings" panose="05000000000000000000" pitchFamily="2" charset="2"/>
-              <a:buChar char="Ø"/>
-            </a:pPr>
+            <a:r>
+              <a:rPr lang="en-US" altLang="zh-CN" b="1" dirty="0">
+                <a:solidFill>
+                  <a:srgbClr val="4F4F4F"/>
+                </a:solidFill>
+                <a:latin typeface="Microsoft YaHei" panose="020B0503020204020204" pitchFamily="34" charset="-122"/>
+                <a:ea typeface="Microsoft YaHei" panose="020B0503020204020204" pitchFamily="34" charset="-122"/>
+              </a:rPr>
+              <a:t>summary</a:t>
+            </a:r>
             <a:r>
               <a:rPr lang="zh-CN" altLang="en-US" b="1" dirty="0">
-                <a:latin typeface="helvetica neue"/>
+                <a:solidFill>
+                  <a:srgbClr val="4F4F4F"/>
+                </a:solidFill>
+                <a:latin typeface="Microsoft YaHei" panose="020B0503020204020204" pitchFamily="34" charset="-122"/>
+                <a:ea typeface="Microsoft YaHei" panose="020B0503020204020204" pitchFamily="34" charset="-122"/>
               </a:rPr>
-              <a:t>查询</a:t>
-            </a:r>
-            <a:br>
-              <a:rPr lang="en-US" altLang="zh-CN" b="1" dirty="0">
-                <a:latin typeface="helvetica neue"/>
-              </a:rPr>
-            </a:br>
-            <a:r>
-              <a:rPr lang="en-US" altLang="zh-CN" sz="2000" dirty="0">
-                <a:latin typeface="helvetica neue"/>
-              </a:rPr>
-              <a:t>https://prometheus.io/docs/prometheus/latest/querying/basics/</a:t>
-            </a:r>
-            <a:endParaRPr lang="zh-CN" altLang="en-US" sz="2000" dirty="0"/>
+              <a:t>例子</a:t>
+            </a:r>
+            <a:endParaRPr lang="zh-CN" altLang="en-US" b="1" i="0" dirty="0">
+              <a:solidFill>
+                <a:srgbClr val="4F4F4F"/>
+              </a:solidFill>
+              <a:effectLst/>
+              <a:latin typeface="Microsoft YaHei" panose="020B0503020204020204" pitchFamily="34" charset="-122"/>
+              <a:ea typeface="Microsoft YaHei" panose="020B0503020204020204" pitchFamily="34" charset="-122"/>
+            </a:endParaRPr>
           </a:p>
         </p:txBody>
       </p:sp>
       <p:sp>
         <p:nvSpPr>
-          <p:cNvPr id="3" name="内容占位符 2">
-            <a:extLst>
-              <a:ext uri="{FF2B5EF4-FFF2-40B4-BE49-F238E27FC236}">
-                <a16:creationId xmlns:a16="http://schemas.microsoft.com/office/drawing/2014/main" id="{5A84727F-AE11-462B-82F6-E5297BE1F121}"/>
-              </a:ext>
-            </a:extLst>
-          </p:cNvPr>
-          <p:cNvSpPr>
-            <a:spLocks noGrp="1"/>
-          </p:cNvSpPr>
-          <p:nvPr>
-            <p:ph idx="1"/>
-          </p:nvPr>
+          <p:cNvPr id="9" name="矩形 8">
+            <a:extLst>
+              <a:ext uri="{FF2B5EF4-FFF2-40B4-BE49-F238E27FC236}">
+                <a16:creationId xmlns:a16="http://schemas.microsoft.com/office/drawing/2014/main" id="{4D5E5676-9AD5-489C-BDAD-15C8A3775830}"/>
+              </a:ext>
+            </a:extLst>
+          </p:cNvPr>
+          <p:cNvSpPr/>
+          <p:nvPr/>
         </p:nvSpPr>
-        <p:spPr/>
+        <p:spPr>
+          <a:xfrm>
+            <a:off x="368925" y="2170138"/>
+            <a:ext cx="8091493" cy="4247317"/>
+          </a:xfrm>
+          <a:prstGeom prst="rect">
+            <a:avLst/>
+          </a:prstGeom>
+        </p:spPr>
         <p:txBody>
-          <a:bodyPr>
-            <a:normAutofit fontScale="70000" lnSpcReduction="20000"/>
+          <a:bodyPr wrap="square">
+            <a:spAutoFit/>
           </a:bodyPr>
           <a:lstStyle/>
           <a:p>
-            <a:pPr marL="0" indent="0">
-              <a:lnSpc>
-                <a:spcPct val="120000"/>
-              </a:lnSpc>
-              <a:buNone/>
-            </a:pPr>
-            <a:r>
-              <a:rPr lang="en-US" altLang="zh-CN" sz="2300" dirty="0"/>
+            <a:r>
+              <a:rPr lang="zh-CN" altLang="en-US" dirty="0">
+                <a:solidFill>
+                  <a:srgbClr val="4D4D4D"/>
+                </a:solidFill>
+                <a:latin typeface="Microsoft YaHei" panose="020B0503020204020204" pitchFamily="34" charset="-122"/>
+                <a:ea typeface="Microsoft YaHei" panose="020B0503020204020204" pitchFamily="34" charset="-122"/>
+              </a:rPr>
+              <a:t>假设设置</a:t>
+            </a:r>
+            <a:r>
+              <a:rPr lang="en-US" altLang="zh-CN" dirty="0">
+                <a:solidFill>
+                  <a:srgbClr val="4D4D4D"/>
+                </a:solidFill>
+                <a:latin typeface="Microsoft YaHei" panose="020B0503020204020204" pitchFamily="34" charset="-122"/>
+                <a:ea typeface="Microsoft YaHei" panose="020B0503020204020204" pitchFamily="34" charset="-122"/>
+              </a:rPr>
+              <a:t>quantile(</a:t>
+            </a:r>
+            <a:r>
+              <a:rPr lang="el-GR" altLang="zh-CN" dirty="0"/>
+              <a:t>Φ</a:t>
+            </a:r>
+            <a:r>
+              <a:rPr lang="en-US" altLang="zh-CN" dirty="0">
+                <a:solidFill>
+                  <a:srgbClr val="4D4D4D"/>
+                </a:solidFill>
+                <a:latin typeface="Microsoft YaHei" panose="020B0503020204020204" pitchFamily="34" charset="-122"/>
+                <a:ea typeface="Microsoft YaHei" panose="020B0503020204020204" pitchFamily="34" charset="-122"/>
+              </a:rPr>
+              <a:t>)={0: 0.01, 0.25: 0.05, 0.5: 0.05 , 0.75: 0.05 , 1: 0.05}</a:t>
+            </a:r>
+          </a:p>
+          <a:p>
+            <a:r>
+              <a:rPr lang="zh-CN" altLang="en-US" dirty="0"/>
+              <a:t>那么：</a:t>
+            </a:r>
+            <a:r>
+              <a:rPr lang="en-US" altLang="zh-CN" dirty="0"/>
+              <a:t>GC</a:t>
+            </a:r>
+            <a:r>
+              <a:rPr lang="zh-CN" altLang="en-US" dirty="0"/>
+              <a:t>总次数</a:t>
+            </a:r>
+            <a:r>
+              <a:rPr lang="en-US" altLang="zh-CN" dirty="0"/>
+              <a:t>1410  </a:t>
+            </a:r>
+            <a:r>
+              <a:rPr lang="zh-CN" altLang="en-US" dirty="0"/>
+              <a:t>总秒数</a:t>
+            </a:r>
+            <a:r>
+              <a:rPr lang="en-US" altLang="zh-CN" dirty="0"/>
+              <a:t>0.0532</a:t>
+            </a:r>
+          </a:p>
+          <a:p>
+            <a:r>
+              <a:rPr lang="el-GR" altLang="zh-CN" dirty="0"/>
+              <a:t>Φ</a:t>
+            </a:r>
+            <a:r>
+              <a:rPr lang="en-US" altLang="zh-CN" dirty="0"/>
+              <a:t>=0 </a:t>
+            </a:r>
+            <a:r>
+              <a:rPr lang="zh-CN" altLang="en-US" dirty="0"/>
+              <a:t>（</a:t>
+            </a:r>
+            <a:r>
+              <a:rPr lang="en-US" altLang="zh-CN" dirty="0"/>
+              <a:t>0.01</a:t>
+            </a:r>
+            <a:r>
+              <a:rPr lang="zh-CN" altLang="en-US" dirty="0"/>
+              <a:t>）代表</a:t>
+            </a:r>
+            <a:r>
+              <a:rPr lang="en-US" altLang="zh-CN" dirty="0"/>
+              <a:t> %0(</a:t>
+            </a:r>
+            <a:r>
+              <a:rPr lang="zh-CN" altLang="en-US" dirty="0"/>
+              <a:t>误差</a:t>
+            </a:r>
+            <a:r>
+              <a:rPr lang="en-US" altLang="zh-CN" dirty="0"/>
+              <a:t>0.01</a:t>
+            </a:r>
+            <a:r>
+              <a:rPr lang="zh-CN" altLang="en-US" dirty="0"/>
+              <a:t>，实际</a:t>
+            </a:r>
+            <a:r>
+              <a:rPr lang="en-US" altLang="zh-CN" dirty="0"/>
+              <a:t>%1)</a:t>
+            </a:r>
+            <a:r>
+              <a:rPr lang="zh-CN" altLang="en-US" dirty="0"/>
+              <a:t>的</a:t>
+            </a:r>
+            <a:r>
+              <a:rPr lang="en-US" altLang="zh-CN" dirty="0"/>
+              <a:t>GC</a:t>
+            </a:r>
+            <a:r>
+              <a:rPr lang="zh-CN" altLang="en-US" dirty="0"/>
+              <a:t>时间少于</a:t>
+            </a:r>
+            <a:r>
+              <a:rPr lang="en-US" altLang="zh-CN" dirty="0"/>
+              <a:t>1.1068e-05</a:t>
+            </a:r>
+          </a:p>
+          <a:p>
+            <a:r>
+              <a:rPr lang="el-GR" altLang="zh-CN" dirty="0"/>
+              <a:t>Φ</a:t>
+            </a:r>
+            <a:r>
+              <a:rPr lang="en-US" altLang="zh-CN" dirty="0"/>
+              <a:t>=0.25 </a:t>
+            </a:r>
+            <a:r>
+              <a:rPr lang="zh-CN" altLang="en-US" dirty="0"/>
+              <a:t>（</a:t>
+            </a:r>
+            <a:r>
+              <a:rPr lang="en-US" altLang="zh-CN" dirty="0"/>
+              <a:t>0.05</a:t>
+            </a:r>
+            <a:r>
+              <a:rPr lang="zh-CN" altLang="en-US" dirty="0"/>
+              <a:t>）代表</a:t>
+            </a:r>
+            <a:r>
+              <a:rPr lang="en-US" altLang="zh-CN" dirty="0"/>
+              <a:t> %25(</a:t>
+            </a:r>
+            <a:r>
+              <a:rPr lang="zh-CN" altLang="en-US" dirty="0"/>
+              <a:t>误差</a:t>
+            </a:r>
+            <a:r>
+              <a:rPr lang="en-US" altLang="zh-CN" dirty="0"/>
+              <a:t>0.05</a:t>
+            </a:r>
+            <a:r>
+              <a:rPr lang="zh-CN" altLang="en-US" dirty="0"/>
+              <a:t>，实际</a:t>
+            </a:r>
+            <a:r>
+              <a:rPr lang="en-US" altLang="zh-CN" dirty="0"/>
+              <a:t>%20-%30)</a:t>
+            </a:r>
+            <a:r>
+              <a:rPr lang="zh-CN" altLang="en-US" dirty="0"/>
+              <a:t>的</a:t>
+            </a:r>
+            <a:r>
+              <a:rPr lang="en-US" altLang="zh-CN" dirty="0"/>
+              <a:t>GC</a:t>
+            </a:r>
+            <a:r>
+              <a:rPr lang="zh-CN" altLang="en-US" dirty="0"/>
+              <a:t>时间少于</a:t>
+            </a:r>
+            <a:r>
+              <a:rPr lang="en-US" altLang="zh-CN" dirty="0"/>
+              <a:t>1.9601e-05</a:t>
+            </a:r>
+          </a:p>
+          <a:p>
+            <a:r>
+              <a:rPr lang="en-US" altLang="zh-CN" dirty="0"/>
+              <a:t>…</a:t>
+            </a:r>
+            <a:r>
+              <a:rPr lang="zh-CN" altLang="en-US" dirty="0"/>
+              <a:t>依次类推</a:t>
+            </a:r>
+            <a:endParaRPr lang="en-US" altLang="zh-CN" dirty="0"/>
+          </a:p>
+          <a:p>
+            <a:endParaRPr lang="en-US" altLang="zh-CN" dirty="0"/>
+          </a:p>
+          <a:p>
+            <a:r>
+              <a:rPr lang="zh-CN" altLang="en-US" dirty="0"/>
+              <a:t>之所以要设置误差，原因很简单，就是用一定的误差换取内存空间和</a:t>
+            </a:r>
+            <a:r>
+              <a:rPr lang="en-US" altLang="zh-CN" dirty="0"/>
+              <a:t>CPU</a:t>
+            </a:r>
+            <a:r>
+              <a:rPr lang="zh-CN" altLang="en-US" dirty="0"/>
+              <a:t>计算能力。换句话说，如果不允许有误差，</a:t>
+            </a:r>
+            <a:r>
+              <a:rPr lang="en-US" altLang="zh-CN" dirty="0"/>
               <a:t>Prometheus</a:t>
             </a:r>
             <a:r>
-              <a:rPr lang="zh-CN" altLang="en-US" sz="2300" dirty="0"/>
-              <a:t>提供一个函数式的表达式语言</a:t>
-            </a:r>
-            <a:r>
-              <a:rPr lang="en-US" altLang="zh-CN" sz="2300" dirty="0" err="1"/>
-              <a:t>PromQL</a:t>
-            </a:r>
-            <a:r>
-              <a:rPr lang="en-US" altLang="zh-CN" sz="2300" dirty="0"/>
-              <a:t> (Prometheus Query Language)</a:t>
-            </a:r>
-            <a:r>
-              <a:rPr lang="zh-CN" altLang="en-US" sz="2300" dirty="0"/>
-              <a:t>，可以使用户实时地查找和聚合时间序列数据。表达式计算结果可以在图表中展示，也可以在</a:t>
-            </a:r>
-            <a:r>
-              <a:rPr lang="en-US" altLang="zh-CN" sz="2300" dirty="0"/>
-              <a:t>Prometheus</a:t>
-            </a:r>
-            <a:r>
-              <a:rPr lang="zh-CN" altLang="en-US" sz="2300" dirty="0"/>
-              <a:t>表达式浏览器中以表格形式展示，或者作为数据源</a:t>
-            </a:r>
-            <a:r>
-              <a:rPr lang="en-US" altLang="zh-CN" sz="2300" dirty="0"/>
-              <a:t>, </a:t>
-            </a:r>
-            <a:r>
-              <a:rPr lang="zh-CN" altLang="en-US" sz="2300" dirty="0"/>
-              <a:t>以</a:t>
-            </a:r>
-            <a:r>
-              <a:rPr lang="en-US" altLang="zh-CN" sz="2300" dirty="0">
-                <a:hlinkClick r:id="rId2"/>
-              </a:rPr>
-              <a:t>HTTP API</a:t>
-            </a:r>
-            <a:r>
-              <a:rPr lang="zh-CN" altLang="en-US" sz="2300" dirty="0"/>
-              <a:t>的方式提供给外部系统使用。</a:t>
-            </a:r>
-            <a:endParaRPr lang="en-US" altLang="zh-CN" sz="2300" dirty="0"/>
-          </a:p>
-          <a:p>
-            <a:pPr marL="0" indent="0">
-              <a:lnSpc>
-                <a:spcPct val="120000"/>
-              </a:lnSpc>
-              <a:buNone/>
-            </a:pPr>
-            <a:endParaRPr lang="en-US" altLang="zh-CN" sz="2300" dirty="0"/>
-          </a:p>
-          <a:p>
-            <a:pPr marL="0" indent="0">
-              <a:lnSpc>
-                <a:spcPct val="120000"/>
-              </a:lnSpc>
-              <a:buNone/>
-            </a:pPr>
-            <a:r>
-              <a:rPr lang="zh-CN" altLang="en-US" sz="2300" dirty="0"/>
-              <a:t>表达式语言数据类型</a:t>
-            </a:r>
-            <a:endParaRPr lang="en-US" altLang="zh-CN" sz="2300" dirty="0"/>
-          </a:p>
-          <a:p>
-            <a:pPr marL="0" indent="0">
-              <a:lnSpc>
-                <a:spcPct val="120000"/>
-              </a:lnSpc>
-              <a:buNone/>
-            </a:pPr>
-            <a:r>
-              <a:rPr lang="zh-CN" altLang="en-US" sz="2300" dirty="0"/>
-              <a:t>在</a:t>
-            </a:r>
-            <a:r>
-              <a:rPr lang="en-US" altLang="zh-CN" sz="2300" dirty="0"/>
-              <a:t>Prometheus</a:t>
-            </a:r>
-            <a:r>
-              <a:rPr lang="zh-CN" altLang="en-US" sz="2300" dirty="0"/>
-              <a:t>的表达式语言中，任何表达式或者子表达式都可以归为四种类型：</a:t>
-            </a:r>
-          </a:p>
-          <a:p>
-            <a:pPr marL="457200" indent="-457200">
-              <a:lnSpc>
-                <a:spcPct val="120000"/>
-              </a:lnSpc>
-              <a:buFont typeface="+mj-lt"/>
-              <a:buAutoNum type="arabicPeriod"/>
-            </a:pPr>
-            <a:r>
-              <a:rPr lang="en-US" altLang="zh-CN" sz="2300" dirty="0"/>
-              <a:t>instant vector </a:t>
-            </a:r>
-            <a:r>
-              <a:rPr lang="zh-CN" altLang="en-US" sz="2300" dirty="0"/>
-              <a:t>瞬时向量 </a:t>
-            </a:r>
-            <a:r>
-              <a:rPr lang="en-US" altLang="zh-CN" sz="2300" dirty="0"/>
-              <a:t>- </a:t>
-            </a:r>
-            <a:r>
-              <a:rPr lang="zh-CN" altLang="en-US" sz="2300" dirty="0"/>
-              <a:t>一组时间序列，包含每个时间序列的单个样本，所有时间序列都共享相同的时间戳。</a:t>
-            </a:r>
-          </a:p>
-          <a:p>
-            <a:pPr marL="457200" indent="-457200">
-              <a:lnSpc>
-                <a:spcPct val="120000"/>
-              </a:lnSpc>
-              <a:buFont typeface="+mj-lt"/>
-              <a:buAutoNum type="arabicPeriod"/>
-            </a:pPr>
-            <a:r>
-              <a:rPr lang="en-US" altLang="zh-CN" sz="2300" dirty="0"/>
-              <a:t>range vector </a:t>
-            </a:r>
-            <a:r>
-              <a:rPr lang="zh-CN" altLang="en-US" sz="2300" dirty="0"/>
-              <a:t>范围向量 </a:t>
-            </a:r>
-            <a:r>
-              <a:rPr lang="en-US" altLang="zh-CN" sz="2300" dirty="0"/>
-              <a:t>- </a:t>
-            </a:r>
-            <a:r>
-              <a:rPr lang="zh-CN" altLang="en-US" sz="2300" dirty="0"/>
-              <a:t>一组时间序列，包含每个时间序列随时间变化的一系列数据点。</a:t>
-            </a:r>
-          </a:p>
-          <a:p>
-            <a:pPr marL="457200" indent="-457200">
-              <a:lnSpc>
-                <a:spcPct val="120000"/>
-              </a:lnSpc>
-              <a:buFont typeface="+mj-lt"/>
-              <a:buAutoNum type="arabicPeriod"/>
-            </a:pPr>
-            <a:r>
-              <a:rPr lang="en-US" altLang="zh-CN" sz="2300" dirty="0"/>
-              <a:t>scalar </a:t>
-            </a:r>
-            <a:r>
-              <a:rPr lang="zh-CN" altLang="en-US" sz="2300" dirty="0"/>
-              <a:t>标量 </a:t>
-            </a:r>
-            <a:r>
-              <a:rPr lang="en-US" altLang="zh-CN" sz="2300" dirty="0"/>
-              <a:t>- </a:t>
-            </a:r>
-            <a:r>
-              <a:rPr lang="zh-CN" altLang="en-US" sz="2300" dirty="0"/>
-              <a:t>一个简单的浮点值</a:t>
-            </a:r>
-          </a:p>
-          <a:p>
-            <a:pPr marL="457200" indent="-457200">
-              <a:lnSpc>
-                <a:spcPct val="120000"/>
-              </a:lnSpc>
-              <a:buFont typeface="+mj-lt"/>
-              <a:buAutoNum type="arabicPeriod"/>
-            </a:pPr>
-            <a:r>
-              <a:rPr lang="en-US" altLang="zh-CN" sz="2300" dirty="0"/>
-              <a:t>string </a:t>
-            </a:r>
-            <a:r>
-              <a:rPr lang="zh-CN" altLang="en-US" sz="2300" dirty="0"/>
-              <a:t>字符串 </a:t>
-            </a:r>
-            <a:r>
-              <a:rPr lang="en-US" altLang="zh-CN" sz="2300" dirty="0"/>
-              <a:t>- </a:t>
-            </a:r>
-            <a:r>
-              <a:rPr lang="zh-CN" altLang="en-US" sz="2300" dirty="0"/>
-              <a:t>一个当前没有被使用的简单字符串</a:t>
-            </a:r>
-          </a:p>
-          <a:p>
-            <a:pPr marL="0" indent="0">
-              <a:lnSpc>
-                <a:spcPct val="120000"/>
-              </a:lnSpc>
-              <a:buNone/>
-            </a:pPr>
-            <a:r>
-              <a:rPr lang="zh-CN" altLang="en-US" sz="2300" dirty="0"/>
-              <a:t>依赖于使用场景（例如：图表 </a:t>
-            </a:r>
-            <a:r>
-              <a:rPr lang="en-US" altLang="zh-CN" sz="2300" dirty="0"/>
-              <a:t>vs. </a:t>
-            </a:r>
-            <a:r>
-              <a:rPr lang="zh-CN" altLang="en-US" sz="2300" dirty="0"/>
-              <a:t>表格），根据用户所写的表达式，仅仅只有一部分类型才适用这种表达式。例如：瞬时向量类型是唯一可以直接在图表中使用的。</a:t>
-            </a:r>
-          </a:p>
-          <a:p>
-            <a:pPr marL="0" indent="0">
-              <a:lnSpc>
-                <a:spcPct val="100000"/>
-              </a:lnSpc>
-              <a:buNone/>
-            </a:pPr>
+              <a:rPr lang="zh-CN" altLang="en-US" dirty="0"/>
+              <a:t>为了计算精确的百分位数，需要缓存并处理所有的采样值，从而可能要消耗大量的内存和计算资源，而设置一定了误差，则可以减缓内存和</a:t>
+            </a:r>
+            <a:r>
+              <a:rPr lang="en-US" altLang="zh-CN" dirty="0"/>
+              <a:t>CPU</a:t>
+            </a:r>
+            <a:r>
+              <a:rPr lang="zh-CN" altLang="en-US" dirty="0"/>
+              <a:t>的消耗。</a:t>
+            </a:r>
+            <a:endParaRPr lang="en-US" altLang="zh-CN" dirty="0"/>
+          </a:p>
+          <a:p>
+            <a:endParaRPr lang="en-US" altLang="zh-CN" dirty="0"/>
+          </a:p>
+          <a:p>
+            <a:r>
+              <a:rPr lang="en-US" altLang="zh-CN" dirty="0"/>
+              <a:t>Summary </a:t>
+            </a:r>
+            <a:r>
+              <a:rPr lang="zh-CN" altLang="en-US" dirty="0"/>
+              <a:t>结构有频繁的全局锁操作，对高并发程序性能存在一定影响。</a:t>
+            </a:r>
+            <a:endParaRPr lang="en-US" altLang="zh-CN" dirty="0"/>
+          </a:p>
+          <a:p>
+            <a:endParaRPr lang="en-US" altLang="zh-CN" dirty="0"/>
+          </a:p>
+          <a:p>
+            <a:r>
+              <a:rPr lang="zh-CN" altLang="en-US" dirty="0"/>
+              <a:t>不能对</a:t>
+            </a:r>
+            <a:r>
+              <a:rPr lang="en-US" altLang="zh-CN" dirty="0"/>
+              <a:t>Summary</a:t>
+            </a:r>
+            <a:r>
+              <a:rPr lang="zh-CN" altLang="en-US" dirty="0"/>
+              <a:t>产生的</a:t>
+            </a:r>
+            <a:r>
+              <a:rPr lang="en-US" altLang="zh-CN" dirty="0"/>
+              <a:t>quantile</a:t>
+            </a:r>
+            <a:r>
+              <a:rPr lang="zh-CN" altLang="en-US" dirty="0"/>
+              <a:t>值进行</a:t>
+            </a:r>
+            <a:r>
+              <a:rPr lang="en-US" altLang="zh-CN" dirty="0"/>
+              <a:t>aggregation(</a:t>
+            </a:r>
+            <a:r>
+              <a:rPr lang="zh-CN" altLang="en-US" dirty="0"/>
+              <a:t>聚合</a:t>
+            </a:r>
+            <a:r>
+              <a:rPr lang="en-US" altLang="zh-CN" dirty="0"/>
+              <a:t>)</a:t>
+            </a:r>
+            <a:r>
+              <a:rPr lang="zh-CN" altLang="en-US" dirty="0"/>
+              <a:t>运算（例如</a:t>
+            </a:r>
+            <a:r>
+              <a:rPr lang="en-US" altLang="zh-CN" dirty="0"/>
+              <a:t>sum, avg</a:t>
+            </a:r>
+            <a:r>
+              <a:rPr lang="zh-CN" altLang="en-US" dirty="0"/>
+              <a:t>等）</a:t>
+            </a:r>
+            <a:endParaRPr lang="en-US" altLang="zh-CN" dirty="0"/>
+          </a:p>
+          <a:p>
             <a:endParaRPr lang="zh-CN" altLang="en-US" dirty="0"/>
           </a:p>
         </p:txBody>
@@ -7968,7 +8199,7 @@
     </p:spTree>
     <p:extLst>
       <p:ext uri="{BB962C8B-B14F-4D97-AF65-F5344CB8AC3E}">
-        <p14:creationId xmlns:p14="http://schemas.microsoft.com/office/powerpoint/2010/main" val="4079756800"/>
+        <p14:creationId xmlns:p14="http://schemas.microsoft.com/office/powerpoint/2010/main" val="3923077043"/>
       </p:ext>
     </p:extLst>
   </p:cSld>
@@ -8000,6 +8231,334 @@
           <p:cNvPr id="2" name="标题 1">
             <a:extLst>
               <a:ext uri="{FF2B5EF4-FFF2-40B4-BE49-F238E27FC236}">
+                <a16:creationId xmlns:a16="http://schemas.microsoft.com/office/drawing/2014/main" id="{11FF91E9-FD47-4970-AD9A-245BC4712517}"/>
+              </a:ext>
+            </a:extLst>
+          </p:cNvPr>
+          <p:cNvSpPr>
+            <a:spLocks noGrp="1"/>
+          </p:cNvSpPr>
+          <p:nvPr>
+            <p:ph type="title"/>
+          </p:nvPr>
+        </p:nvSpPr>
+        <p:spPr/>
+        <p:txBody>
+          <a:bodyPr>
+            <a:normAutofit/>
+          </a:bodyPr>
+          <a:lstStyle/>
+          <a:p>
+            <a:pPr marL="571500" indent="-571500">
+              <a:buFont typeface="Wingdings" panose="05000000000000000000" pitchFamily="2" charset="2"/>
+              <a:buChar char="Ø"/>
+            </a:pPr>
+            <a:r>
+              <a:rPr lang="zh-CN" altLang="en-US" b="1" dirty="0">
+                <a:latin typeface="helvetica neue"/>
+              </a:rPr>
+              <a:t>查询</a:t>
+            </a:r>
+            <a:br>
+              <a:rPr lang="en-US" altLang="zh-CN" b="1" dirty="0">
+                <a:latin typeface="helvetica neue"/>
+              </a:rPr>
+            </a:br>
+            <a:r>
+              <a:rPr lang="en-US" altLang="zh-CN" sz="2000" dirty="0">
+                <a:latin typeface="helvetica neue"/>
+              </a:rPr>
+              <a:t>https://prometheus.io/docs/prometheus/latest/querying/basics/</a:t>
+            </a:r>
+            <a:endParaRPr lang="zh-CN" altLang="en-US" sz="2000" dirty="0"/>
+          </a:p>
+        </p:txBody>
+      </p:sp>
+      <p:sp>
+        <p:nvSpPr>
+          <p:cNvPr id="3" name="内容占位符 2">
+            <a:extLst>
+              <a:ext uri="{FF2B5EF4-FFF2-40B4-BE49-F238E27FC236}">
+                <a16:creationId xmlns:a16="http://schemas.microsoft.com/office/drawing/2014/main" id="{5A84727F-AE11-462B-82F6-E5297BE1F121}"/>
+              </a:ext>
+            </a:extLst>
+          </p:cNvPr>
+          <p:cNvSpPr>
+            <a:spLocks noGrp="1"/>
+          </p:cNvSpPr>
+          <p:nvPr>
+            <p:ph idx="1"/>
+          </p:nvPr>
+        </p:nvSpPr>
+        <p:spPr/>
+        <p:txBody>
+          <a:bodyPr>
+            <a:normAutofit fontScale="70000" lnSpcReduction="20000"/>
+          </a:bodyPr>
+          <a:lstStyle/>
+          <a:p>
+            <a:pPr marL="0" indent="0">
+              <a:lnSpc>
+                <a:spcPct val="120000"/>
+              </a:lnSpc>
+              <a:buNone/>
+            </a:pPr>
+            <a:r>
+              <a:rPr lang="en-US" altLang="zh-CN" sz="2300" dirty="0"/>
+              <a:t>Prometheus</a:t>
+            </a:r>
+            <a:r>
+              <a:rPr lang="zh-CN" altLang="en-US" sz="2300" dirty="0"/>
+              <a:t>提供一个函数式的表达式语言</a:t>
+            </a:r>
+            <a:r>
+              <a:rPr lang="en-US" altLang="zh-CN" sz="2300" dirty="0" err="1"/>
+              <a:t>PromQL</a:t>
+            </a:r>
+            <a:r>
+              <a:rPr lang="en-US" altLang="zh-CN" sz="2300" dirty="0"/>
+              <a:t> (Prometheus Query Language)</a:t>
+            </a:r>
+            <a:r>
+              <a:rPr lang="zh-CN" altLang="en-US" sz="2300" dirty="0"/>
+              <a:t>，可以使用户实时地查找和聚合时间序列数据。表达式计算结果可以在图表中展示，也可以在</a:t>
+            </a:r>
+            <a:r>
+              <a:rPr lang="en-US" altLang="zh-CN" sz="2300" dirty="0"/>
+              <a:t>Prometheus</a:t>
+            </a:r>
+            <a:r>
+              <a:rPr lang="zh-CN" altLang="en-US" sz="2300" dirty="0"/>
+              <a:t>表达式浏览器中以表格形式展示，或者作为数据源</a:t>
+            </a:r>
+            <a:r>
+              <a:rPr lang="en-US" altLang="zh-CN" sz="2300" dirty="0"/>
+              <a:t>, </a:t>
+            </a:r>
+            <a:r>
+              <a:rPr lang="zh-CN" altLang="en-US" sz="2300" dirty="0"/>
+              <a:t>以</a:t>
+            </a:r>
+            <a:r>
+              <a:rPr lang="en-US" altLang="zh-CN" sz="2300" dirty="0">
+                <a:hlinkClick r:id="rId2"/>
+              </a:rPr>
+              <a:t>HTTP API</a:t>
+            </a:r>
+            <a:r>
+              <a:rPr lang="zh-CN" altLang="en-US" sz="2300" dirty="0"/>
+              <a:t>的方式提供给外部系统使用。</a:t>
+            </a:r>
+            <a:endParaRPr lang="en-US" altLang="zh-CN" sz="2300" dirty="0"/>
+          </a:p>
+          <a:p>
+            <a:pPr marL="0" indent="0">
+              <a:lnSpc>
+                <a:spcPct val="120000"/>
+              </a:lnSpc>
+              <a:buNone/>
+            </a:pPr>
+            <a:endParaRPr lang="en-US" altLang="zh-CN" sz="2300" dirty="0"/>
+          </a:p>
+          <a:p>
+            <a:pPr marL="0" indent="0">
+              <a:lnSpc>
+                <a:spcPct val="120000"/>
+              </a:lnSpc>
+              <a:buNone/>
+            </a:pPr>
+            <a:r>
+              <a:rPr lang="zh-CN" altLang="en-US" sz="2300" dirty="0"/>
+              <a:t>表达式语言数据类型</a:t>
+            </a:r>
+            <a:endParaRPr lang="en-US" altLang="zh-CN" sz="2300" dirty="0"/>
+          </a:p>
+          <a:p>
+            <a:pPr marL="0" indent="0">
+              <a:lnSpc>
+                <a:spcPct val="120000"/>
+              </a:lnSpc>
+              <a:buNone/>
+            </a:pPr>
+            <a:r>
+              <a:rPr lang="zh-CN" altLang="en-US" sz="2300" dirty="0"/>
+              <a:t>在</a:t>
+            </a:r>
+            <a:r>
+              <a:rPr lang="en-US" altLang="zh-CN" sz="2300" dirty="0"/>
+              <a:t>Prometheus</a:t>
+            </a:r>
+            <a:r>
+              <a:rPr lang="zh-CN" altLang="en-US" sz="2300" dirty="0"/>
+              <a:t>的表达式语言中，任何表达式或者子表达式都可以归为四种类型：</a:t>
+            </a:r>
+          </a:p>
+          <a:p>
+            <a:pPr marL="457200" indent="-457200">
+              <a:lnSpc>
+                <a:spcPct val="120000"/>
+              </a:lnSpc>
+              <a:buFont typeface="+mj-lt"/>
+              <a:buAutoNum type="arabicPeriod"/>
+            </a:pPr>
+            <a:r>
+              <a:rPr lang="en-US" altLang="zh-CN" sz="2300" dirty="0"/>
+              <a:t>instant vector </a:t>
+            </a:r>
+            <a:r>
+              <a:rPr lang="zh-CN" altLang="en-US" sz="2300" dirty="0"/>
+              <a:t>瞬时向量 </a:t>
+            </a:r>
+            <a:r>
+              <a:rPr lang="en-US" altLang="zh-CN" sz="2300" dirty="0"/>
+              <a:t>- </a:t>
+            </a:r>
+            <a:r>
+              <a:rPr lang="zh-CN" altLang="en-US" sz="2300" dirty="0"/>
+              <a:t>一组时间序列，包含每个时间序列的单个样本，所有时间序列都共享相同的时间戳。</a:t>
+            </a:r>
+          </a:p>
+          <a:p>
+            <a:pPr marL="457200" indent="-457200">
+              <a:lnSpc>
+                <a:spcPct val="120000"/>
+              </a:lnSpc>
+              <a:buFont typeface="+mj-lt"/>
+              <a:buAutoNum type="arabicPeriod"/>
+            </a:pPr>
+            <a:r>
+              <a:rPr lang="en-US" altLang="zh-CN" sz="2300" dirty="0"/>
+              <a:t>range vector </a:t>
+            </a:r>
+            <a:r>
+              <a:rPr lang="zh-CN" altLang="en-US" sz="2300" dirty="0"/>
+              <a:t>范围向量 </a:t>
+            </a:r>
+            <a:r>
+              <a:rPr lang="en-US" altLang="zh-CN" sz="2300" dirty="0"/>
+              <a:t>- </a:t>
+            </a:r>
+            <a:r>
+              <a:rPr lang="zh-CN" altLang="en-US" sz="2300" dirty="0"/>
+              <a:t>一组时间序列，包含每个时间序列随时间变化的一系列数据点。</a:t>
+            </a:r>
+          </a:p>
+          <a:p>
+            <a:pPr marL="457200" indent="-457200">
+              <a:lnSpc>
+                <a:spcPct val="120000"/>
+              </a:lnSpc>
+              <a:buFont typeface="+mj-lt"/>
+              <a:buAutoNum type="arabicPeriod"/>
+            </a:pPr>
+            <a:r>
+              <a:rPr lang="en-US" altLang="zh-CN" sz="2300" dirty="0"/>
+              <a:t>scalar </a:t>
+            </a:r>
+            <a:r>
+              <a:rPr lang="zh-CN" altLang="en-US" sz="2300" dirty="0"/>
+              <a:t>标量 </a:t>
+            </a:r>
+            <a:r>
+              <a:rPr lang="en-US" altLang="zh-CN" sz="2300" dirty="0"/>
+              <a:t>- </a:t>
+            </a:r>
+            <a:r>
+              <a:rPr lang="zh-CN" altLang="en-US" sz="2300" dirty="0"/>
+              <a:t>一个简单的浮点值</a:t>
+            </a:r>
+          </a:p>
+          <a:p>
+            <a:pPr marL="457200" indent="-457200">
+              <a:lnSpc>
+                <a:spcPct val="120000"/>
+              </a:lnSpc>
+              <a:buFont typeface="+mj-lt"/>
+              <a:buAutoNum type="arabicPeriod"/>
+            </a:pPr>
+            <a:r>
+              <a:rPr lang="en-US" altLang="zh-CN" sz="2300" dirty="0"/>
+              <a:t>string </a:t>
+            </a:r>
+            <a:r>
+              <a:rPr lang="zh-CN" altLang="en-US" sz="2300" dirty="0"/>
+              <a:t>字符串 </a:t>
+            </a:r>
+            <a:r>
+              <a:rPr lang="en-US" altLang="zh-CN" sz="2300" dirty="0"/>
+              <a:t>- </a:t>
+            </a:r>
+            <a:r>
+              <a:rPr lang="zh-CN" altLang="en-US" sz="2300" dirty="0"/>
+              <a:t>一个当前没有被使用的简单字符串</a:t>
+            </a:r>
+          </a:p>
+          <a:p>
+            <a:pPr marL="0" indent="0">
+              <a:lnSpc>
+                <a:spcPct val="120000"/>
+              </a:lnSpc>
+              <a:buNone/>
+            </a:pPr>
+            <a:r>
+              <a:rPr lang="zh-CN" altLang="en-US" sz="2300" dirty="0"/>
+              <a:t>依赖于使用场景（例如：图表 </a:t>
+            </a:r>
+            <a:r>
+              <a:rPr lang="en-US" altLang="zh-CN" sz="2300" dirty="0"/>
+              <a:t>vs. </a:t>
+            </a:r>
+            <a:r>
+              <a:rPr lang="zh-CN" altLang="en-US" sz="2300" dirty="0"/>
+              <a:t>表格），根据用户所写的表达式，仅仅只有一部分类型才适用这种表达式。例如：瞬时向量类型是唯一可以直接在图表中使用的。</a:t>
+            </a:r>
+          </a:p>
+          <a:p>
+            <a:pPr marL="0" indent="0">
+              <a:lnSpc>
+                <a:spcPct val="100000"/>
+              </a:lnSpc>
+              <a:buNone/>
+            </a:pPr>
+            <a:endParaRPr lang="zh-CN" altLang="en-US" dirty="0"/>
+          </a:p>
+        </p:txBody>
+      </p:sp>
+    </p:spTree>
+    <p:extLst>
+      <p:ext uri="{BB962C8B-B14F-4D97-AF65-F5344CB8AC3E}">
+        <p14:creationId xmlns:p14="http://schemas.microsoft.com/office/powerpoint/2010/main" val="4079756800"/>
+      </p:ext>
+    </p:extLst>
+  </p:cSld>
+  <p:clrMapOvr>
+    <a:masterClrMapping/>
+  </p:clrMapOvr>
+</p:sld>
+</file>
+
+<file path=ppt/slides/slide22.xml><?xml version="1.0" encoding="utf-8"?>
+<p:sld xmlns:a="http://schemas.openxmlformats.org/drawingml/2006/main" xmlns:r="http://schemas.openxmlformats.org/officeDocument/2006/relationships" xmlns:p="http://schemas.openxmlformats.org/presentationml/2006/main">
+  <p:cSld>
+    <p:spTree>
+      <p:nvGrpSpPr>
+        <p:cNvPr id="1" name=""/>
+        <p:cNvGrpSpPr/>
+        <p:nvPr/>
+      </p:nvGrpSpPr>
+      <p:grpSpPr>
+        <a:xfrm>
+          <a:off x="0" y="0"/>
+          <a:ext cx="0" cy="0"/>
+          <a:chOff x="0" y="0"/>
+          <a:chExt cx="0" cy="0"/>
+        </a:xfrm>
+      </p:grpSpPr>
+      <p:sp>
+        <p:nvSpPr>
+          <p:cNvPr id="2" name="标题 1">
+            <a:extLst>
+              <a:ext uri="{FF2B5EF4-FFF2-40B4-BE49-F238E27FC236}">
                 <a16:creationId xmlns:a16="http://schemas.microsoft.com/office/drawing/2014/main" id="{B44D5E46-472A-4B3B-B712-256B1784FACF}"/>
               </a:ext>
             </a:extLst>
@@ -8219,7 +8778,7 @@
 </p:sld>
 </file>
 
-<file path=ppt/slides/slide22.xml><?xml version="1.0" encoding="utf-8"?>
+<file path=ppt/slides/slide23.xml><?xml version="1.0" encoding="utf-8"?>
 <p:sld xmlns:a="http://schemas.openxmlformats.org/drawingml/2006/main" xmlns:r="http://schemas.openxmlformats.org/officeDocument/2006/relationships" xmlns:p="http://schemas.openxmlformats.org/presentationml/2006/main">
   <p:cSld>
     <p:spTree>
@@ -8312,7 +8871,7 @@
 </p:sld>
 </file>
 
-<file path=ppt/slides/slide23.xml><?xml version="1.0" encoding="utf-8"?>
+<file path=ppt/slides/slide24.xml><?xml version="1.0" encoding="utf-8"?>
 <p:sld xmlns:a="http://schemas.openxmlformats.org/drawingml/2006/main" xmlns:r="http://schemas.openxmlformats.org/officeDocument/2006/relationships" xmlns:p="http://schemas.openxmlformats.org/presentationml/2006/main">
   <p:cSld>
     <p:spTree>
@@ -8597,7 +9156,7 @@
 </p:sld>
 </file>
 
-<file path=ppt/slides/slide24.xml><?xml version="1.0" encoding="utf-8"?>
+<file path=ppt/slides/slide25.xml><?xml version="1.0" encoding="utf-8"?>
 <p:sld xmlns:a="http://schemas.openxmlformats.org/drawingml/2006/main" xmlns:r="http://schemas.openxmlformats.org/officeDocument/2006/relationships" xmlns:p="http://schemas.openxmlformats.org/presentationml/2006/main">
   <p:cSld>
     <p:spTree>
@@ -8659,7 +9218,7 @@
 </p:sld>
 </file>
 
-<file path=ppt/slides/slide25.xml><?xml version="1.0" encoding="utf-8"?>
+<file path=ppt/slides/slide26.xml><?xml version="1.0" encoding="utf-8"?>
 <p:sld xmlns:a="http://schemas.openxmlformats.org/drawingml/2006/main" xmlns:r="http://schemas.openxmlformats.org/officeDocument/2006/relationships" xmlns:p="http://schemas.openxmlformats.org/presentationml/2006/main">
   <p:cSld>
     <p:spTree>
@@ -8802,7 +9361,7 @@
 </p:sld>
 </file>
 
-<file path=ppt/slides/slide26.xml><?xml version="1.0" encoding="utf-8"?>
+<file path=ppt/slides/slide27.xml><?xml version="1.0" encoding="utf-8"?>
 <p:sld xmlns:a="http://schemas.openxmlformats.org/drawingml/2006/main" xmlns:r="http://schemas.openxmlformats.org/officeDocument/2006/relationships" xmlns:p="http://schemas.openxmlformats.org/presentationml/2006/main">
   <p:cSld>
     <p:spTree>
@@ -8940,7 +9499,7 @@
 </p:sld>
 </file>
 
-<file path=ppt/slides/slide27.xml><?xml version="1.0" encoding="utf-8"?>
+<file path=ppt/slides/slide28.xml><?xml version="1.0" encoding="utf-8"?>
 <p:sld xmlns:a="http://schemas.openxmlformats.org/drawingml/2006/main" xmlns:r="http://schemas.openxmlformats.org/officeDocument/2006/relationships" xmlns:p="http://schemas.openxmlformats.org/presentationml/2006/main">
   <p:cSld>
     <p:spTree>
@@ -9047,7 +9606,7 @@
 </p:sld>
 </file>
 
-<file path=ppt/slides/slide28.xml><?xml version="1.0" encoding="utf-8"?>
+<file path=ppt/slides/slide29.xml><?xml version="1.0" encoding="utf-8"?>
 <p:sld xmlns:a="http://schemas.openxmlformats.org/drawingml/2006/main" xmlns:r="http://schemas.openxmlformats.org/officeDocument/2006/relationships" xmlns:p="http://schemas.openxmlformats.org/presentationml/2006/main">
   <p:cSld>
     <p:spTree>
@@ -9134,7 +9693,200 @@
 </p:sld>
 </file>
 
-<file path=ppt/slides/slide29.xml><?xml version="1.0" encoding="utf-8"?>
+<file path=ppt/slides/slide3.xml><?xml version="1.0" encoding="utf-8"?>
+<p:sld xmlns:a="http://schemas.openxmlformats.org/drawingml/2006/main" xmlns:r="http://schemas.openxmlformats.org/officeDocument/2006/relationships" xmlns:p="http://schemas.openxmlformats.org/presentationml/2006/main">
+  <p:cSld>
+    <p:spTree>
+      <p:nvGrpSpPr>
+        <p:cNvPr id="1" name=""/>
+        <p:cNvGrpSpPr/>
+        <p:nvPr/>
+      </p:nvGrpSpPr>
+      <p:grpSpPr>
+        <a:xfrm>
+          <a:off x="0" y="0"/>
+          <a:ext cx="0" cy="0"/>
+          <a:chOff x="0" y="0"/>
+          <a:chExt cx="0" cy="0"/>
+        </a:xfrm>
+      </p:grpSpPr>
+      <p:sp>
+        <p:nvSpPr>
+          <p:cNvPr id="5" name="矩形 4">
+            <a:extLst>
+              <a:ext uri="{FF2B5EF4-FFF2-40B4-BE49-F238E27FC236}">
+                <a16:creationId xmlns:a16="http://schemas.microsoft.com/office/drawing/2014/main" id="{22436FC7-1CD0-4032-A53A-8410A3A016C1}"/>
+              </a:ext>
+            </a:extLst>
+          </p:cNvPr>
+          <p:cNvSpPr/>
+          <p:nvPr/>
+        </p:nvSpPr>
+        <p:spPr>
+          <a:xfrm>
+            <a:off x="5247482" y="751344"/>
+            <a:ext cx="2733544" cy="7017306"/>
+          </a:xfrm>
+          <a:prstGeom prst="rect">
+            <a:avLst/>
+          </a:prstGeom>
+        </p:spPr>
+        <p:txBody>
+          <a:bodyPr wrap="square">
+            <a:spAutoFit/>
+          </a:bodyPr>
+          <a:lstStyle/>
+          <a:p>
+            <a:pPr marL="285750" indent="-285750">
+              <a:lnSpc>
+                <a:spcPct val="300000"/>
+              </a:lnSpc>
+              <a:buFont typeface="Wingdings" panose="05000000000000000000" pitchFamily="2" charset="2"/>
+              <a:buChar char="Ø"/>
+            </a:pPr>
+            <a:r>
+              <a:rPr lang="zh-CN" altLang="en-US" b="1" dirty="0">
+                <a:latin typeface="helvetica neue"/>
+              </a:rPr>
+              <a:t>简介</a:t>
+            </a:r>
+            <a:endParaRPr lang="en-US" altLang="zh-CN" b="1" dirty="0">
+              <a:latin typeface="helvetica neue"/>
+            </a:endParaRPr>
+          </a:p>
+          <a:p>
+            <a:pPr marL="285750" indent="-285750">
+              <a:lnSpc>
+                <a:spcPct val="300000"/>
+              </a:lnSpc>
+              <a:buFont typeface="Wingdings" panose="05000000000000000000" pitchFamily="2" charset="2"/>
+              <a:buChar char="Ø"/>
+            </a:pPr>
+            <a:r>
+              <a:rPr lang="zh-CN" altLang="en-US" b="1" dirty="0">
+                <a:latin typeface="helvetica neue"/>
+              </a:rPr>
+              <a:t>数据模型</a:t>
+            </a:r>
+            <a:endParaRPr lang="en-US" altLang="zh-CN" b="1" dirty="0">
+              <a:latin typeface="helvetica neue"/>
+            </a:endParaRPr>
+          </a:p>
+          <a:p>
+            <a:pPr marL="285750" indent="-285750">
+              <a:lnSpc>
+                <a:spcPct val="300000"/>
+              </a:lnSpc>
+              <a:buFont typeface="Wingdings" panose="05000000000000000000" pitchFamily="2" charset="2"/>
+              <a:buChar char="Ø"/>
+            </a:pPr>
+            <a:r>
+              <a:rPr lang="zh-CN" altLang="en-US" b="1" dirty="0">
+                <a:latin typeface="helvetica neue"/>
+              </a:rPr>
+              <a:t>指标类型</a:t>
+            </a:r>
+            <a:endParaRPr lang="en-US" altLang="zh-CN" b="1" dirty="0">
+              <a:latin typeface="helvetica neue"/>
+            </a:endParaRPr>
+          </a:p>
+          <a:p>
+            <a:pPr marL="285750" indent="-285750">
+              <a:lnSpc>
+                <a:spcPct val="300000"/>
+              </a:lnSpc>
+              <a:buFont typeface="Wingdings" panose="05000000000000000000" pitchFamily="2" charset="2"/>
+              <a:buChar char="Ø"/>
+            </a:pPr>
+            <a:r>
+              <a:rPr lang="zh-CN" altLang="en-US" b="1" dirty="0">
+                <a:latin typeface="helvetica neue"/>
+              </a:rPr>
+              <a:t>查询</a:t>
+            </a:r>
+            <a:endParaRPr lang="en-US" altLang="zh-CN" b="1" dirty="0">
+              <a:latin typeface="helvetica neue"/>
+            </a:endParaRPr>
+          </a:p>
+          <a:p>
+            <a:pPr marL="285750" indent="-285750">
+              <a:lnSpc>
+                <a:spcPct val="300000"/>
+              </a:lnSpc>
+              <a:buFont typeface="Wingdings" panose="05000000000000000000" pitchFamily="2" charset="2"/>
+              <a:buChar char="Ø"/>
+            </a:pPr>
+            <a:r>
+              <a:rPr lang="zh-CN" altLang="en-US" b="1" dirty="0">
+                <a:latin typeface="helvetica neue"/>
+              </a:rPr>
+              <a:t>存储</a:t>
+            </a:r>
+            <a:endParaRPr lang="en-US" altLang="zh-CN" b="1" dirty="0">
+              <a:latin typeface="helvetica neue"/>
+            </a:endParaRPr>
+          </a:p>
+          <a:p>
+            <a:pPr marL="285750" indent="-285750">
+              <a:lnSpc>
+                <a:spcPct val="300000"/>
+              </a:lnSpc>
+              <a:buFont typeface="Wingdings" panose="05000000000000000000" pitchFamily="2" charset="2"/>
+              <a:buChar char="Ø"/>
+            </a:pPr>
+            <a:r>
+              <a:rPr lang="zh-CN" altLang="en-US" b="1" dirty="0">
+                <a:latin typeface="helvetica neue"/>
+              </a:rPr>
+              <a:t>报警</a:t>
+            </a:r>
+          </a:p>
+          <a:p>
+            <a:pPr marL="285750" indent="-285750">
+              <a:lnSpc>
+                <a:spcPct val="300000"/>
+              </a:lnSpc>
+              <a:buFont typeface="Wingdings" panose="05000000000000000000" pitchFamily="2" charset="2"/>
+              <a:buChar char="Ø"/>
+            </a:pPr>
+            <a:endParaRPr lang="zh-CN" altLang="en-US" b="1" dirty="0">
+              <a:latin typeface="helvetica neue"/>
+            </a:endParaRPr>
+          </a:p>
+          <a:p>
+            <a:endParaRPr lang="zh-CN" altLang="en-US" dirty="0"/>
+          </a:p>
+          <a:p>
+            <a:endParaRPr lang="zh-CN" altLang="en-US" dirty="0"/>
+          </a:p>
+          <a:p>
+            <a:endParaRPr lang="zh-CN" altLang="en-US" b="1" dirty="0"/>
+          </a:p>
+          <a:p>
+            <a:endParaRPr lang="zh-CN" altLang="en-US" b="1" i="0" dirty="0">
+              <a:solidFill>
+                <a:srgbClr val="2674BA"/>
+              </a:solidFill>
+              <a:effectLst/>
+              <a:latin typeface="helvetica neue"/>
+            </a:endParaRPr>
+          </a:p>
+        </p:txBody>
+      </p:sp>
+    </p:spTree>
+    <p:extLst>
+      <p:ext uri="{BB962C8B-B14F-4D97-AF65-F5344CB8AC3E}">
+        <p14:creationId xmlns:p14="http://schemas.microsoft.com/office/powerpoint/2010/main" val="67303416"/>
+      </p:ext>
+    </p:extLst>
+  </p:cSld>
+  <p:clrMapOvr>
+    <a:masterClrMapping/>
+  </p:clrMapOvr>
+</p:sld>
+</file>
+
+<file path=ppt/slides/slide30.xml><?xml version="1.0" encoding="utf-8"?>
 <p:sld xmlns:a="http://schemas.openxmlformats.org/drawingml/2006/main" xmlns:r="http://schemas.openxmlformats.org/officeDocument/2006/relationships" xmlns:p="http://schemas.openxmlformats.org/presentationml/2006/main">
   <p:cSld>
     <p:spTree>
@@ -9221,200 +9973,7 @@
 </p:sld>
 </file>
 
-<file path=ppt/slides/slide3.xml><?xml version="1.0" encoding="utf-8"?>
-<p:sld xmlns:a="http://schemas.openxmlformats.org/drawingml/2006/main" xmlns:r="http://schemas.openxmlformats.org/officeDocument/2006/relationships" xmlns:p="http://schemas.openxmlformats.org/presentationml/2006/main">
-  <p:cSld>
-    <p:spTree>
-      <p:nvGrpSpPr>
-        <p:cNvPr id="1" name=""/>
-        <p:cNvGrpSpPr/>
-        <p:nvPr/>
-      </p:nvGrpSpPr>
-      <p:grpSpPr>
-        <a:xfrm>
-          <a:off x="0" y="0"/>
-          <a:ext cx="0" cy="0"/>
-          <a:chOff x="0" y="0"/>
-          <a:chExt cx="0" cy="0"/>
-        </a:xfrm>
-      </p:grpSpPr>
-      <p:sp>
-        <p:nvSpPr>
-          <p:cNvPr id="5" name="矩形 4">
-            <a:extLst>
-              <a:ext uri="{FF2B5EF4-FFF2-40B4-BE49-F238E27FC236}">
-                <a16:creationId xmlns:a16="http://schemas.microsoft.com/office/drawing/2014/main" id="{22436FC7-1CD0-4032-A53A-8410A3A016C1}"/>
-              </a:ext>
-            </a:extLst>
-          </p:cNvPr>
-          <p:cNvSpPr/>
-          <p:nvPr/>
-        </p:nvSpPr>
-        <p:spPr>
-          <a:xfrm>
-            <a:off x="5247482" y="751344"/>
-            <a:ext cx="2733544" cy="7017306"/>
-          </a:xfrm>
-          <a:prstGeom prst="rect">
-            <a:avLst/>
-          </a:prstGeom>
-        </p:spPr>
-        <p:txBody>
-          <a:bodyPr wrap="square">
-            <a:spAutoFit/>
-          </a:bodyPr>
-          <a:lstStyle/>
-          <a:p>
-            <a:pPr marL="285750" indent="-285750">
-              <a:lnSpc>
-                <a:spcPct val="300000"/>
-              </a:lnSpc>
-              <a:buFont typeface="Wingdings" panose="05000000000000000000" pitchFamily="2" charset="2"/>
-              <a:buChar char="Ø"/>
-            </a:pPr>
-            <a:r>
-              <a:rPr lang="zh-CN" altLang="en-US" b="1" dirty="0">
-                <a:latin typeface="helvetica neue"/>
-              </a:rPr>
-              <a:t>简介</a:t>
-            </a:r>
-            <a:endParaRPr lang="en-US" altLang="zh-CN" b="1" dirty="0">
-              <a:latin typeface="helvetica neue"/>
-            </a:endParaRPr>
-          </a:p>
-          <a:p>
-            <a:pPr marL="285750" indent="-285750">
-              <a:lnSpc>
-                <a:spcPct val="300000"/>
-              </a:lnSpc>
-              <a:buFont typeface="Wingdings" panose="05000000000000000000" pitchFamily="2" charset="2"/>
-              <a:buChar char="Ø"/>
-            </a:pPr>
-            <a:r>
-              <a:rPr lang="zh-CN" altLang="en-US" b="1" dirty="0">
-                <a:latin typeface="helvetica neue"/>
-              </a:rPr>
-              <a:t>数据模型</a:t>
-            </a:r>
-            <a:endParaRPr lang="en-US" altLang="zh-CN" b="1" dirty="0">
-              <a:latin typeface="helvetica neue"/>
-            </a:endParaRPr>
-          </a:p>
-          <a:p>
-            <a:pPr marL="285750" indent="-285750">
-              <a:lnSpc>
-                <a:spcPct val="300000"/>
-              </a:lnSpc>
-              <a:buFont typeface="Wingdings" panose="05000000000000000000" pitchFamily="2" charset="2"/>
-              <a:buChar char="Ø"/>
-            </a:pPr>
-            <a:r>
-              <a:rPr lang="zh-CN" altLang="en-US" b="1" dirty="0">
-                <a:latin typeface="helvetica neue"/>
-              </a:rPr>
-              <a:t>指标类型</a:t>
-            </a:r>
-            <a:endParaRPr lang="en-US" altLang="zh-CN" b="1" dirty="0">
-              <a:latin typeface="helvetica neue"/>
-            </a:endParaRPr>
-          </a:p>
-          <a:p>
-            <a:pPr marL="285750" indent="-285750">
-              <a:lnSpc>
-                <a:spcPct val="300000"/>
-              </a:lnSpc>
-              <a:buFont typeface="Wingdings" panose="05000000000000000000" pitchFamily="2" charset="2"/>
-              <a:buChar char="Ø"/>
-            </a:pPr>
-            <a:r>
-              <a:rPr lang="zh-CN" altLang="en-US" b="1" dirty="0">
-                <a:latin typeface="helvetica neue"/>
-              </a:rPr>
-              <a:t>查询</a:t>
-            </a:r>
-            <a:endParaRPr lang="en-US" altLang="zh-CN" b="1" dirty="0">
-              <a:latin typeface="helvetica neue"/>
-            </a:endParaRPr>
-          </a:p>
-          <a:p>
-            <a:pPr marL="285750" indent="-285750">
-              <a:lnSpc>
-                <a:spcPct val="300000"/>
-              </a:lnSpc>
-              <a:buFont typeface="Wingdings" panose="05000000000000000000" pitchFamily="2" charset="2"/>
-              <a:buChar char="Ø"/>
-            </a:pPr>
-            <a:r>
-              <a:rPr lang="zh-CN" altLang="en-US" b="1" dirty="0">
-                <a:latin typeface="helvetica neue"/>
-              </a:rPr>
-              <a:t>存储</a:t>
-            </a:r>
-            <a:endParaRPr lang="en-US" altLang="zh-CN" b="1" dirty="0">
-              <a:latin typeface="helvetica neue"/>
-            </a:endParaRPr>
-          </a:p>
-          <a:p>
-            <a:pPr marL="285750" indent="-285750">
-              <a:lnSpc>
-                <a:spcPct val="300000"/>
-              </a:lnSpc>
-              <a:buFont typeface="Wingdings" panose="05000000000000000000" pitchFamily="2" charset="2"/>
-              <a:buChar char="Ø"/>
-            </a:pPr>
-            <a:r>
-              <a:rPr lang="zh-CN" altLang="en-US" b="1" dirty="0">
-                <a:latin typeface="helvetica neue"/>
-              </a:rPr>
-              <a:t>报警</a:t>
-            </a:r>
-          </a:p>
-          <a:p>
-            <a:pPr marL="285750" indent="-285750">
-              <a:lnSpc>
-                <a:spcPct val="300000"/>
-              </a:lnSpc>
-              <a:buFont typeface="Wingdings" panose="05000000000000000000" pitchFamily="2" charset="2"/>
-              <a:buChar char="Ø"/>
-            </a:pPr>
-            <a:endParaRPr lang="zh-CN" altLang="en-US" b="1" dirty="0">
-              <a:latin typeface="helvetica neue"/>
-            </a:endParaRPr>
-          </a:p>
-          <a:p>
-            <a:endParaRPr lang="zh-CN" altLang="en-US" dirty="0"/>
-          </a:p>
-          <a:p>
-            <a:endParaRPr lang="zh-CN" altLang="en-US" dirty="0"/>
-          </a:p>
-          <a:p>
-            <a:endParaRPr lang="zh-CN" altLang="en-US" b="1" dirty="0"/>
-          </a:p>
-          <a:p>
-            <a:endParaRPr lang="zh-CN" altLang="en-US" b="1" i="0" dirty="0">
-              <a:solidFill>
-                <a:srgbClr val="2674BA"/>
-              </a:solidFill>
-              <a:effectLst/>
-              <a:latin typeface="helvetica neue"/>
-            </a:endParaRPr>
-          </a:p>
-        </p:txBody>
-      </p:sp>
-    </p:spTree>
-    <p:extLst>
-      <p:ext uri="{BB962C8B-B14F-4D97-AF65-F5344CB8AC3E}">
-        <p14:creationId xmlns:p14="http://schemas.microsoft.com/office/powerpoint/2010/main" val="67303416"/>
-      </p:ext>
-    </p:extLst>
-  </p:cSld>
-  <p:clrMapOvr>
-    <a:masterClrMapping/>
-  </p:clrMapOvr>
-</p:sld>
-</file>
-
-<file path=ppt/slides/slide30.xml><?xml version="1.0" encoding="utf-8"?>
+<file path=ppt/slides/slide31.xml><?xml version="1.0" encoding="utf-8"?>
 <p:sld xmlns:a="http://schemas.openxmlformats.org/drawingml/2006/main" xmlns:r="http://schemas.openxmlformats.org/officeDocument/2006/relationships" xmlns:p="http://schemas.openxmlformats.org/presentationml/2006/main">
   <p:cSld>
     <p:spTree>
@@ -9506,7 +10065,7 @@
 </p:sld>
 </file>
 
-<file path=ppt/slides/slide31.xml><?xml version="1.0" encoding="utf-8"?>
+<file path=ppt/slides/slide32.xml><?xml version="1.0" encoding="utf-8"?>
 <p:sld xmlns:a="http://schemas.openxmlformats.org/drawingml/2006/main" xmlns:r="http://schemas.openxmlformats.org/officeDocument/2006/relationships" xmlns:p="http://schemas.openxmlformats.org/presentationml/2006/main">
   <p:cSld>
     <p:spTree>
@@ -9696,7 +10255,7 @@
 </p:sld>
 </file>
 
-<file path=ppt/slides/slide32.xml><?xml version="1.0" encoding="utf-8"?>
+<file path=ppt/slides/slide33.xml><?xml version="1.0" encoding="utf-8"?>
 <p:sld xmlns:a="http://schemas.openxmlformats.org/drawingml/2006/main" xmlns:r="http://schemas.openxmlformats.org/officeDocument/2006/relationships" xmlns:p="http://schemas.openxmlformats.org/presentationml/2006/main">
   <p:cSld>
     <p:spTree>
@@ -9829,7 +10388,7 @@
 </p:sld>
 </file>
 
-<file path=ppt/slides/slide33.xml><?xml version="1.0" encoding="utf-8"?>
+<file path=ppt/slides/slide34.xml><?xml version="1.0" encoding="utf-8"?>
 <p:sld xmlns:a="http://schemas.openxmlformats.org/drawingml/2006/main" xmlns:r="http://schemas.openxmlformats.org/officeDocument/2006/relationships" xmlns:p="http://schemas.openxmlformats.org/presentationml/2006/main">
   <p:cSld>
     <p:spTree>
@@ -9929,7 +10488,7 @@
 </p:sld>
 </file>
 
-<file path=ppt/slides/slide34.xml><?xml version="1.0" encoding="utf-8"?>
+<file path=ppt/slides/slide35.xml><?xml version="1.0" encoding="utf-8"?>
 <p:sld xmlns:a="http://schemas.openxmlformats.org/drawingml/2006/main" xmlns:r="http://schemas.openxmlformats.org/officeDocument/2006/relationships" xmlns:p="http://schemas.openxmlformats.org/presentationml/2006/main">
   <p:cSld>
     <p:spTree>
@@ -9989,7 +10548,7 @@
 </p:sld>
 </file>
 
-<file path=ppt/slides/slide35.xml><?xml version="1.0" encoding="utf-8"?>
+<file path=ppt/slides/slide36.xml><?xml version="1.0" encoding="utf-8"?>
 <p:sld xmlns:a="http://schemas.openxmlformats.org/drawingml/2006/main" xmlns:r="http://schemas.openxmlformats.org/officeDocument/2006/relationships" xmlns:p="http://schemas.openxmlformats.org/presentationml/2006/main">
   <p:cSld>
     <p:spTree>
@@ -10084,7 +10643,7 @@
 </p:sld>
 </file>
 
-<file path=ppt/slides/slide36.xml><?xml version="1.0" encoding="utf-8"?>
+<file path=ppt/slides/slide37.xml><?xml version="1.0" encoding="utf-8"?>
 <p:sld xmlns:a="http://schemas.openxmlformats.org/drawingml/2006/main" xmlns:r="http://schemas.openxmlformats.org/officeDocument/2006/relationships" xmlns:p="http://schemas.openxmlformats.org/presentationml/2006/main">
   <p:cSld>
     <p:spTree>
@@ -10184,7 +10743,7 @@
 </p:sld>
 </file>
 
-<file path=ppt/slides/slide37.xml><?xml version="1.0" encoding="utf-8"?>
+<file path=ppt/slides/slide38.xml><?xml version="1.0" encoding="utf-8"?>
 <p:sld xmlns:a="http://schemas.openxmlformats.org/drawingml/2006/main" xmlns:r="http://schemas.openxmlformats.org/officeDocument/2006/relationships" xmlns:p="http://schemas.openxmlformats.org/presentationml/2006/main">
   <p:cSld>
     <p:spTree>
@@ -10274,7 +10833,7 @@
 </p:sld>
 </file>
 
-<file path=ppt/slides/slide38.xml><?xml version="1.0" encoding="utf-8"?>
+<file path=ppt/slides/slide39.xml><?xml version="1.0" encoding="utf-8"?>
 <p:sld xmlns:a="http://schemas.openxmlformats.org/drawingml/2006/main" xmlns:r="http://schemas.openxmlformats.org/officeDocument/2006/relationships" xmlns:p="http://schemas.openxmlformats.org/presentationml/2006/main">
   <p:cSld>
     <p:spTree>
@@ -10355,96 +10914,6 @@
     <p:extLst>
       <p:ext uri="{BB962C8B-B14F-4D97-AF65-F5344CB8AC3E}">
         <p14:creationId xmlns:p14="http://schemas.microsoft.com/office/powerpoint/2010/main" val="1422399447"/>
-      </p:ext>
-    </p:extLst>
-  </p:cSld>
-  <p:clrMapOvr>
-    <a:masterClrMapping/>
-  </p:clrMapOvr>
-</p:sld>
-</file>
-
-<file path=ppt/slides/slide39.xml><?xml version="1.0" encoding="utf-8"?>
-<p:sld xmlns:a="http://schemas.openxmlformats.org/drawingml/2006/main" xmlns:r="http://schemas.openxmlformats.org/officeDocument/2006/relationships" xmlns:p="http://schemas.openxmlformats.org/presentationml/2006/main">
-  <p:cSld>
-    <p:spTree>
-      <p:nvGrpSpPr>
-        <p:cNvPr id="1" name=""/>
-        <p:cNvGrpSpPr/>
-        <p:nvPr/>
-      </p:nvGrpSpPr>
-      <p:grpSpPr>
-        <a:xfrm>
-          <a:off x="0" y="0"/>
-          <a:ext cx="0" cy="0"/>
-          <a:chOff x="0" y="0"/>
-          <a:chExt cx="0" cy="0"/>
-        </a:xfrm>
-      </p:grpSpPr>
-      <p:sp>
-        <p:nvSpPr>
-          <p:cNvPr id="2" name="标题 1">
-            <a:extLst>
-              <a:ext uri="{FF2B5EF4-FFF2-40B4-BE49-F238E27FC236}">
-                <a16:creationId xmlns:a16="http://schemas.microsoft.com/office/drawing/2014/main" id="{B4B787FB-5800-4F34-89B2-F0280A67F787}"/>
-              </a:ext>
-            </a:extLst>
-          </p:cNvPr>
-          <p:cNvSpPr>
-            <a:spLocks noGrp="1"/>
-          </p:cNvSpPr>
-          <p:nvPr>
-            <p:ph type="title"/>
-          </p:nvPr>
-        </p:nvSpPr>
-        <p:spPr/>
-        <p:txBody>
-          <a:bodyPr/>
-          <a:lstStyle/>
-          <a:p>
-            <a:r>
-              <a:rPr lang="zh-CN" altLang="en-US" dirty="0"/>
-              <a:t>查看方法调用次数</a:t>
-            </a:r>
-          </a:p>
-        </p:txBody>
-      </p:sp>
-      <p:pic>
-        <p:nvPicPr>
-          <p:cNvPr id="4" name="内容占位符 3">
-            <a:extLst>
-              <a:ext uri="{FF2B5EF4-FFF2-40B4-BE49-F238E27FC236}">
-                <a16:creationId xmlns:a16="http://schemas.microsoft.com/office/drawing/2014/main" id="{6AC56967-535B-4EEF-AB75-274E744963F1}"/>
-              </a:ext>
-            </a:extLst>
-          </p:cNvPr>
-          <p:cNvPicPr>
-            <a:picLocks noGrp="1" noChangeAspect="1"/>
-          </p:cNvPicPr>
-          <p:nvPr>
-            <p:ph idx="1"/>
-          </p:nvPr>
-        </p:nvPicPr>
-        <p:blipFill>
-          <a:blip r:embed="rId2"/>
-          <a:stretch>
-            <a:fillRect/>
-          </a:stretch>
-        </p:blipFill>
-        <p:spPr>
-          <a:xfrm>
-            <a:off x="1227388" y="1825625"/>
-            <a:ext cx="9737224" cy="4351338"/>
-          </a:xfrm>
-          <a:prstGeom prst="rect">
-            <a:avLst/>
-          </a:prstGeom>
-        </p:spPr>
-      </p:pic>
-    </p:spTree>
-    <p:extLst>
-      <p:ext uri="{BB962C8B-B14F-4D97-AF65-F5344CB8AC3E}">
-        <p14:creationId xmlns:p14="http://schemas.microsoft.com/office/powerpoint/2010/main" val="3112299953"/>
       </p:ext>
     </p:extLst>
   </p:cSld>
@@ -10757,6 +11226,96 @@
           <p:cNvPr id="2" name="标题 1">
             <a:extLst>
               <a:ext uri="{FF2B5EF4-FFF2-40B4-BE49-F238E27FC236}">
+                <a16:creationId xmlns:a16="http://schemas.microsoft.com/office/drawing/2014/main" id="{B4B787FB-5800-4F34-89B2-F0280A67F787}"/>
+              </a:ext>
+            </a:extLst>
+          </p:cNvPr>
+          <p:cNvSpPr>
+            <a:spLocks noGrp="1"/>
+          </p:cNvSpPr>
+          <p:nvPr>
+            <p:ph type="title"/>
+          </p:nvPr>
+        </p:nvSpPr>
+        <p:spPr/>
+        <p:txBody>
+          <a:bodyPr/>
+          <a:lstStyle/>
+          <a:p>
+            <a:r>
+              <a:rPr lang="zh-CN" altLang="en-US" dirty="0"/>
+              <a:t>查看方法调用次数</a:t>
+            </a:r>
+          </a:p>
+        </p:txBody>
+      </p:sp>
+      <p:pic>
+        <p:nvPicPr>
+          <p:cNvPr id="4" name="内容占位符 3">
+            <a:extLst>
+              <a:ext uri="{FF2B5EF4-FFF2-40B4-BE49-F238E27FC236}">
+                <a16:creationId xmlns:a16="http://schemas.microsoft.com/office/drawing/2014/main" id="{6AC56967-535B-4EEF-AB75-274E744963F1}"/>
+              </a:ext>
+            </a:extLst>
+          </p:cNvPr>
+          <p:cNvPicPr>
+            <a:picLocks noGrp="1" noChangeAspect="1"/>
+          </p:cNvPicPr>
+          <p:nvPr>
+            <p:ph idx="1"/>
+          </p:nvPr>
+        </p:nvPicPr>
+        <p:blipFill>
+          <a:blip r:embed="rId2"/>
+          <a:stretch>
+            <a:fillRect/>
+          </a:stretch>
+        </p:blipFill>
+        <p:spPr>
+          <a:xfrm>
+            <a:off x="1227388" y="1825625"/>
+            <a:ext cx="9737224" cy="4351338"/>
+          </a:xfrm>
+          <a:prstGeom prst="rect">
+            <a:avLst/>
+          </a:prstGeom>
+        </p:spPr>
+      </p:pic>
+    </p:spTree>
+    <p:extLst>
+      <p:ext uri="{BB962C8B-B14F-4D97-AF65-F5344CB8AC3E}">
+        <p14:creationId xmlns:p14="http://schemas.microsoft.com/office/powerpoint/2010/main" val="3112299953"/>
+      </p:ext>
+    </p:extLst>
+  </p:cSld>
+  <p:clrMapOvr>
+    <a:masterClrMapping/>
+  </p:clrMapOvr>
+</p:sld>
+</file>
+
+<file path=ppt/slides/slide41.xml><?xml version="1.0" encoding="utf-8"?>
+<p:sld xmlns:a="http://schemas.openxmlformats.org/drawingml/2006/main" xmlns:r="http://schemas.openxmlformats.org/officeDocument/2006/relationships" xmlns:p="http://schemas.openxmlformats.org/presentationml/2006/main">
+  <p:cSld>
+    <p:spTree>
+      <p:nvGrpSpPr>
+        <p:cNvPr id="1" name=""/>
+        <p:cNvGrpSpPr/>
+        <p:nvPr/>
+      </p:nvGrpSpPr>
+      <p:grpSpPr>
+        <a:xfrm>
+          <a:off x="0" y="0"/>
+          <a:ext cx="0" cy="0"/>
+          <a:chOff x="0" y="0"/>
+          <a:chExt cx="0" cy="0"/>
+        </a:xfrm>
+      </p:grpSpPr>
+      <p:sp>
+        <p:nvSpPr>
+          <p:cNvPr id="2" name="标题 1">
+            <a:extLst>
+              <a:ext uri="{FF2B5EF4-FFF2-40B4-BE49-F238E27FC236}">
                 <a16:creationId xmlns:a16="http://schemas.microsoft.com/office/drawing/2014/main" id="{DEF2DD8F-F708-4F79-9AA3-2D5B318CBB06}"/>
               </a:ext>
             </a:extLst>
@@ -10911,7 +11470,7 @@
 </p:sld>
 </file>
 
-<file path=ppt/slides/slide41.xml><?xml version="1.0" encoding="utf-8"?>
+<file path=ppt/slides/slide42.xml><?xml version="1.0" encoding="utf-8"?>
 <p:sld xmlns:a="http://schemas.openxmlformats.org/drawingml/2006/main" xmlns:r="http://schemas.openxmlformats.org/officeDocument/2006/relationships" xmlns:p="http://schemas.openxmlformats.org/presentationml/2006/main">
   <p:cSld>
     <p:spTree>
@@ -10995,7 +11554,7 @@
 </p:sld>
 </file>
 
-<file path=ppt/slides/slide42.xml><?xml version="1.0" encoding="utf-8"?>
+<file path=ppt/slides/slide43.xml><?xml version="1.0" encoding="utf-8"?>
 <p:sld xmlns:a="http://schemas.openxmlformats.org/drawingml/2006/main" xmlns:r="http://schemas.openxmlformats.org/officeDocument/2006/relationships" xmlns:p="http://schemas.openxmlformats.org/presentationml/2006/main">
   <p:cSld>
     <p:spTree>

--- a/files/Prometheus.pptx
+++ b/files/Prometheus.pptx
@@ -48,6 +48,7 @@
     <p:sldId id="299" r:id="rId42"/>
     <p:sldId id="298" r:id="rId43"/>
     <p:sldId id="304" r:id="rId44"/>
+    <p:sldId id="306" r:id="rId45"/>
   </p:sldIdLst>
   <p:sldSz cx="12192000" cy="6858000"/>
   <p:notesSz cx="6858000" cy="9144000"/>
@@ -313,7 +314,7 @@
           <a:p>
             <a:fld id="{DD2514A8-13CE-47E7-BD5A-5572C6224BC1}" type="datetimeFigureOut">
               <a:rPr lang="zh-CN" altLang="en-US" smtClean="0"/>
-              <a:t>2019/10/26</a:t>
+              <a:t>2019/11/1</a:t>
             </a:fld>
             <a:endParaRPr lang="zh-CN" altLang="en-US"/>
           </a:p>
@@ -511,7 +512,7 @@
           <a:p>
             <a:fld id="{DD2514A8-13CE-47E7-BD5A-5572C6224BC1}" type="datetimeFigureOut">
               <a:rPr lang="zh-CN" altLang="en-US" smtClean="0"/>
-              <a:t>2019/10/26</a:t>
+              <a:t>2019/11/1</a:t>
             </a:fld>
             <a:endParaRPr lang="zh-CN" altLang="en-US"/>
           </a:p>
@@ -719,7 +720,7 @@
           <a:p>
             <a:fld id="{DD2514A8-13CE-47E7-BD5A-5572C6224BC1}" type="datetimeFigureOut">
               <a:rPr lang="zh-CN" altLang="en-US" smtClean="0"/>
-              <a:t>2019/10/26</a:t>
+              <a:t>2019/11/1</a:t>
             </a:fld>
             <a:endParaRPr lang="zh-CN" altLang="en-US"/>
           </a:p>
@@ -917,7 +918,7 @@
           <a:p>
             <a:fld id="{DD2514A8-13CE-47E7-BD5A-5572C6224BC1}" type="datetimeFigureOut">
               <a:rPr lang="zh-CN" altLang="en-US" smtClean="0"/>
-              <a:t>2019/10/26</a:t>
+              <a:t>2019/11/1</a:t>
             </a:fld>
             <a:endParaRPr lang="zh-CN" altLang="en-US"/>
           </a:p>
@@ -1192,7 +1193,7 @@
           <a:p>
             <a:fld id="{DD2514A8-13CE-47E7-BD5A-5572C6224BC1}" type="datetimeFigureOut">
               <a:rPr lang="zh-CN" altLang="en-US" smtClean="0"/>
-              <a:t>2019/10/26</a:t>
+              <a:t>2019/11/1</a:t>
             </a:fld>
             <a:endParaRPr lang="zh-CN" altLang="en-US"/>
           </a:p>
@@ -1457,7 +1458,7 @@
           <a:p>
             <a:fld id="{DD2514A8-13CE-47E7-BD5A-5572C6224BC1}" type="datetimeFigureOut">
               <a:rPr lang="zh-CN" altLang="en-US" smtClean="0"/>
-              <a:t>2019/10/26</a:t>
+              <a:t>2019/11/1</a:t>
             </a:fld>
             <a:endParaRPr lang="zh-CN" altLang="en-US"/>
           </a:p>
@@ -1869,7 +1870,7 @@
           <a:p>
             <a:fld id="{DD2514A8-13CE-47E7-BD5A-5572C6224BC1}" type="datetimeFigureOut">
               <a:rPr lang="zh-CN" altLang="en-US" smtClean="0"/>
-              <a:t>2019/10/26</a:t>
+              <a:t>2019/11/1</a:t>
             </a:fld>
             <a:endParaRPr lang="zh-CN" altLang="en-US"/>
           </a:p>
@@ -2010,7 +2011,7 @@
           <a:p>
             <a:fld id="{DD2514A8-13CE-47E7-BD5A-5572C6224BC1}" type="datetimeFigureOut">
               <a:rPr lang="zh-CN" altLang="en-US" smtClean="0"/>
-              <a:t>2019/10/26</a:t>
+              <a:t>2019/11/1</a:t>
             </a:fld>
             <a:endParaRPr lang="zh-CN" altLang="en-US"/>
           </a:p>
@@ -2123,7 +2124,7 @@
           <a:p>
             <a:fld id="{DD2514A8-13CE-47E7-BD5A-5572C6224BC1}" type="datetimeFigureOut">
               <a:rPr lang="zh-CN" altLang="en-US" smtClean="0"/>
-              <a:t>2019/10/26</a:t>
+              <a:t>2019/11/1</a:t>
             </a:fld>
             <a:endParaRPr lang="zh-CN" altLang="en-US"/>
           </a:p>
@@ -2434,7 +2435,7 @@
           <a:p>
             <a:fld id="{DD2514A8-13CE-47E7-BD5A-5572C6224BC1}" type="datetimeFigureOut">
               <a:rPr lang="zh-CN" altLang="en-US" smtClean="0"/>
-              <a:t>2019/10/26</a:t>
+              <a:t>2019/11/1</a:t>
             </a:fld>
             <a:endParaRPr lang="zh-CN" altLang="en-US"/>
           </a:p>
@@ -2722,7 +2723,7 @@
           <a:p>
             <a:fld id="{DD2514A8-13CE-47E7-BD5A-5572C6224BC1}" type="datetimeFigureOut">
               <a:rPr lang="zh-CN" altLang="en-US" smtClean="0"/>
-              <a:t>2019/10/26</a:t>
+              <a:t>2019/11/1</a:t>
             </a:fld>
             <a:endParaRPr lang="zh-CN" altLang="en-US"/>
           </a:p>
@@ -2963,7 +2964,7 @@
           <a:p>
             <a:fld id="{DD2514A8-13CE-47E7-BD5A-5572C6224BC1}" type="datetimeFigureOut">
               <a:rPr lang="zh-CN" altLang="en-US" smtClean="0"/>
-              <a:t>2019/10/26</a:t>
+              <a:t>2019/11/1</a:t>
             </a:fld>
             <a:endParaRPr lang="zh-CN" altLang="en-US"/>
           </a:p>
@@ -11659,6 +11660,169 @@
 </p:sld>
 </file>
 
+<file path=ppt/slides/slide44.xml><?xml version="1.0" encoding="utf-8"?>
+<p:sld xmlns:a="http://schemas.openxmlformats.org/drawingml/2006/main" xmlns:r="http://schemas.openxmlformats.org/officeDocument/2006/relationships" xmlns:p="http://schemas.openxmlformats.org/presentationml/2006/main">
+  <p:cSld>
+    <p:spTree>
+      <p:nvGrpSpPr>
+        <p:cNvPr id="1" name=""/>
+        <p:cNvGrpSpPr/>
+        <p:nvPr/>
+      </p:nvGrpSpPr>
+      <p:grpSpPr>
+        <a:xfrm>
+          <a:off x="0" y="0"/>
+          <a:ext cx="0" cy="0"/>
+          <a:chOff x="0" y="0"/>
+          <a:chExt cx="0" cy="0"/>
+        </a:xfrm>
+      </p:grpSpPr>
+      <p:sp>
+        <p:nvSpPr>
+          <p:cNvPr id="2" name="标题 1">
+            <a:extLst>
+              <a:ext uri="{FF2B5EF4-FFF2-40B4-BE49-F238E27FC236}">
+                <a16:creationId xmlns:a16="http://schemas.microsoft.com/office/drawing/2014/main" id="{5EBCFECF-D96D-4F80-8141-A766645A308C}"/>
+              </a:ext>
+            </a:extLst>
+          </p:cNvPr>
+          <p:cNvSpPr>
+            <a:spLocks noGrp="1"/>
+          </p:cNvSpPr>
+          <p:nvPr>
+            <p:ph type="title"/>
+          </p:nvPr>
+        </p:nvSpPr>
+        <p:spPr/>
+        <p:txBody>
+          <a:bodyPr/>
+          <a:lstStyle/>
+          <a:p>
+            <a:r>
+              <a:rPr lang="en-US" altLang="zh-CN" dirty="0" err="1"/>
+              <a:t>Horizo</a:t>
+            </a:r>
+            <a:r>
+              <a:rPr lang="en-US" altLang="zh-CN" dirty="0"/>
+              <a:t>​​</a:t>
+            </a:r>
+            <a:r>
+              <a:rPr lang="en-US" altLang="zh-CN" dirty="0" err="1"/>
+              <a:t>ntal</a:t>
+            </a:r>
+            <a:r>
+              <a:rPr lang="en-US" altLang="zh-CN" dirty="0"/>
+              <a:t> Pod </a:t>
+            </a:r>
+            <a:r>
+              <a:rPr lang="en-US" altLang="zh-CN" dirty="0" err="1"/>
+              <a:t>Autoscaler</a:t>
+            </a:r>
+            <a:endParaRPr lang="zh-CN" altLang="en-US" dirty="0"/>
+          </a:p>
+        </p:txBody>
+      </p:sp>
+      <p:sp>
+        <p:nvSpPr>
+          <p:cNvPr id="3" name="内容占位符 2">
+            <a:extLst>
+              <a:ext uri="{FF2B5EF4-FFF2-40B4-BE49-F238E27FC236}">
+                <a16:creationId xmlns:a16="http://schemas.microsoft.com/office/drawing/2014/main" id="{D39B82FF-80F3-44C6-B7E0-B345440E59C3}"/>
+              </a:ext>
+            </a:extLst>
+          </p:cNvPr>
+          <p:cNvSpPr>
+            <a:spLocks noGrp="1"/>
+          </p:cNvSpPr>
+          <p:nvPr>
+            <p:ph idx="1"/>
+          </p:nvPr>
+        </p:nvSpPr>
+        <p:spPr/>
+        <p:txBody>
+          <a:bodyPr>
+            <a:normAutofit/>
+          </a:bodyPr>
+          <a:lstStyle/>
+          <a:p>
+            <a:r>
+              <a:rPr lang="en-US" altLang="zh-CN" sz="1800" dirty="0"/>
+              <a:t>HPA</a:t>
+            </a:r>
+            <a:r>
+              <a:rPr lang="zh-CN" altLang="en-US" sz="1800" dirty="0"/>
+              <a:t>实现为一个控制循环，定期查询</a:t>
+            </a:r>
+            <a:r>
+              <a:rPr lang="en-US" altLang="zh-CN" sz="1800" dirty="0"/>
+              <a:t>Resource Metrics API</a:t>
+            </a:r>
+            <a:r>
+              <a:rPr lang="zh-CN" altLang="en-US" sz="1800" dirty="0"/>
+              <a:t>以获取</a:t>
+            </a:r>
+            <a:r>
+              <a:rPr lang="en-US" altLang="zh-CN" sz="1800" dirty="0"/>
+              <a:t>CPU /</a:t>
+            </a:r>
+            <a:r>
+              <a:rPr lang="zh-CN" altLang="en-US" sz="1800" dirty="0"/>
+              <a:t>内存等核心指标和针对特定应用程序指标的</a:t>
+            </a:r>
+            <a:r>
+              <a:rPr lang="en-US" altLang="zh-CN" sz="1800" dirty="0"/>
+              <a:t>Custom Metrics API</a:t>
+            </a:r>
+            <a:r>
+              <a:rPr lang="zh-CN" altLang="en-US" sz="1800" dirty="0"/>
+              <a:t>。</a:t>
+            </a:r>
+          </a:p>
+        </p:txBody>
+      </p:sp>
+      <p:pic>
+        <p:nvPicPr>
+          <p:cNvPr id="4" name="图片 3">
+            <a:extLst>
+              <a:ext uri="{FF2B5EF4-FFF2-40B4-BE49-F238E27FC236}">
+                <a16:creationId xmlns:a16="http://schemas.microsoft.com/office/drawing/2014/main" id="{457E2A7D-D2AF-4F3A-8465-1D64B738E070}"/>
+              </a:ext>
+            </a:extLst>
+          </p:cNvPr>
+          <p:cNvPicPr>
+            <a:picLocks noChangeAspect="1"/>
+          </p:cNvPicPr>
+          <p:nvPr/>
+        </p:nvPicPr>
+        <p:blipFill>
+          <a:blip r:embed="rId2"/>
+          <a:stretch>
+            <a:fillRect/>
+          </a:stretch>
+        </p:blipFill>
+        <p:spPr>
+          <a:xfrm>
+            <a:off x="2870182" y="2394086"/>
+            <a:ext cx="6114286" cy="4295238"/>
+          </a:xfrm>
+          <a:prstGeom prst="rect">
+            <a:avLst/>
+          </a:prstGeom>
+        </p:spPr>
+      </p:pic>
+    </p:spTree>
+    <p:extLst>
+      <p:ext uri="{BB962C8B-B14F-4D97-AF65-F5344CB8AC3E}">
+        <p14:creationId xmlns:p14="http://schemas.microsoft.com/office/powerpoint/2010/main" val="1822608186"/>
+      </p:ext>
+    </p:extLst>
+  </p:cSld>
+  <p:clrMapOvr>
+    <a:masterClrMapping/>
+  </p:clrMapOvr>
+</p:sld>
+</file>
+
 <file path=ppt/slides/slide5.xml><?xml version="1.0" encoding="utf-8"?>
 <p:sld xmlns:a="http://schemas.openxmlformats.org/drawingml/2006/main" xmlns:r="http://schemas.openxmlformats.org/officeDocument/2006/relationships" xmlns:p="http://schemas.openxmlformats.org/presentationml/2006/main">
   <p:cSld>

--- a/files/Prometheus.pptx
+++ b/files/Prometheus.pptx
@@ -11517,31 +11517,68 @@
           </a:p>
         </p:txBody>
       </p:sp>
-      <p:sp>
-        <p:nvSpPr>
-          <p:cNvPr id="3" name="内容占位符 2">
-            <a:extLst>
-              <a:ext uri="{FF2B5EF4-FFF2-40B4-BE49-F238E27FC236}">
-                <a16:creationId xmlns:a16="http://schemas.microsoft.com/office/drawing/2014/main" id="{71060E1E-9B42-4B2E-BF47-43971C2005DF}"/>
-              </a:ext>
-            </a:extLst>
-          </p:cNvPr>
-          <p:cNvSpPr>
-            <a:spLocks noGrp="1"/>
-          </p:cNvSpPr>
+      <p:pic>
+        <p:nvPicPr>
+          <p:cNvPr id="4" name="内容占位符 3">
+            <a:extLst>
+              <a:ext uri="{FF2B5EF4-FFF2-40B4-BE49-F238E27FC236}">
+                <a16:creationId xmlns:a16="http://schemas.microsoft.com/office/drawing/2014/main" id="{004BA9DE-7F22-491D-9732-A4C4C610F9CC}"/>
+              </a:ext>
+            </a:extLst>
+          </p:cNvPr>
+          <p:cNvPicPr>
+            <a:picLocks noGrp="1" noChangeAspect="1"/>
+          </p:cNvPicPr>
           <p:nvPr>
             <p:ph idx="1"/>
           </p:nvPr>
-        </p:nvSpPr>
-        <p:spPr/>
-        <p:txBody>
-          <a:bodyPr/>
-          <a:lstStyle/>
-          <a:p>
-            <a:endParaRPr lang="zh-CN" altLang="en-US" dirty="0"/>
-          </a:p>
-        </p:txBody>
-      </p:sp>
+        </p:nvPicPr>
+        <p:blipFill>
+          <a:blip r:embed="rId2"/>
+          <a:stretch>
+            <a:fillRect/>
+          </a:stretch>
+        </p:blipFill>
+        <p:spPr>
+          <a:xfrm>
+            <a:off x="3590277" y="116550"/>
+            <a:ext cx="3851758" cy="4351338"/>
+          </a:xfrm>
+          <a:prstGeom prst="rect">
+            <a:avLst/>
+          </a:prstGeom>
+        </p:spPr>
+      </p:pic>
+      <p:pic>
+        <p:nvPicPr>
+          <p:cNvPr id="5" name="图片 4">
+            <a:extLst>
+              <a:ext uri="{FF2B5EF4-FFF2-40B4-BE49-F238E27FC236}">
+                <a16:creationId xmlns:a16="http://schemas.microsoft.com/office/drawing/2014/main" id="{D8213D7E-670E-4506-9F9A-4AAB4EDAC195}"/>
+              </a:ext>
+            </a:extLst>
+          </p:cNvPr>
+          <p:cNvPicPr>
+            <a:picLocks noChangeAspect="1"/>
+          </p:cNvPicPr>
+          <p:nvPr/>
+        </p:nvPicPr>
+        <p:blipFill>
+          <a:blip r:embed="rId3"/>
+          <a:stretch>
+            <a:fillRect/>
+          </a:stretch>
+        </p:blipFill>
+        <p:spPr>
+          <a:xfrm>
+            <a:off x="195309" y="3554527"/>
+            <a:ext cx="12192000" cy="3303473"/>
+          </a:xfrm>
+          <a:prstGeom prst="rect">
+            <a:avLst/>
+          </a:prstGeom>
+        </p:spPr>
+      </p:pic>
     </p:spTree>
     <p:extLst>
       <p:ext uri="{BB962C8B-B14F-4D97-AF65-F5344CB8AC3E}">

--- a/files/Prometheus.pptx
+++ b/files/Prometheus.pptx
@@ -49,6 +49,11 @@
     <p:sldId id="298" r:id="rId43"/>
     <p:sldId id="304" r:id="rId44"/>
     <p:sldId id="306" r:id="rId45"/>
+    <p:sldId id="307" r:id="rId46"/>
+    <p:sldId id="310" r:id="rId47"/>
+    <p:sldId id="311" r:id="rId48"/>
+    <p:sldId id="308" r:id="rId49"/>
+    <p:sldId id="309" r:id="rId50"/>
   </p:sldIdLst>
   <p:sldSz cx="12192000" cy="6858000"/>
   <p:notesSz cx="6858000" cy="9144000"/>
@@ -314,7 +319,7 @@
           <a:p>
             <a:fld id="{DD2514A8-13CE-47E7-BD5A-5572C6224BC1}" type="datetimeFigureOut">
               <a:rPr lang="zh-CN" altLang="en-US" smtClean="0"/>
-              <a:t>2019/11/1</a:t>
+              <a:t>2019/11/4</a:t>
             </a:fld>
             <a:endParaRPr lang="zh-CN" altLang="en-US"/>
           </a:p>
@@ -512,7 +517,7 @@
           <a:p>
             <a:fld id="{DD2514A8-13CE-47E7-BD5A-5572C6224BC1}" type="datetimeFigureOut">
               <a:rPr lang="zh-CN" altLang="en-US" smtClean="0"/>
-              <a:t>2019/11/1</a:t>
+              <a:t>2019/11/4</a:t>
             </a:fld>
             <a:endParaRPr lang="zh-CN" altLang="en-US"/>
           </a:p>
@@ -720,7 +725,7 @@
           <a:p>
             <a:fld id="{DD2514A8-13CE-47E7-BD5A-5572C6224BC1}" type="datetimeFigureOut">
               <a:rPr lang="zh-CN" altLang="en-US" smtClean="0"/>
-              <a:t>2019/11/1</a:t>
+              <a:t>2019/11/4</a:t>
             </a:fld>
             <a:endParaRPr lang="zh-CN" altLang="en-US"/>
           </a:p>
@@ -918,7 +923,7 @@
           <a:p>
             <a:fld id="{DD2514A8-13CE-47E7-BD5A-5572C6224BC1}" type="datetimeFigureOut">
               <a:rPr lang="zh-CN" altLang="en-US" smtClean="0"/>
-              <a:t>2019/11/1</a:t>
+              <a:t>2019/11/4</a:t>
             </a:fld>
             <a:endParaRPr lang="zh-CN" altLang="en-US"/>
           </a:p>
@@ -1193,7 +1198,7 @@
           <a:p>
             <a:fld id="{DD2514A8-13CE-47E7-BD5A-5572C6224BC1}" type="datetimeFigureOut">
               <a:rPr lang="zh-CN" altLang="en-US" smtClean="0"/>
-              <a:t>2019/11/1</a:t>
+              <a:t>2019/11/4</a:t>
             </a:fld>
             <a:endParaRPr lang="zh-CN" altLang="en-US"/>
           </a:p>
@@ -1458,7 +1463,7 @@
           <a:p>
             <a:fld id="{DD2514A8-13CE-47E7-BD5A-5572C6224BC1}" type="datetimeFigureOut">
               <a:rPr lang="zh-CN" altLang="en-US" smtClean="0"/>
-              <a:t>2019/11/1</a:t>
+              <a:t>2019/11/4</a:t>
             </a:fld>
             <a:endParaRPr lang="zh-CN" altLang="en-US"/>
           </a:p>
@@ -1870,7 +1875,7 @@
           <a:p>
             <a:fld id="{DD2514A8-13CE-47E7-BD5A-5572C6224BC1}" type="datetimeFigureOut">
               <a:rPr lang="zh-CN" altLang="en-US" smtClean="0"/>
-              <a:t>2019/11/1</a:t>
+              <a:t>2019/11/4</a:t>
             </a:fld>
             <a:endParaRPr lang="zh-CN" altLang="en-US"/>
           </a:p>
@@ -2011,7 +2016,7 @@
           <a:p>
             <a:fld id="{DD2514A8-13CE-47E7-BD5A-5572C6224BC1}" type="datetimeFigureOut">
               <a:rPr lang="zh-CN" altLang="en-US" smtClean="0"/>
-              <a:t>2019/11/1</a:t>
+              <a:t>2019/11/4</a:t>
             </a:fld>
             <a:endParaRPr lang="zh-CN" altLang="en-US"/>
           </a:p>
@@ -2124,7 +2129,7 @@
           <a:p>
             <a:fld id="{DD2514A8-13CE-47E7-BD5A-5572C6224BC1}" type="datetimeFigureOut">
               <a:rPr lang="zh-CN" altLang="en-US" smtClean="0"/>
-              <a:t>2019/11/1</a:t>
+              <a:t>2019/11/4</a:t>
             </a:fld>
             <a:endParaRPr lang="zh-CN" altLang="en-US"/>
           </a:p>
@@ -2435,7 +2440,7 @@
           <a:p>
             <a:fld id="{DD2514A8-13CE-47E7-BD5A-5572C6224BC1}" type="datetimeFigureOut">
               <a:rPr lang="zh-CN" altLang="en-US" smtClean="0"/>
-              <a:t>2019/11/1</a:t>
+              <a:t>2019/11/4</a:t>
             </a:fld>
             <a:endParaRPr lang="zh-CN" altLang="en-US"/>
           </a:p>
@@ -2723,7 +2728,7 @@
           <a:p>
             <a:fld id="{DD2514A8-13CE-47E7-BD5A-5572C6224BC1}" type="datetimeFigureOut">
               <a:rPr lang="zh-CN" altLang="en-US" smtClean="0"/>
-              <a:t>2019/11/1</a:t>
+              <a:t>2019/11/4</a:t>
             </a:fld>
             <a:endParaRPr lang="zh-CN" altLang="en-US"/>
           </a:p>
@@ -2964,7 +2969,7 @@
           <a:p>
             <a:fld id="{DD2514A8-13CE-47E7-BD5A-5572C6224BC1}" type="datetimeFigureOut">
               <a:rPr lang="zh-CN" altLang="en-US" smtClean="0"/>
-              <a:t>2019/11/1</a:t>
+              <a:t>2019/11/4</a:t>
             </a:fld>
             <a:endParaRPr lang="zh-CN" altLang="en-US"/>
           </a:p>
@@ -11860,6 +11865,1762 @@
 </p:sld>
 </file>
 
+<file path=ppt/slides/slide45.xml><?xml version="1.0" encoding="utf-8"?>
+<p:sld xmlns:a="http://schemas.openxmlformats.org/drawingml/2006/main" xmlns:r="http://schemas.openxmlformats.org/officeDocument/2006/relationships" xmlns:p="http://schemas.openxmlformats.org/presentationml/2006/main">
+  <p:cSld>
+    <p:spTree>
+      <p:nvGrpSpPr>
+        <p:cNvPr id="1" name=""/>
+        <p:cNvGrpSpPr/>
+        <p:nvPr/>
+      </p:nvGrpSpPr>
+      <p:grpSpPr>
+        <a:xfrm>
+          <a:off x="0" y="0"/>
+          <a:ext cx="0" cy="0"/>
+          <a:chOff x="0" y="0"/>
+          <a:chExt cx="0" cy="0"/>
+        </a:xfrm>
+      </p:grpSpPr>
+      <p:sp>
+        <p:nvSpPr>
+          <p:cNvPr id="2" name="标题 1">
+            <a:extLst>
+              <a:ext uri="{FF2B5EF4-FFF2-40B4-BE49-F238E27FC236}">
+                <a16:creationId xmlns:a16="http://schemas.microsoft.com/office/drawing/2014/main" id="{EFCE78B2-0C28-43B0-BEAD-E1809C909015}"/>
+              </a:ext>
+            </a:extLst>
+          </p:cNvPr>
+          <p:cNvSpPr>
+            <a:spLocks noGrp="1"/>
+          </p:cNvSpPr>
+          <p:nvPr>
+            <p:ph type="title"/>
+          </p:nvPr>
+        </p:nvSpPr>
+        <p:spPr>
+          <a:xfrm>
+            <a:off x="651769" y="160940"/>
+            <a:ext cx="10515600" cy="664684"/>
+          </a:xfrm>
+        </p:spPr>
+        <p:txBody>
+          <a:bodyPr>
+            <a:normAutofit/>
+          </a:bodyPr>
+          <a:lstStyle/>
+          <a:p>
+            <a:r>
+              <a:rPr lang="zh-CN" altLang="en-US" sz="2800" b="1" dirty="0"/>
+              <a:t>业务监控</a:t>
+            </a:r>
+            <a:r>
+              <a:rPr lang="en-US" altLang="zh-CN" sz="2800" b="1" dirty="0"/>
+              <a:t>4</a:t>
+            </a:r>
+            <a:r>
+              <a:rPr lang="zh-CN" altLang="en-US" sz="2800" b="1" dirty="0"/>
+              <a:t>个黄金指标</a:t>
+            </a:r>
+            <a:r>
+              <a:rPr lang="en-US" altLang="zh-CN" sz="2800" b="1" dirty="0"/>
+              <a:t>(</a:t>
+            </a:r>
+            <a:r>
+              <a:rPr lang="en-US" altLang="zh-CN" sz="2800" b="1" dirty="0">
+                <a:hlinkClick r:id="rId2"/>
+              </a:rPr>
+              <a:t>Four Golden Signals</a:t>
+            </a:r>
+            <a:r>
+              <a:rPr lang="en-US" altLang="zh-CN" sz="2800" b="1" dirty="0"/>
+              <a:t>)</a:t>
+            </a:r>
+            <a:endParaRPr lang="zh-CN" altLang="en-US" sz="2800" dirty="0"/>
+          </a:p>
+        </p:txBody>
+      </p:sp>
+      <p:sp>
+        <p:nvSpPr>
+          <p:cNvPr id="3" name="内容占位符 2">
+            <a:extLst>
+              <a:ext uri="{FF2B5EF4-FFF2-40B4-BE49-F238E27FC236}">
+                <a16:creationId xmlns:a16="http://schemas.microsoft.com/office/drawing/2014/main" id="{DF316D9B-11B0-4E03-A111-B64C6EB2B311}"/>
+              </a:ext>
+            </a:extLst>
+          </p:cNvPr>
+          <p:cNvSpPr>
+            <a:spLocks noGrp="1"/>
+          </p:cNvSpPr>
+          <p:nvPr>
+            <p:ph idx="1"/>
+          </p:nvPr>
+        </p:nvSpPr>
+        <p:spPr>
+          <a:xfrm>
+            <a:off x="399495" y="825624"/>
+            <a:ext cx="11540971" cy="5667250"/>
+          </a:xfrm>
+        </p:spPr>
+        <p:txBody>
+          <a:bodyPr>
+            <a:normAutofit fontScale="40000" lnSpcReduction="20000"/>
+          </a:bodyPr>
+          <a:lstStyle/>
+          <a:p>
+            <a:pPr marL="0" indent="0">
+              <a:lnSpc>
+                <a:spcPct val="170000"/>
+              </a:lnSpc>
+              <a:buNone/>
+            </a:pPr>
+            <a:r>
+              <a:rPr lang="en-US" altLang="zh-CN" dirty="0"/>
+              <a:t>Four Golden Signals</a:t>
+            </a:r>
+            <a:r>
+              <a:rPr lang="zh-CN" altLang="en-US" dirty="0"/>
+              <a:t>是</a:t>
+            </a:r>
+            <a:r>
+              <a:rPr lang="en-US" altLang="zh-CN" dirty="0"/>
+              <a:t>Google</a:t>
+            </a:r>
+            <a:r>
+              <a:rPr lang="zh-CN" altLang="en-US" dirty="0"/>
+              <a:t>针对大量分布式监控的经验总结，</a:t>
+            </a:r>
+            <a:r>
+              <a:rPr lang="en-US" altLang="zh-CN" dirty="0"/>
+              <a:t>4</a:t>
+            </a:r>
+            <a:r>
+              <a:rPr lang="zh-CN" altLang="en-US" dirty="0"/>
+              <a:t>个黄金指标可以在服务级别帮助衡量终端用户体验、服务中断、业务影响等层面的问题。主要关注与以下四种类型的指标：延迟，通讯量，错误以及饱和度：</a:t>
+            </a:r>
+          </a:p>
+          <a:p>
+            <a:pPr marL="0" indent="0">
+              <a:lnSpc>
+                <a:spcPct val="170000"/>
+              </a:lnSpc>
+              <a:buNone/>
+            </a:pPr>
+            <a:r>
+              <a:rPr lang="en-US" altLang="zh-CN" dirty="0"/>
+              <a:t>1. </a:t>
+            </a:r>
+            <a:r>
+              <a:rPr lang="en-US" altLang="zh-CN" b="1" dirty="0"/>
+              <a:t>Latency </a:t>
+            </a:r>
+            <a:r>
+              <a:rPr lang="zh-CN" altLang="en-US" b="1" dirty="0"/>
+              <a:t>延迟</a:t>
+            </a:r>
+            <a:r>
+              <a:rPr lang="zh-CN" altLang="en-US" dirty="0"/>
+              <a:t>：服务请求所需时间。</a:t>
+            </a:r>
+          </a:p>
+          <a:p>
+            <a:pPr marL="0" indent="0">
+              <a:lnSpc>
+                <a:spcPct val="170000"/>
+              </a:lnSpc>
+              <a:buNone/>
+            </a:pPr>
+            <a:r>
+              <a:rPr lang="zh-CN" altLang="en-US" dirty="0"/>
+              <a:t>记录用户所有请求所需的时间，重点是要区分成功请求的延迟时间和失败请求的延迟时间。 例如在数据库或者其他关键祸端服务异常触发</a:t>
+            </a:r>
+            <a:r>
+              <a:rPr lang="en-US" altLang="zh-CN" dirty="0"/>
+              <a:t>HTTP 500</a:t>
+            </a:r>
+            <a:r>
+              <a:rPr lang="zh-CN" altLang="en-US" dirty="0"/>
+              <a:t>的情况下，用户也可能会很快得到请求失败的响应内容，如果不加区分计算这些请求的延迟，可能导致计算结果与实际结果产生巨大的差异。除此以外，在微服务中通常提倡“快速失败”，开发人员需要特别注意这些延迟较大的错误，因为这些缓慢的错误会明显影响系统的性能，因此追踪这些错误的延迟也是非常重要的。</a:t>
+            </a:r>
+          </a:p>
+          <a:p>
+            <a:pPr marL="0" indent="0">
+              <a:lnSpc>
+                <a:spcPct val="170000"/>
+              </a:lnSpc>
+              <a:buNone/>
+            </a:pPr>
+            <a:r>
+              <a:rPr lang="en-US" altLang="zh-CN" dirty="0"/>
+              <a:t>2. </a:t>
+            </a:r>
+            <a:r>
+              <a:rPr lang="en-US" altLang="zh-CN" b="1" dirty="0"/>
+              <a:t>Traffic </a:t>
+            </a:r>
+            <a:r>
+              <a:rPr lang="zh-CN" altLang="en-US" b="1" dirty="0"/>
+              <a:t>流量</a:t>
+            </a:r>
+            <a:r>
+              <a:rPr lang="zh-CN" altLang="en-US" dirty="0"/>
+              <a:t>：监控当前系统的流量，用于衡量服务的容量需求。</a:t>
+            </a:r>
+            <a:endParaRPr lang="en-US" altLang="zh-CN" dirty="0"/>
+          </a:p>
+          <a:p>
+            <a:pPr marL="0" indent="0">
+              <a:lnSpc>
+                <a:spcPct val="170000"/>
+              </a:lnSpc>
+              <a:buNone/>
+            </a:pPr>
+            <a:r>
+              <a:rPr lang="zh-CN" altLang="en-US" dirty="0"/>
+              <a:t>流量对于不同类型的系统而言可能代表不同的含义。例如，在</a:t>
+            </a:r>
+            <a:r>
+              <a:rPr lang="en-US" altLang="zh-CN" dirty="0"/>
+              <a:t>HTTP REST API</a:t>
+            </a:r>
+            <a:r>
+              <a:rPr lang="zh-CN" altLang="en-US" dirty="0"/>
+              <a:t>中</a:t>
+            </a:r>
+            <a:r>
+              <a:rPr lang="en-US" altLang="zh-CN" dirty="0"/>
+              <a:t>, </a:t>
+            </a:r>
+            <a:r>
+              <a:rPr lang="zh-CN" altLang="en-US" dirty="0"/>
+              <a:t>流量通常是每秒</a:t>
+            </a:r>
+            <a:r>
+              <a:rPr lang="en-US" altLang="zh-CN" dirty="0"/>
+              <a:t>HTTP</a:t>
+            </a:r>
+            <a:r>
+              <a:rPr lang="zh-CN" altLang="en-US" dirty="0"/>
+              <a:t>请求数；</a:t>
+            </a:r>
+          </a:p>
+          <a:p>
+            <a:pPr marL="0" indent="0">
+              <a:lnSpc>
+                <a:spcPct val="170000"/>
+              </a:lnSpc>
+              <a:buNone/>
+            </a:pPr>
+            <a:r>
+              <a:rPr lang="en-US" altLang="zh-CN" dirty="0"/>
+              <a:t>3. </a:t>
+            </a:r>
+            <a:r>
+              <a:rPr lang="en-US" altLang="zh-CN" b="1" dirty="0"/>
+              <a:t>Error </a:t>
+            </a:r>
+            <a:r>
+              <a:rPr lang="zh-CN" altLang="en-US" b="1" dirty="0"/>
+              <a:t>错误</a:t>
+            </a:r>
+            <a:r>
+              <a:rPr lang="zh-CN" altLang="en-US" dirty="0"/>
+              <a:t>：监控当前系统所有发生的错误请求，衡量当前系统错误发生的速率。</a:t>
+            </a:r>
+          </a:p>
+          <a:p>
+            <a:pPr marL="0" indent="0">
+              <a:lnSpc>
+                <a:spcPct val="170000"/>
+              </a:lnSpc>
+              <a:buNone/>
+            </a:pPr>
+            <a:r>
+              <a:rPr lang="zh-CN" altLang="en-US" dirty="0"/>
+              <a:t>对于失败而言有些是显式的</a:t>
+            </a:r>
+            <a:r>
+              <a:rPr lang="en-US" altLang="zh-CN" dirty="0"/>
+              <a:t>(</a:t>
+            </a:r>
+            <a:r>
+              <a:rPr lang="zh-CN" altLang="en-US" dirty="0"/>
+              <a:t>比如</a:t>
+            </a:r>
+            <a:r>
+              <a:rPr lang="en-US" altLang="zh-CN" dirty="0"/>
+              <a:t>, HTTP 500</a:t>
+            </a:r>
+            <a:r>
+              <a:rPr lang="zh-CN" altLang="en-US" dirty="0"/>
+              <a:t>错误</a:t>
+            </a:r>
+            <a:r>
+              <a:rPr lang="en-US" altLang="zh-CN" dirty="0"/>
+              <a:t>)</a:t>
+            </a:r>
+            <a:r>
+              <a:rPr lang="zh-CN" altLang="en-US" dirty="0"/>
+              <a:t>，而有些是隐式</a:t>
+            </a:r>
+            <a:r>
+              <a:rPr lang="en-US" altLang="zh-CN" dirty="0"/>
+              <a:t>(</a:t>
+            </a:r>
+            <a:r>
+              <a:rPr lang="zh-CN" altLang="en-US" dirty="0"/>
+              <a:t>比如，</a:t>
+            </a:r>
+            <a:r>
+              <a:rPr lang="en-US" altLang="zh-CN" dirty="0"/>
+              <a:t>HTTP</a:t>
+            </a:r>
+            <a:r>
+              <a:rPr lang="zh-CN" altLang="en-US" dirty="0"/>
+              <a:t>响应</a:t>
+            </a:r>
+            <a:r>
+              <a:rPr lang="en-US" altLang="zh-CN" dirty="0"/>
+              <a:t>200</a:t>
+            </a:r>
+            <a:r>
+              <a:rPr lang="zh-CN" altLang="en-US" dirty="0"/>
+              <a:t>，单实际业务流程依然是失败的</a:t>
+            </a:r>
+            <a:r>
+              <a:rPr lang="en-US" altLang="zh-CN" dirty="0"/>
+              <a:t>)</a:t>
+            </a:r>
+            <a:r>
+              <a:rPr lang="zh-CN" altLang="en-US" dirty="0"/>
+              <a:t>。</a:t>
+            </a:r>
+          </a:p>
+          <a:p>
+            <a:pPr marL="0" indent="0">
+              <a:lnSpc>
+                <a:spcPct val="170000"/>
+              </a:lnSpc>
+              <a:buNone/>
+            </a:pPr>
+            <a:r>
+              <a:rPr lang="zh-CN" altLang="en-US" dirty="0"/>
+              <a:t>对于一些显式的错误如</a:t>
+            </a:r>
+            <a:r>
+              <a:rPr lang="en-US" altLang="zh-CN" dirty="0"/>
+              <a:t>HTTP 500</a:t>
+            </a:r>
+            <a:r>
+              <a:rPr lang="zh-CN" altLang="en-US" dirty="0"/>
+              <a:t>可以通过在负载均衡器</a:t>
+            </a:r>
+            <a:r>
+              <a:rPr lang="en-US" altLang="zh-CN" dirty="0"/>
+              <a:t>(</a:t>
+            </a:r>
+            <a:r>
+              <a:rPr lang="zh-CN" altLang="en-US" dirty="0"/>
+              <a:t>如</a:t>
+            </a:r>
+            <a:r>
+              <a:rPr lang="en-US" altLang="zh-CN" dirty="0"/>
+              <a:t>Nginx)</a:t>
+            </a:r>
+            <a:r>
+              <a:rPr lang="zh-CN" altLang="en-US" dirty="0"/>
+              <a:t>上进行捕获，而对于一些系统内部的异常，则可能需要直接从服务中添加钩子统计并进行获取。</a:t>
+            </a:r>
+          </a:p>
+          <a:p>
+            <a:pPr marL="0" indent="0">
+              <a:lnSpc>
+                <a:spcPct val="170000"/>
+              </a:lnSpc>
+              <a:buNone/>
+            </a:pPr>
+            <a:r>
+              <a:rPr lang="en-US" altLang="zh-CN" dirty="0"/>
+              <a:t>4. </a:t>
+            </a:r>
+            <a:r>
+              <a:rPr lang="en-US" altLang="zh-CN" b="1" dirty="0"/>
+              <a:t>Saturation </a:t>
+            </a:r>
+            <a:r>
+              <a:rPr lang="zh-CN" altLang="en-US" b="1" dirty="0"/>
+              <a:t>饱和</a:t>
+            </a:r>
+            <a:r>
+              <a:rPr lang="zh-CN" altLang="en-US" dirty="0"/>
+              <a:t>：衡量当前服务的饱和度。</a:t>
+            </a:r>
+          </a:p>
+          <a:p>
+            <a:pPr marL="0" indent="0">
+              <a:lnSpc>
+                <a:spcPct val="170000"/>
+              </a:lnSpc>
+              <a:buNone/>
+            </a:pPr>
+            <a:r>
+              <a:rPr lang="zh-CN" altLang="en-US" dirty="0"/>
+              <a:t>主要强调最能影响服务状态的受限制的资源。 例如，如果系统主要受内存影响，那就主要关注系统的内存状态，如果系统主要受限与磁盘</a:t>
+            </a:r>
+            <a:r>
+              <a:rPr lang="en-US" altLang="zh-CN" dirty="0"/>
+              <a:t>I/O</a:t>
+            </a:r>
+            <a:r>
+              <a:rPr lang="zh-CN" altLang="en-US" dirty="0"/>
+              <a:t>，那就主要观测磁盘</a:t>
+            </a:r>
+            <a:r>
+              <a:rPr lang="en-US" altLang="zh-CN" dirty="0"/>
+              <a:t>I/O</a:t>
+            </a:r>
+            <a:r>
+              <a:rPr lang="zh-CN" altLang="en-US" dirty="0"/>
+              <a:t>的状态。因为通常情况下，当这些资源达到饱和后，服务的性能会明显下降。同时还可以利用饱和度对系统做出预测，比如，“磁盘是否可能在</a:t>
+            </a:r>
+            <a:r>
+              <a:rPr lang="en-US" altLang="zh-CN" dirty="0"/>
+              <a:t>4</a:t>
+            </a:r>
+            <a:r>
+              <a:rPr lang="zh-CN" altLang="en-US" dirty="0"/>
+              <a:t>个小时候就满了”。</a:t>
+            </a:r>
+          </a:p>
+        </p:txBody>
+      </p:sp>
+    </p:spTree>
+    <p:extLst>
+      <p:ext uri="{BB962C8B-B14F-4D97-AF65-F5344CB8AC3E}">
+        <p14:creationId xmlns:p14="http://schemas.microsoft.com/office/powerpoint/2010/main" val="1559733217"/>
+      </p:ext>
+    </p:extLst>
+  </p:cSld>
+  <p:clrMapOvr>
+    <a:masterClrMapping/>
+  </p:clrMapOvr>
+</p:sld>
+</file>
+
+<file path=ppt/slides/slide46.xml><?xml version="1.0" encoding="utf-8"?>
+<p:sld xmlns:a="http://schemas.openxmlformats.org/drawingml/2006/main" xmlns:r="http://schemas.openxmlformats.org/officeDocument/2006/relationships" xmlns:p="http://schemas.openxmlformats.org/presentationml/2006/main">
+  <p:cSld>
+    <p:spTree>
+      <p:nvGrpSpPr>
+        <p:cNvPr id="1" name=""/>
+        <p:cNvGrpSpPr/>
+        <p:nvPr/>
+      </p:nvGrpSpPr>
+      <p:grpSpPr>
+        <a:xfrm>
+          <a:off x="0" y="0"/>
+          <a:ext cx="0" cy="0"/>
+          <a:chOff x="0" y="0"/>
+          <a:chExt cx="0" cy="0"/>
+        </a:xfrm>
+      </p:grpSpPr>
+      <p:sp>
+        <p:nvSpPr>
+          <p:cNvPr id="3" name="内容占位符 2">
+            <a:extLst>
+              <a:ext uri="{FF2B5EF4-FFF2-40B4-BE49-F238E27FC236}">
+                <a16:creationId xmlns:a16="http://schemas.microsoft.com/office/drawing/2014/main" id="{10A77062-C4E4-4AE7-9F03-56E3EB689AEE}"/>
+              </a:ext>
+            </a:extLst>
+          </p:cNvPr>
+          <p:cNvSpPr>
+            <a:spLocks noGrp="1"/>
+          </p:cNvSpPr>
+          <p:nvPr>
+            <p:ph idx="1"/>
+          </p:nvPr>
+        </p:nvSpPr>
+        <p:spPr>
+          <a:xfrm>
+            <a:off x="136864" y="3792244"/>
+            <a:ext cx="5740153" cy="2959439"/>
+          </a:xfrm>
+        </p:spPr>
+        <p:txBody>
+          <a:bodyPr>
+            <a:normAutofit/>
+          </a:bodyPr>
+          <a:lstStyle/>
+          <a:p>
+            <a:pPr marL="0" indent="0">
+              <a:buNone/>
+            </a:pPr>
+            <a:r>
+              <a:rPr lang="zh-CN" altLang="en-US" sz="2200" dirty="0"/>
+              <a:t>对于内存，信号可能有如下所示：</a:t>
+            </a:r>
+            <a:endParaRPr lang="en-US" altLang="zh-CN" sz="2200" dirty="0"/>
+          </a:p>
+          <a:p>
+            <a:r>
+              <a:rPr lang="zh-CN" altLang="en-US" sz="2200" dirty="0"/>
+              <a:t>延迟 </a:t>
+            </a:r>
+            <a:r>
+              <a:rPr lang="en-US" altLang="zh-CN" sz="2200" dirty="0"/>
+              <a:t>:(</a:t>
+            </a:r>
+            <a:r>
+              <a:rPr lang="zh-CN" altLang="en-US" sz="2200" dirty="0"/>
+              <a:t>没有 </a:t>
+            </a:r>
+            <a:r>
+              <a:rPr lang="en-US" altLang="zh-CN" sz="2200" dirty="0"/>
+              <a:t>- </a:t>
+            </a:r>
+            <a:r>
+              <a:rPr lang="zh-CN" altLang="en-US" sz="2200" dirty="0"/>
+              <a:t>很难找到一个好的测量方法而且不可操作）</a:t>
+            </a:r>
+          </a:p>
+          <a:p>
+            <a:r>
+              <a:rPr lang="zh-CN" altLang="en-US" sz="2200" dirty="0"/>
+              <a:t>流量：正在使用的内存量</a:t>
+            </a:r>
+          </a:p>
+          <a:p>
+            <a:r>
+              <a:rPr lang="zh-CN" altLang="en-US" sz="2200" dirty="0"/>
+              <a:t>错误：内存不足错误</a:t>
+            </a:r>
+          </a:p>
+          <a:p>
+            <a:r>
+              <a:rPr lang="zh-CN" altLang="en-US" sz="2200" dirty="0"/>
+              <a:t>饱和度：</a:t>
+            </a:r>
+            <a:r>
+              <a:rPr lang="en-US" altLang="zh-CN" sz="2200" dirty="0"/>
+              <a:t>OOM</a:t>
+            </a:r>
+            <a:r>
+              <a:rPr lang="zh-CN" altLang="en-US" sz="2200" dirty="0"/>
+              <a:t>杀手事件，交换使用</a:t>
+            </a:r>
+          </a:p>
+          <a:p>
+            <a:pPr marL="0" indent="0">
+              <a:buNone/>
+            </a:pPr>
+            <a:endParaRPr lang="zh-CN" altLang="en-US" dirty="0"/>
+          </a:p>
+        </p:txBody>
+      </p:sp>
+      <p:sp>
+        <p:nvSpPr>
+          <p:cNvPr id="4" name="内容占位符 2">
+            <a:extLst>
+              <a:ext uri="{FF2B5EF4-FFF2-40B4-BE49-F238E27FC236}">
+                <a16:creationId xmlns:a16="http://schemas.microsoft.com/office/drawing/2014/main" id="{2696D0A1-B188-4C70-824A-3352E0658E0A}"/>
+              </a:ext>
+            </a:extLst>
+          </p:cNvPr>
+          <p:cNvSpPr txBox="1">
+            <a:spLocks/>
+          </p:cNvSpPr>
+          <p:nvPr/>
+        </p:nvSpPr>
+        <p:spPr>
+          <a:xfrm>
+            <a:off x="247465" y="106317"/>
+            <a:ext cx="5460878" cy="2959439"/>
+          </a:xfrm>
+          <a:prstGeom prst="rect">
+            <a:avLst/>
+          </a:prstGeom>
+        </p:spPr>
+        <p:txBody>
+          <a:bodyPr vert="horz" lIns="91440" tIns="45720" rIns="91440" bIns="45720" rtlCol="0">
+            <a:normAutofit/>
+          </a:bodyPr>
+          <a:lstStyle>
+            <a:lvl1pPr marL="228600" indent="-228600" algn="l" defTabSz="914400" rtl="0" eaLnBrk="1" latinLnBrk="0" hangingPunct="1">
+              <a:lnSpc>
+                <a:spcPct val="90000"/>
+              </a:lnSpc>
+              <a:spcBef>
+                <a:spcPts val="1000"/>
+              </a:spcBef>
+              <a:buFont typeface="Arial" panose="020B0604020202020204" pitchFamily="34" charset="0"/>
+              <a:buChar char="•"/>
+              <a:defRPr sz="2800" kern="1200">
+                <a:solidFill>
+                  <a:schemeClr val="tx1"/>
+                </a:solidFill>
+                <a:latin typeface="+mn-lt"/>
+                <a:ea typeface="+mn-ea"/>
+                <a:cs typeface="+mn-cs"/>
+              </a:defRPr>
+            </a:lvl1pPr>
+            <a:lvl2pPr marL="685800" indent="-228600" algn="l" defTabSz="914400" rtl="0" eaLnBrk="1" latinLnBrk="0" hangingPunct="1">
+              <a:lnSpc>
+                <a:spcPct val="90000"/>
+              </a:lnSpc>
+              <a:spcBef>
+                <a:spcPts val="500"/>
+              </a:spcBef>
+              <a:buFont typeface="Arial" panose="020B0604020202020204" pitchFamily="34" charset="0"/>
+              <a:buChar char="•"/>
+              <a:defRPr sz="2400" kern="1200">
+                <a:solidFill>
+                  <a:schemeClr val="tx1"/>
+                </a:solidFill>
+                <a:latin typeface="+mn-lt"/>
+                <a:ea typeface="+mn-ea"/>
+                <a:cs typeface="+mn-cs"/>
+              </a:defRPr>
+            </a:lvl2pPr>
+            <a:lvl3pPr marL="1143000" indent="-228600" algn="l" defTabSz="914400" rtl="0" eaLnBrk="1" latinLnBrk="0" hangingPunct="1">
+              <a:lnSpc>
+                <a:spcPct val="90000"/>
+              </a:lnSpc>
+              <a:spcBef>
+                <a:spcPts val="500"/>
+              </a:spcBef>
+              <a:buFont typeface="Arial" panose="020B0604020202020204" pitchFamily="34" charset="0"/>
+              <a:buChar char="•"/>
+              <a:defRPr sz="2000" kern="1200">
+                <a:solidFill>
+                  <a:schemeClr val="tx1"/>
+                </a:solidFill>
+                <a:latin typeface="+mn-lt"/>
+                <a:ea typeface="+mn-ea"/>
+                <a:cs typeface="+mn-cs"/>
+              </a:defRPr>
+            </a:lvl3pPr>
+            <a:lvl4pPr marL="1600200" indent="-228600" algn="l" defTabSz="914400" rtl="0" eaLnBrk="1" latinLnBrk="0" hangingPunct="1">
+              <a:lnSpc>
+                <a:spcPct val="90000"/>
+              </a:lnSpc>
+              <a:spcBef>
+                <a:spcPts val="500"/>
+              </a:spcBef>
+              <a:buFont typeface="Arial" panose="020B0604020202020204" pitchFamily="34" charset="0"/>
+              <a:buChar char="•"/>
+              <a:defRPr sz="1800" kern="1200">
+                <a:solidFill>
+                  <a:schemeClr val="tx1"/>
+                </a:solidFill>
+                <a:latin typeface="+mn-lt"/>
+                <a:ea typeface="+mn-ea"/>
+                <a:cs typeface="+mn-cs"/>
+              </a:defRPr>
+            </a:lvl4pPr>
+            <a:lvl5pPr marL="2057400" indent="-228600" algn="l" defTabSz="914400" rtl="0" eaLnBrk="1" latinLnBrk="0" hangingPunct="1">
+              <a:lnSpc>
+                <a:spcPct val="90000"/>
+              </a:lnSpc>
+              <a:spcBef>
+                <a:spcPts val="500"/>
+              </a:spcBef>
+              <a:buFont typeface="Arial" panose="020B0604020202020204" pitchFamily="34" charset="0"/>
+              <a:buChar char="•"/>
+              <a:defRPr sz="1800" kern="1200">
+                <a:solidFill>
+                  <a:schemeClr val="tx1"/>
+                </a:solidFill>
+                <a:latin typeface="+mn-lt"/>
+                <a:ea typeface="+mn-ea"/>
+                <a:cs typeface="+mn-cs"/>
+              </a:defRPr>
+            </a:lvl5pPr>
+            <a:lvl6pPr marL="2514600" indent="-228600" algn="l" defTabSz="914400" rtl="0" eaLnBrk="1" latinLnBrk="0" hangingPunct="1">
+              <a:lnSpc>
+                <a:spcPct val="90000"/>
+              </a:lnSpc>
+              <a:spcBef>
+                <a:spcPts val="500"/>
+              </a:spcBef>
+              <a:buFont typeface="Arial" panose="020B0604020202020204" pitchFamily="34" charset="0"/>
+              <a:buChar char="•"/>
+              <a:defRPr sz="1800" kern="1200">
+                <a:solidFill>
+                  <a:schemeClr val="tx1"/>
+                </a:solidFill>
+                <a:latin typeface="+mn-lt"/>
+                <a:ea typeface="+mn-ea"/>
+                <a:cs typeface="+mn-cs"/>
+              </a:defRPr>
+            </a:lvl6pPr>
+            <a:lvl7pPr marL="2971800" indent="-228600" algn="l" defTabSz="914400" rtl="0" eaLnBrk="1" latinLnBrk="0" hangingPunct="1">
+              <a:lnSpc>
+                <a:spcPct val="90000"/>
+              </a:lnSpc>
+              <a:spcBef>
+                <a:spcPts val="500"/>
+              </a:spcBef>
+              <a:buFont typeface="Arial" panose="020B0604020202020204" pitchFamily="34" charset="0"/>
+              <a:buChar char="•"/>
+              <a:defRPr sz="1800" kern="1200">
+                <a:solidFill>
+                  <a:schemeClr val="tx1"/>
+                </a:solidFill>
+                <a:latin typeface="+mn-lt"/>
+                <a:ea typeface="+mn-ea"/>
+                <a:cs typeface="+mn-cs"/>
+              </a:defRPr>
+            </a:lvl7pPr>
+            <a:lvl8pPr marL="3429000" indent="-228600" algn="l" defTabSz="914400" rtl="0" eaLnBrk="1" latinLnBrk="0" hangingPunct="1">
+              <a:lnSpc>
+                <a:spcPct val="90000"/>
+              </a:lnSpc>
+              <a:spcBef>
+                <a:spcPts val="500"/>
+              </a:spcBef>
+              <a:buFont typeface="Arial" panose="020B0604020202020204" pitchFamily="34" charset="0"/>
+              <a:buChar char="•"/>
+              <a:defRPr sz="1800" kern="1200">
+                <a:solidFill>
+                  <a:schemeClr val="tx1"/>
+                </a:solidFill>
+                <a:latin typeface="+mn-lt"/>
+                <a:ea typeface="+mn-ea"/>
+                <a:cs typeface="+mn-cs"/>
+              </a:defRPr>
+            </a:lvl8pPr>
+            <a:lvl9pPr marL="3886200" indent="-228600" algn="l" defTabSz="914400" rtl="0" eaLnBrk="1" latinLnBrk="0" hangingPunct="1">
+              <a:lnSpc>
+                <a:spcPct val="90000"/>
+              </a:lnSpc>
+              <a:spcBef>
+                <a:spcPts val="500"/>
+              </a:spcBef>
+              <a:buFont typeface="Arial" panose="020B0604020202020204" pitchFamily="34" charset="0"/>
+              <a:buChar char="•"/>
+              <a:defRPr sz="1800" kern="1200">
+                <a:solidFill>
+                  <a:schemeClr val="tx1"/>
+                </a:solidFill>
+                <a:latin typeface="+mn-lt"/>
+                <a:ea typeface="+mn-ea"/>
+                <a:cs typeface="+mn-cs"/>
+              </a:defRPr>
+            </a:lvl9pPr>
+          </a:lstStyle>
+          <a:p>
+            <a:pPr marL="0" indent="0">
+              <a:buNone/>
+            </a:pPr>
+            <a:r>
+              <a:rPr lang="zh-CN" altLang="en-US" sz="2200" dirty="0"/>
+              <a:t>要测量</a:t>
+            </a:r>
+            <a:r>
+              <a:rPr lang="en-US" altLang="zh-CN" sz="2200" dirty="0"/>
+              <a:t>CPU</a:t>
+            </a:r>
+            <a:r>
+              <a:rPr lang="zh-CN" altLang="en-US" sz="2200" dirty="0"/>
+              <a:t>，以下测量可能是合适的：</a:t>
+            </a:r>
+            <a:endParaRPr lang="en-US" altLang="zh-CN" sz="2200" dirty="0"/>
+          </a:p>
+          <a:p>
+            <a:r>
+              <a:rPr lang="zh-CN" altLang="en-US" sz="2200" dirty="0"/>
+              <a:t>延迟：</a:t>
+            </a:r>
+            <a:r>
+              <a:rPr lang="en-US" altLang="zh-CN" sz="2200" dirty="0"/>
+              <a:t>CPU</a:t>
+            </a:r>
+            <a:r>
+              <a:rPr lang="zh-CN" altLang="en-US" sz="2200" dirty="0"/>
+              <a:t>调度程序的平均或最大延迟</a:t>
+            </a:r>
+          </a:p>
+          <a:p>
+            <a:r>
+              <a:rPr lang="zh-CN" altLang="en-US" sz="2200" dirty="0"/>
+              <a:t>流量：</a:t>
+            </a:r>
+            <a:r>
+              <a:rPr lang="en-US" altLang="zh-CN" sz="2200" dirty="0"/>
+              <a:t>CPU</a:t>
+            </a:r>
+            <a:r>
+              <a:rPr lang="zh-CN" altLang="en-US" sz="2200" dirty="0"/>
+              <a:t>利用率</a:t>
+            </a:r>
+          </a:p>
+          <a:p>
+            <a:r>
+              <a:rPr lang="zh-CN" altLang="en-US" sz="2200" dirty="0"/>
+              <a:t>错误：处理器特定的错误事件，出现故障的</a:t>
+            </a:r>
+            <a:r>
+              <a:rPr lang="en-US" altLang="zh-CN" sz="2200" dirty="0"/>
+              <a:t>CPU</a:t>
+            </a:r>
+          </a:p>
+          <a:p>
+            <a:r>
+              <a:rPr lang="zh-CN" altLang="en-US" sz="2200" dirty="0"/>
+              <a:t>饱和度：运行队列长度</a:t>
+            </a:r>
+          </a:p>
+          <a:p>
+            <a:endParaRPr lang="zh-CN" altLang="en-US" dirty="0"/>
+          </a:p>
+        </p:txBody>
+      </p:sp>
+      <p:sp>
+        <p:nvSpPr>
+          <p:cNvPr id="5" name="内容占位符 2">
+            <a:extLst>
+              <a:ext uri="{FF2B5EF4-FFF2-40B4-BE49-F238E27FC236}">
+                <a16:creationId xmlns:a16="http://schemas.microsoft.com/office/drawing/2014/main" id="{8AC7D192-3628-4F70-BF8A-E9B4B991D2DA}"/>
+              </a:ext>
+            </a:extLst>
+          </p:cNvPr>
+          <p:cNvSpPr txBox="1">
+            <a:spLocks/>
+          </p:cNvSpPr>
+          <p:nvPr/>
+        </p:nvSpPr>
+        <p:spPr>
+          <a:xfrm>
+            <a:off x="6314985" y="106316"/>
+            <a:ext cx="5740153" cy="2959439"/>
+          </a:xfrm>
+          <a:prstGeom prst="rect">
+            <a:avLst/>
+          </a:prstGeom>
+        </p:spPr>
+        <p:txBody>
+          <a:bodyPr vert="horz" lIns="91440" tIns="45720" rIns="91440" bIns="45720" rtlCol="0">
+            <a:normAutofit/>
+          </a:bodyPr>
+          <a:lstStyle>
+            <a:lvl1pPr marL="228600" indent="-228600" algn="l" defTabSz="914400" rtl="0" eaLnBrk="1" latinLnBrk="0" hangingPunct="1">
+              <a:lnSpc>
+                <a:spcPct val="90000"/>
+              </a:lnSpc>
+              <a:spcBef>
+                <a:spcPts val="1000"/>
+              </a:spcBef>
+              <a:buFont typeface="Arial" panose="020B0604020202020204" pitchFamily="34" charset="0"/>
+              <a:buChar char="•"/>
+              <a:defRPr sz="2800" kern="1200">
+                <a:solidFill>
+                  <a:schemeClr val="tx1"/>
+                </a:solidFill>
+                <a:latin typeface="+mn-lt"/>
+                <a:ea typeface="+mn-ea"/>
+                <a:cs typeface="+mn-cs"/>
+              </a:defRPr>
+            </a:lvl1pPr>
+            <a:lvl2pPr marL="685800" indent="-228600" algn="l" defTabSz="914400" rtl="0" eaLnBrk="1" latinLnBrk="0" hangingPunct="1">
+              <a:lnSpc>
+                <a:spcPct val="90000"/>
+              </a:lnSpc>
+              <a:spcBef>
+                <a:spcPts val="500"/>
+              </a:spcBef>
+              <a:buFont typeface="Arial" panose="020B0604020202020204" pitchFamily="34" charset="0"/>
+              <a:buChar char="•"/>
+              <a:defRPr sz="2400" kern="1200">
+                <a:solidFill>
+                  <a:schemeClr val="tx1"/>
+                </a:solidFill>
+                <a:latin typeface="+mn-lt"/>
+                <a:ea typeface="+mn-ea"/>
+                <a:cs typeface="+mn-cs"/>
+              </a:defRPr>
+            </a:lvl2pPr>
+            <a:lvl3pPr marL="1143000" indent="-228600" algn="l" defTabSz="914400" rtl="0" eaLnBrk="1" latinLnBrk="0" hangingPunct="1">
+              <a:lnSpc>
+                <a:spcPct val="90000"/>
+              </a:lnSpc>
+              <a:spcBef>
+                <a:spcPts val="500"/>
+              </a:spcBef>
+              <a:buFont typeface="Arial" panose="020B0604020202020204" pitchFamily="34" charset="0"/>
+              <a:buChar char="•"/>
+              <a:defRPr sz="2000" kern="1200">
+                <a:solidFill>
+                  <a:schemeClr val="tx1"/>
+                </a:solidFill>
+                <a:latin typeface="+mn-lt"/>
+                <a:ea typeface="+mn-ea"/>
+                <a:cs typeface="+mn-cs"/>
+              </a:defRPr>
+            </a:lvl3pPr>
+            <a:lvl4pPr marL="1600200" indent="-228600" algn="l" defTabSz="914400" rtl="0" eaLnBrk="1" latinLnBrk="0" hangingPunct="1">
+              <a:lnSpc>
+                <a:spcPct val="90000"/>
+              </a:lnSpc>
+              <a:spcBef>
+                <a:spcPts val="500"/>
+              </a:spcBef>
+              <a:buFont typeface="Arial" panose="020B0604020202020204" pitchFamily="34" charset="0"/>
+              <a:buChar char="•"/>
+              <a:defRPr sz="1800" kern="1200">
+                <a:solidFill>
+                  <a:schemeClr val="tx1"/>
+                </a:solidFill>
+                <a:latin typeface="+mn-lt"/>
+                <a:ea typeface="+mn-ea"/>
+                <a:cs typeface="+mn-cs"/>
+              </a:defRPr>
+            </a:lvl4pPr>
+            <a:lvl5pPr marL="2057400" indent="-228600" algn="l" defTabSz="914400" rtl="0" eaLnBrk="1" latinLnBrk="0" hangingPunct="1">
+              <a:lnSpc>
+                <a:spcPct val="90000"/>
+              </a:lnSpc>
+              <a:spcBef>
+                <a:spcPts val="500"/>
+              </a:spcBef>
+              <a:buFont typeface="Arial" panose="020B0604020202020204" pitchFamily="34" charset="0"/>
+              <a:buChar char="•"/>
+              <a:defRPr sz="1800" kern="1200">
+                <a:solidFill>
+                  <a:schemeClr val="tx1"/>
+                </a:solidFill>
+                <a:latin typeface="+mn-lt"/>
+                <a:ea typeface="+mn-ea"/>
+                <a:cs typeface="+mn-cs"/>
+              </a:defRPr>
+            </a:lvl5pPr>
+            <a:lvl6pPr marL="2514600" indent="-228600" algn="l" defTabSz="914400" rtl="0" eaLnBrk="1" latinLnBrk="0" hangingPunct="1">
+              <a:lnSpc>
+                <a:spcPct val="90000"/>
+              </a:lnSpc>
+              <a:spcBef>
+                <a:spcPts val="500"/>
+              </a:spcBef>
+              <a:buFont typeface="Arial" panose="020B0604020202020204" pitchFamily="34" charset="0"/>
+              <a:buChar char="•"/>
+              <a:defRPr sz="1800" kern="1200">
+                <a:solidFill>
+                  <a:schemeClr val="tx1"/>
+                </a:solidFill>
+                <a:latin typeface="+mn-lt"/>
+                <a:ea typeface="+mn-ea"/>
+                <a:cs typeface="+mn-cs"/>
+              </a:defRPr>
+            </a:lvl6pPr>
+            <a:lvl7pPr marL="2971800" indent="-228600" algn="l" defTabSz="914400" rtl="0" eaLnBrk="1" latinLnBrk="0" hangingPunct="1">
+              <a:lnSpc>
+                <a:spcPct val="90000"/>
+              </a:lnSpc>
+              <a:spcBef>
+                <a:spcPts val="500"/>
+              </a:spcBef>
+              <a:buFont typeface="Arial" panose="020B0604020202020204" pitchFamily="34" charset="0"/>
+              <a:buChar char="•"/>
+              <a:defRPr sz="1800" kern="1200">
+                <a:solidFill>
+                  <a:schemeClr val="tx1"/>
+                </a:solidFill>
+                <a:latin typeface="+mn-lt"/>
+                <a:ea typeface="+mn-ea"/>
+                <a:cs typeface="+mn-cs"/>
+              </a:defRPr>
+            </a:lvl7pPr>
+            <a:lvl8pPr marL="3429000" indent="-228600" algn="l" defTabSz="914400" rtl="0" eaLnBrk="1" latinLnBrk="0" hangingPunct="1">
+              <a:lnSpc>
+                <a:spcPct val="90000"/>
+              </a:lnSpc>
+              <a:spcBef>
+                <a:spcPts val="500"/>
+              </a:spcBef>
+              <a:buFont typeface="Arial" panose="020B0604020202020204" pitchFamily="34" charset="0"/>
+              <a:buChar char="•"/>
+              <a:defRPr sz="1800" kern="1200">
+                <a:solidFill>
+                  <a:schemeClr val="tx1"/>
+                </a:solidFill>
+                <a:latin typeface="+mn-lt"/>
+                <a:ea typeface="+mn-ea"/>
+                <a:cs typeface="+mn-cs"/>
+              </a:defRPr>
+            </a:lvl8pPr>
+            <a:lvl9pPr marL="3886200" indent="-228600" algn="l" defTabSz="914400" rtl="0" eaLnBrk="1" latinLnBrk="0" hangingPunct="1">
+              <a:lnSpc>
+                <a:spcPct val="90000"/>
+              </a:lnSpc>
+              <a:spcBef>
+                <a:spcPts val="500"/>
+              </a:spcBef>
+              <a:buFont typeface="Arial" panose="020B0604020202020204" pitchFamily="34" charset="0"/>
+              <a:buChar char="•"/>
+              <a:defRPr sz="1800" kern="1200">
+                <a:solidFill>
+                  <a:schemeClr val="tx1"/>
+                </a:solidFill>
+                <a:latin typeface="+mn-lt"/>
+                <a:ea typeface="+mn-ea"/>
+                <a:cs typeface="+mn-cs"/>
+              </a:defRPr>
+            </a:lvl9pPr>
+          </a:lstStyle>
+          <a:p>
+            <a:pPr marL="0" indent="0">
+              <a:buNone/>
+            </a:pPr>
+            <a:r>
+              <a:rPr lang="zh-CN" altLang="en-US" sz="2200" dirty="0"/>
+              <a:t>对于存储设备：</a:t>
+            </a:r>
+            <a:endParaRPr lang="en-US" altLang="zh-CN" sz="2200" dirty="0"/>
+          </a:p>
+          <a:p>
+            <a:r>
+              <a:rPr lang="zh-CN" altLang="en-US" sz="2200" dirty="0"/>
+              <a:t>延迟：读取和写入的平均等待时间（</a:t>
+            </a:r>
+            <a:r>
+              <a:rPr lang="en-US" altLang="zh-CN" sz="2200" dirty="0"/>
+              <a:t>await</a:t>
+            </a:r>
+            <a:r>
+              <a:rPr lang="zh-CN" altLang="en-US" sz="2200" dirty="0"/>
+              <a:t>）</a:t>
+            </a:r>
+          </a:p>
+          <a:p>
+            <a:r>
+              <a:rPr lang="zh-CN" altLang="en-US" sz="2200" dirty="0"/>
+              <a:t>流量：读写</a:t>
+            </a:r>
+            <a:r>
+              <a:rPr lang="en-US" altLang="zh-CN" sz="2200" dirty="0"/>
+              <a:t>I / O</a:t>
+            </a:r>
+            <a:r>
+              <a:rPr lang="zh-CN" altLang="en-US" sz="2200" dirty="0"/>
+              <a:t>级别</a:t>
+            </a:r>
+          </a:p>
+          <a:p>
+            <a:r>
+              <a:rPr lang="zh-CN" altLang="en-US" sz="2200" dirty="0"/>
+              <a:t>错误：文件系统错误，磁盘错误 </a:t>
+            </a:r>
+            <a:r>
+              <a:rPr lang="en-US" altLang="zh-CN" sz="2200" dirty="0"/>
+              <a:t>/sys/devices</a:t>
+            </a:r>
+          </a:p>
+          <a:p>
+            <a:r>
+              <a:rPr lang="zh-CN" altLang="en-US" sz="2200" dirty="0"/>
+              <a:t>饱和度：</a:t>
+            </a:r>
+            <a:r>
+              <a:rPr lang="en-US" altLang="zh-CN" sz="2200" dirty="0"/>
+              <a:t>I / O</a:t>
+            </a:r>
+            <a:r>
+              <a:rPr lang="zh-CN" altLang="en-US" sz="2200" dirty="0"/>
+              <a:t>队列深度</a:t>
+            </a:r>
+          </a:p>
+          <a:p>
+            <a:pPr marL="0" indent="0">
+              <a:buNone/>
+            </a:pPr>
+            <a:endParaRPr lang="zh-CN" altLang="en-US" dirty="0"/>
+          </a:p>
+        </p:txBody>
+      </p:sp>
+      <p:sp>
+        <p:nvSpPr>
+          <p:cNvPr id="6" name="内容占位符 2">
+            <a:extLst>
+              <a:ext uri="{FF2B5EF4-FFF2-40B4-BE49-F238E27FC236}">
+                <a16:creationId xmlns:a16="http://schemas.microsoft.com/office/drawing/2014/main" id="{01D14766-7A1D-42F4-8663-C07C0E5544A5}"/>
+              </a:ext>
+            </a:extLst>
+          </p:cNvPr>
+          <p:cNvSpPr txBox="1">
+            <a:spLocks/>
+          </p:cNvSpPr>
+          <p:nvPr/>
+        </p:nvSpPr>
+        <p:spPr>
+          <a:xfrm>
+            <a:off x="6387486" y="3767830"/>
+            <a:ext cx="5740153" cy="2959439"/>
+          </a:xfrm>
+          <a:prstGeom prst="rect">
+            <a:avLst/>
+          </a:prstGeom>
+        </p:spPr>
+        <p:txBody>
+          <a:bodyPr vert="horz" lIns="91440" tIns="45720" rIns="91440" bIns="45720" rtlCol="0">
+            <a:normAutofit/>
+          </a:bodyPr>
+          <a:lstStyle>
+            <a:lvl1pPr marL="228600" indent="-228600" algn="l" defTabSz="914400" rtl="0" eaLnBrk="1" latinLnBrk="0" hangingPunct="1">
+              <a:lnSpc>
+                <a:spcPct val="90000"/>
+              </a:lnSpc>
+              <a:spcBef>
+                <a:spcPts val="1000"/>
+              </a:spcBef>
+              <a:buFont typeface="Arial" panose="020B0604020202020204" pitchFamily="34" charset="0"/>
+              <a:buChar char="•"/>
+              <a:defRPr sz="2800" kern="1200">
+                <a:solidFill>
+                  <a:schemeClr val="tx1"/>
+                </a:solidFill>
+                <a:latin typeface="+mn-lt"/>
+                <a:ea typeface="+mn-ea"/>
+                <a:cs typeface="+mn-cs"/>
+              </a:defRPr>
+            </a:lvl1pPr>
+            <a:lvl2pPr marL="685800" indent="-228600" algn="l" defTabSz="914400" rtl="0" eaLnBrk="1" latinLnBrk="0" hangingPunct="1">
+              <a:lnSpc>
+                <a:spcPct val="90000"/>
+              </a:lnSpc>
+              <a:spcBef>
+                <a:spcPts val="500"/>
+              </a:spcBef>
+              <a:buFont typeface="Arial" panose="020B0604020202020204" pitchFamily="34" charset="0"/>
+              <a:buChar char="•"/>
+              <a:defRPr sz="2400" kern="1200">
+                <a:solidFill>
+                  <a:schemeClr val="tx1"/>
+                </a:solidFill>
+                <a:latin typeface="+mn-lt"/>
+                <a:ea typeface="+mn-ea"/>
+                <a:cs typeface="+mn-cs"/>
+              </a:defRPr>
+            </a:lvl2pPr>
+            <a:lvl3pPr marL="1143000" indent="-228600" algn="l" defTabSz="914400" rtl="0" eaLnBrk="1" latinLnBrk="0" hangingPunct="1">
+              <a:lnSpc>
+                <a:spcPct val="90000"/>
+              </a:lnSpc>
+              <a:spcBef>
+                <a:spcPts val="500"/>
+              </a:spcBef>
+              <a:buFont typeface="Arial" panose="020B0604020202020204" pitchFamily="34" charset="0"/>
+              <a:buChar char="•"/>
+              <a:defRPr sz="2000" kern="1200">
+                <a:solidFill>
+                  <a:schemeClr val="tx1"/>
+                </a:solidFill>
+                <a:latin typeface="+mn-lt"/>
+                <a:ea typeface="+mn-ea"/>
+                <a:cs typeface="+mn-cs"/>
+              </a:defRPr>
+            </a:lvl3pPr>
+            <a:lvl4pPr marL="1600200" indent="-228600" algn="l" defTabSz="914400" rtl="0" eaLnBrk="1" latinLnBrk="0" hangingPunct="1">
+              <a:lnSpc>
+                <a:spcPct val="90000"/>
+              </a:lnSpc>
+              <a:spcBef>
+                <a:spcPts val="500"/>
+              </a:spcBef>
+              <a:buFont typeface="Arial" panose="020B0604020202020204" pitchFamily="34" charset="0"/>
+              <a:buChar char="•"/>
+              <a:defRPr sz="1800" kern="1200">
+                <a:solidFill>
+                  <a:schemeClr val="tx1"/>
+                </a:solidFill>
+                <a:latin typeface="+mn-lt"/>
+                <a:ea typeface="+mn-ea"/>
+                <a:cs typeface="+mn-cs"/>
+              </a:defRPr>
+            </a:lvl4pPr>
+            <a:lvl5pPr marL="2057400" indent="-228600" algn="l" defTabSz="914400" rtl="0" eaLnBrk="1" latinLnBrk="0" hangingPunct="1">
+              <a:lnSpc>
+                <a:spcPct val="90000"/>
+              </a:lnSpc>
+              <a:spcBef>
+                <a:spcPts val="500"/>
+              </a:spcBef>
+              <a:buFont typeface="Arial" panose="020B0604020202020204" pitchFamily="34" charset="0"/>
+              <a:buChar char="•"/>
+              <a:defRPr sz="1800" kern="1200">
+                <a:solidFill>
+                  <a:schemeClr val="tx1"/>
+                </a:solidFill>
+                <a:latin typeface="+mn-lt"/>
+                <a:ea typeface="+mn-ea"/>
+                <a:cs typeface="+mn-cs"/>
+              </a:defRPr>
+            </a:lvl5pPr>
+            <a:lvl6pPr marL="2514600" indent="-228600" algn="l" defTabSz="914400" rtl="0" eaLnBrk="1" latinLnBrk="0" hangingPunct="1">
+              <a:lnSpc>
+                <a:spcPct val="90000"/>
+              </a:lnSpc>
+              <a:spcBef>
+                <a:spcPts val="500"/>
+              </a:spcBef>
+              <a:buFont typeface="Arial" panose="020B0604020202020204" pitchFamily="34" charset="0"/>
+              <a:buChar char="•"/>
+              <a:defRPr sz="1800" kern="1200">
+                <a:solidFill>
+                  <a:schemeClr val="tx1"/>
+                </a:solidFill>
+                <a:latin typeface="+mn-lt"/>
+                <a:ea typeface="+mn-ea"/>
+                <a:cs typeface="+mn-cs"/>
+              </a:defRPr>
+            </a:lvl6pPr>
+            <a:lvl7pPr marL="2971800" indent="-228600" algn="l" defTabSz="914400" rtl="0" eaLnBrk="1" latinLnBrk="0" hangingPunct="1">
+              <a:lnSpc>
+                <a:spcPct val="90000"/>
+              </a:lnSpc>
+              <a:spcBef>
+                <a:spcPts val="500"/>
+              </a:spcBef>
+              <a:buFont typeface="Arial" panose="020B0604020202020204" pitchFamily="34" charset="0"/>
+              <a:buChar char="•"/>
+              <a:defRPr sz="1800" kern="1200">
+                <a:solidFill>
+                  <a:schemeClr val="tx1"/>
+                </a:solidFill>
+                <a:latin typeface="+mn-lt"/>
+                <a:ea typeface="+mn-ea"/>
+                <a:cs typeface="+mn-cs"/>
+              </a:defRPr>
+            </a:lvl7pPr>
+            <a:lvl8pPr marL="3429000" indent="-228600" algn="l" defTabSz="914400" rtl="0" eaLnBrk="1" latinLnBrk="0" hangingPunct="1">
+              <a:lnSpc>
+                <a:spcPct val="90000"/>
+              </a:lnSpc>
+              <a:spcBef>
+                <a:spcPts val="500"/>
+              </a:spcBef>
+              <a:buFont typeface="Arial" panose="020B0604020202020204" pitchFamily="34" charset="0"/>
+              <a:buChar char="•"/>
+              <a:defRPr sz="1800" kern="1200">
+                <a:solidFill>
+                  <a:schemeClr val="tx1"/>
+                </a:solidFill>
+                <a:latin typeface="+mn-lt"/>
+                <a:ea typeface="+mn-ea"/>
+                <a:cs typeface="+mn-cs"/>
+              </a:defRPr>
+            </a:lvl8pPr>
+            <a:lvl9pPr marL="3886200" indent="-228600" algn="l" defTabSz="914400" rtl="0" eaLnBrk="1" latinLnBrk="0" hangingPunct="1">
+              <a:lnSpc>
+                <a:spcPct val="90000"/>
+              </a:lnSpc>
+              <a:spcBef>
+                <a:spcPts val="500"/>
+              </a:spcBef>
+              <a:buFont typeface="Arial" panose="020B0604020202020204" pitchFamily="34" charset="0"/>
+              <a:buChar char="•"/>
+              <a:defRPr sz="1800" kern="1200">
+                <a:solidFill>
+                  <a:schemeClr val="tx1"/>
+                </a:solidFill>
+                <a:latin typeface="+mn-lt"/>
+                <a:ea typeface="+mn-ea"/>
+                <a:cs typeface="+mn-cs"/>
+              </a:defRPr>
+            </a:lvl9pPr>
+          </a:lstStyle>
+          <a:p>
+            <a:pPr marL="0" indent="0">
+              <a:buNone/>
+            </a:pPr>
+            <a:r>
+              <a:rPr lang="zh-CN" altLang="en-US" sz="2200" dirty="0"/>
+              <a:t>对于网络信号可以是这样的：</a:t>
+            </a:r>
+            <a:endParaRPr lang="en-US" altLang="zh-CN" sz="2200" dirty="0"/>
+          </a:p>
+          <a:p>
+            <a:r>
+              <a:rPr lang="zh-CN" altLang="en-US" sz="2200" dirty="0"/>
+              <a:t>延迟：网络驱动程序队列</a:t>
+            </a:r>
+          </a:p>
+          <a:p>
+            <a:r>
+              <a:rPr lang="zh-CN" altLang="en-US" sz="2200" dirty="0"/>
+              <a:t>流量：每秒传入和传出的字节或数据包</a:t>
+            </a:r>
+          </a:p>
+          <a:p>
+            <a:r>
+              <a:rPr lang="zh-CN" altLang="en-US" sz="2200" dirty="0"/>
+              <a:t>错误：网络设备错误，丢包</a:t>
+            </a:r>
+          </a:p>
+          <a:p>
+            <a:r>
+              <a:rPr lang="zh-CN" altLang="en-US" sz="2200" dirty="0"/>
+              <a:t>饱和度：溢出，丢弃数据包，重新传输的段</a:t>
+            </a:r>
+          </a:p>
+          <a:p>
+            <a:pPr marL="0" indent="0">
+              <a:buNone/>
+            </a:pPr>
+            <a:endParaRPr lang="zh-CN" altLang="en-US" dirty="0"/>
+          </a:p>
+        </p:txBody>
+      </p:sp>
+    </p:spTree>
+    <p:extLst>
+      <p:ext uri="{BB962C8B-B14F-4D97-AF65-F5344CB8AC3E}">
+        <p14:creationId xmlns:p14="http://schemas.microsoft.com/office/powerpoint/2010/main" val="272648638"/>
+      </p:ext>
+    </p:extLst>
+  </p:cSld>
+  <p:clrMapOvr>
+    <a:masterClrMapping/>
+  </p:clrMapOvr>
+</p:sld>
+</file>
+
+<file path=ppt/slides/slide47.xml><?xml version="1.0" encoding="utf-8"?>
+<p:sld xmlns:a="http://schemas.openxmlformats.org/drawingml/2006/main" xmlns:r="http://schemas.openxmlformats.org/officeDocument/2006/relationships" xmlns:p="http://schemas.openxmlformats.org/presentationml/2006/main">
+  <p:cSld>
+    <p:spTree>
+      <p:nvGrpSpPr>
+        <p:cNvPr id="1" name=""/>
+        <p:cNvGrpSpPr/>
+        <p:nvPr/>
+      </p:nvGrpSpPr>
+      <p:grpSpPr>
+        <a:xfrm>
+          <a:off x="0" y="0"/>
+          <a:ext cx="0" cy="0"/>
+          <a:chOff x="0" y="0"/>
+          <a:chExt cx="0" cy="0"/>
+        </a:xfrm>
+      </p:grpSpPr>
+      <p:sp>
+        <p:nvSpPr>
+          <p:cNvPr id="3" name="内容占位符 2">
+            <a:extLst>
+              <a:ext uri="{FF2B5EF4-FFF2-40B4-BE49-F238E27FC236}">
+                <a16:creationId xmlns:a16="http://schemas.microsoft.com/office/drawing/2014/main" id="{E1F386B3-D743-46A5-A870-E7E2231182B8}"/>
+              </a:ext>
+            </a:extLst>
+          </p:cNvPr>
+          <p:cNvSpPr>
+            <a:spLocks noGrp="1"/>
+          </p:cNvSpPr>
+          <p:nvPr>
+            <p:ph idx="1"/>
+          </p:nvPr>
+        </p:nvSpPr>
+        <p:spPr>
+          <a:xfrm>
+            <a:off x="838200" y="328474"/>
+            <a:ext cx="10515600" cy="5848489"/>
+          </a:xfrm>
+        </p:spPr>
+        <p:txBody>
+          <a:bodyPr/>
+          <a:lstStyle/>
+          <a:p>
+            <a:pPr marL="0" indent="0">
+              <a:buNone/>
+            </a:pPr>
+            <a:r>
+              <a:rPr lang="zh-CN" altLang="en-US" dirty="0"/>
+              <a:t>对于为客户提供服务的应用程序，四个黄金信号通常可以很容易地选择</a:t>
+            </a:r>
+            <a:endParaRPr lang="en-US" altLang="zh-CN" dirty="0"/>
+          </a:p>
+          <a:p>
+            <a:r>
+              <a:rPr lang="en-US" altLang="zh-CN" dirty="0"/>
+              <a:t>Latency </a:t>
+            </a:r>
+            <a:r>
+              <a:rPr lang="zh-CN" altLang="en-US" dirty="0"/>
+              <a:t>延迟：完成请求的时间</a:t>
+            </a:r>
+          </a:p>
+          <a:p>
+            <a:r>
+              <a:rPr lang="en-US" altLang="zh-CN" dirty="0"/>
+              <a:t>Traffic</a:t>
+            </a:r>
+            <a:r>
+              <a:rPr lang="zh-CN" altLang="en-US" dirty="0"/>
+              <a:t> 流量：每秒服务请求数</a:t>
+            </a:r>
+          </a:p>
+          <a:p>
+            <a:r>
+              <a:rPr lang="en-US" altLang="zh-CN" dirty="0"/>
+              <a:t>Errors </a:t>
+            </a:r>
+            <a:r>
+              <a:rPr lang="zh-CN" altLang="en-US" dirty="0"/>
+              <a:t>错误：处理客户端请求或访问资源时发生的应用程序错误</a:t>
+            </a:r>
+          </a:p>
+          <a:p>
+            <a:r>
+              <a:rPr lang="en-US" altLang="zh-CN" dirty="0"/>
+              <a:t>Saturation </a:t>
+            </a:r>
+            <a:r>
+              <a:rPr lang="zh-CN" altLang="en-US" dirty="0"/>
+              <a:t>饱和度：当前使用的资源的百分比或数量</a:t>
+            </a:r>
+          </a:p>
+          <a:p>
+            <a:endParaRPr lang="zh-CN" altLang="en-US" dirty="0"/>
+          </a:p>
+        </p:txBody>
+      </p:sp>
+    </p:spTree>
+    <p:extLst>
+      <p:ext uri="{BB962C8B-B14F-4D97-AF65-F5344CB8AC3E}">
+        <p14:creationId xmlns:p14="http://schemas.microsoft.com/office/powerpoint/2010/main" val="3804250877"/>
+      </p:ext>
+    </p:extLst>
+  </p:cSld>
+  <p:clrMapOvr>
+    <a:masterClrMapping/>
+  </p:clrMapOvr>
+</p:sld>
+</file>
+
+<file path=ppt/slides/slide48.xml><?xml version="1.0" encoding="utf-8"?>
+<p:sld xmlns:a="http://schemas.openxmlformats.org/drawingml/2006/main" xmlns:r="http://schemas.openxmlformats.org/officeDocument/2006/relationships" xmlns:p="http://schemas.openxmlformats.org/presentationml/2006/main">
+  <p:cSld>
+    <p:spTree>
+      <p:nvGrpSpPr>
+        <p:cNvPr id="1" name=""/>
+        <p:cNvGrpSpPr/>
+        <p:nvPr/>
+      </p:nvGrpSpPr>
+      <p:grpSpPr>
+        <a:xfrm>
+          <a:off x="0" y="0"/>
+          <a:ext cx="0" cy="0"/>
+          <a:chOff x="0" y="0"/>
+          <a:chExt cx="0" cy="0"/>
+        </a:xfrm>
+      </p:grpSpPr>
+      <p:sp>
+        <p:nvSpPr>
+          <p:cNvPr id="2" name="标题 1">
+            <a:extLst>
+              <a:ext uri="{FF2B5EF4-FFF2-40B4-BE49-F238E27FC236}">
+                <a16:creationId xmlns:a16="http://schemas.microsoft.com/office/drawing/2014/main" id="{A7FF394B-AC5A-476F-9A90-A13CFA8F5118}"/>
+              </a:ext>
+            </a:extLst>
+          </p:cNvPr>
+          <p:cNvSpPr>
+            <a:spLocks noGrp="1"/>
+          </p:cNvSpPr>
+          <p:nvPr>
+            <p:ph type="title"/>
+          </p:nvPr>
+        </p:nvSpPr>
+        <p:spPr/>
+        <p:txBody>
+          <a:bodyPr/>
+          <a:lstStyle/>
+          <a:p>
+            <a:r>
+              <a:rPr lang="en-US" altLang="zh-CN" dirty="0"/>
+              <a:t>RED</a:t>
+            </a:r>
+            <a:r>
+              <a:rPr lang="zh-CN" altLang="en-US" dirty="0"/>
+              <a:t>方法</a:t>
+            </a:r>
+          </a:p>
+        </p:txBody>
+      </p:sp>
+      <p:sp>
+        <p:nvSpPr>
+          <p:cNvPr id="3" name="内容占位符 2">
+            <a:extLst>
+              <a:ext uri="{FF2B5EF4-FFF2-40B4-BE49-F238E27FC236}">
+                <a16:creationId xmlns:a16="http://schemas.microsoft.com/office/drawing/2014/main" id="{C0C2A343-11D5-418A-89CF-B2E95B40BB31}"/>
+              </a:ext>
+            </a:extLst>
+          </p:cNvPr>
+          <p:cNvSpPr>
+            <a:spLocks noGrp="1"/>
+          </p:cNvSpPr>
+          <p:nvPr>
+            <p:ph idx="1"/>
+          </p:nvPr>
+        </p:nvSpPr>
+        <p:spPr/>
+        <p:txBody>
+          <a:bodyPr/>
+          <a:lstStyle/>
+          <a:p>
+            <a:r>
+              <a:rPr lang="en-US" altLang="zh-CN" dirty="0"/>
+              <a:t>Rate – </a:t>
+            </a:r>
+            <a:r>
+              <a:rPr lang="zh-CN" altLang="en-US" dirty="0"/>
+              <a:t>服务所服务的每秒的请求数</a:t>
+            </a:r>
+            <a:endParaRPr lang="en-US" altLang="zh-CN" dirty="0"/>
+          </a:p>
+          <a:p>
+            <a:r>
+              <a:rPr lang="en-US" altLang="zh-CN" dirty="0"/>
+              <a:t>Errors – </a:t>
+            </a:r>
+            <a:r>
+              <a:rPr lang="zh-CN" altLang="en-US" dirty="0"/>
+              <a:t>每秒失败的请求数</a:t>
+            </a:r>
+            <a:endParaRPr lang="en-US" altLang="zh-CN" dirty="0"/>
+          </a:p>
+          <a:p>
+            <a:r>
+              <a:rPr lang="en-US" altLang="zh-CN" dirty="0"/>
+              <a:t>Duration – </a:t>
+            </a:r>
+            <a:r>
+              <a:rPr lang="zh-CN" altLang="en-US" dirty="0"/>
+              <a:t>每个请求所花费的时间，用时间间隔表示</a:t>
+            </a:r>
+            <a:endParaRPr lang="en-US" altLang="zh-CN" dirty="0"/>
+          </a:p>
+          <a:p>
+            <a:pPr marL="0" indent="0">
+              <a:buNone/>
+            </a:pPr>
+            <a:endParaRPr lang="en-US" altLang="zh-CN" dirty="0"/>
+          </a:p>
+          <a:p>
+            <a:pPr marL="0" indent="0">
+              <a:buNone/>
+            </a:pPr>
+            <a:r>
+              <a:rPr lang="en-US" altLang="zh-CN" dirty="0"/>
+              <a:t>Rate</a:t>
+            </a:r>
+            <a:r>
+              <a:rPr lang="zh-CN" altLang="en-US" dirty="0"/>
+              <a:t>、</a:t>
+            </a:r>
+            <a:r>
+              <a:rPr lang="en-US" altLang="zh-CN" dirty="0"/>
+              <a:t>Errors</a:t>
+            </a:r>
+            <a:r>
+              <a:rPr lang="zh-CN" altLang="en-US" dirty="0"/>
+              <a:t>、</a:t>
+            </a:r>
+            <a:r>
+              <a:rPr lang="en-US" altLang="zh-CN" dirty="0"/>
+              <a:t>Duration</a:t>
+            </a:r>
+            <a:r>
+              <a:rPr lang="zh-CN" altLang="en-US" dirty="0"/>
+              <a:t>三项指标涵盖最典型的</a:t>
+            </a:r>
+            <a:r>
+              <a:rPr lang="en-US" altLang="zh-CN" dirty="0"/>
+              <a:t>Web</a:t>
+            </a:r>
+            <a:r>
+              <a:rPr lang="zh-CN" altLang="en-US" dirty="0"/>
+              <a:t>服务问题。同时这些指标还能够反映出请求的错误率。通过这三项指标，我们就能监测到通常情况下会影响客户体验的问题。如果想要获得更细节的信息，还需要用到</a:t>
+            </a:r>
+            <a:r>
+              <a:rPr lang="en-US" altLang="zh-CN" dirty="0"/>
+              <a:t>Saturation</a:t>
+            </a:r>
+            <a:r>
+              <a:rPr lang="zh-CN" altLang="en-US" dirty="0"/>
+              <a:t>指标。在理想状态下，我们可以在监控应用程序时同时使用</a:t>
+            </a:r>
+            <a:r>
+              <a:rPr lang="en-US" altLang="zh-CN" dirty="0"/>
+              <a:t>USE</a:t>
+            </a:r>
+            <a:r>
+              <a:rPr lang="zh-CN" altLang="en-US" dirty="0"/>
+              <a:t>和</a:t>
+            </a:r>
+            <a:r>
+              <a:rPr lang="en-US" altLang="zh-CN" dirty="0"/>
+              <a:t>RED</a:t>
+            </a:r>
+            <a:r>
+              <a:rPr lang="zh-CN" altLang="en-US" dirty="0"/>
+              <a:t>方法。</a:t>
+            </a:r>
+          </a:p>
+        </p:txBody>
+      </p:sp>
+    </p:spTree>
+    <p:extLst>
+      <p:ext uri="{BB962C8B-B14F-4D97-AF65-F5344CB8AC3E}">
+        <p14:creationId xmlns:p14="http://schemas.microsoft.com/office/powerpoint/2010/main" val="1709569126"/>
+      </p:ext>
+    </p:extLst>
+  </p:cSld>
+  <p:clrMapOvr>
+    <a:masterClrMapping/>
+  </p:clrMapOvr>
+</p:sld>
+</file>
+
+<file path=ppt/slides/slide49.xml><?xml version="1.0" encoding="utf-8"?>
+<p:sld xmlns:a="http://schemas.openxmlformats.org/drawingml/2006/main" xmlns:r="http://schemas.openxmlformats.org/officeDocument/2006/relationships" xmlns:p="http://schemas.openxmlformats.org/presentationml/2006/main">
+  <p:cSld>
+    <p:spTree>
+      <p:nvGrpSpPr>
+        <p:cNvPr id="1" name=""/>
+        <p:cNvGrpSpPr/>
+        <p:nvPr/>
+      </p:nvGrpSpPr>
+      <p:grpSpPr>
+        <a:xfrm>
+          <a:off x="0" y="0"/>
+          <a:ext cx="0" cy="0"/>
+          <a:chOff x="0" y="0"/>
+          <a:chExt cx="0" cy="0"/>
+        </a:xfrm>
+      </p:grpSpPr>
+      <p:sp>
+        <p:nvSpPr>
+          <p:cNvPr id="2" name="标题 1">
+            <a:extLst>
+              <a:ext uri="{FF2B5EF4-FFF2-40B4-BE49-F238E27FC236}">
+                <a16:creationId xmlns:a16="http://schemas.microsoft.com/office/drawing/2014/main" id="{1CD54F70-AA4A-41E2-BE15-DC3061A814FD}"/>
+              </a:ext>
+            </a:extLst>
+          </p:cNvPr>
+          <p:cNvSpPr>
+            <a:spLocks noGrp="1"/>
+          </p:cNvSpPr>
+          <p:nvPr>
+            <p:ph type="title"/>
+          </p:nvPr>
+        </p:nvSpPr>
+        <p:spPr/>
+        <p:txBody>
+          <a:bodyPr/>
+          <a:lstStyle/>
+          <a:p>
+            <a:r>
+              <a:rPr lang="en-US" altLang="zh-CN" dirty="0"/>
+              <a:t>USE</a:t>
+            </a:r>
+            <a:r>
+              <a:rPr lang="zh-CN" altLang="en-US" dirty="0"/>
+              <a:t>方法</a:t>
+            </a:r>
+          </a:p>
+        </p:txBody>
+      </p:sp>
+      <p:sp>
+        <p:nvSpPr>
+          <p:cNvPr id="3" name="内容占位符 2">
+            <a:extLst>
+              <a:ext uri="{FF2B5EF4-FFF2-40B4-BE49-F238E27FC236}">
+                <a16:creationId xmlns:a16="http://schemas.microsoft.com/office/drawing/2014/main" id="{BD3B7013-D6C1-4016-BB93-8846F4097207}"/>
+              </a:ext>
+            </a:extLst>
+          </p:cNvPr>
+          <p:cNvSpPr>
+            <a:spLocks noGrp="1"/>
+          </p:cNvSpPr>
+          <p:nvPr>
+            <p:ph idx="1"/>
+          </p:nvPr>
+        </p:nvSpPr>
+        <p:spPr/>
+        <p:txBody>
+          <a:bodyPr/>
+          <a:lstStyle/>
+          <a:p>
+            <a:r>
+              <a:rPr lang="en-US" altLang="zh-CN" dirty="0"/>
+              <a:t>Utilization – </a:t>
+            </a:r>
+            <a:r>
+              <a:rPr lang="zh-CN" altLang="en-US" dirty="0"/>
+              <a:t>使用率</a:t>
+            </a:r>
+            <a:endParaRPr lang="en-US" altLang="zh-CN" dirty="0"/>
+          </a:p>
+          <a:p>
+            <a:r>
+              <a:rPr lang="en-US" altLang="zh-CN" dirty="0"/>
+              <a:t>Saturation – </a:t>
+            </a:r>
+            <a:r>
+              <a:rPr lang="zh-CN" altLang="en-US" dirty="0"/>
+              <a:t>饱和度</a:t>
+            </a:r>
+            <a:endParaRPr lang="en-US" altLang="zh-CN" dirty="0"/>
+          </a:p>
+          <a:p>
+            <a:r>
+              <a:rPr lang="en-US" altLang="zh-CN" dirty="0"/>
+              <a:t>Errors – </a:t>
+            </a:r>
+            <a:r>
+              <a:rPr lang="zh-CN" altLang="en-US" dirty="0"/>
+              <a:t>错误</a:t>
+            </a:r>
+            <a:endParaRPr lang="en-US" altLang="zh-CN" dirty="0"/>
+          </a:p>
+          <a:p>
+            <a:endParaRPr lang="en-US" altLang="zh-CN" dirty="0"/>
+          </a:p>
+          <a:p>
+            <a:pPr marL="0" indent="0">
+              <a:buNone/>
+            </a:pPr>
+            <a:r>
+              <a:rPr lang="zh-CN" altLang="en-US" dirty="0"/>
+              <a:t>当需要监控主机</a:t>
+            </a:r>
+            <a:r>
+              <a:rPr lang="en-US" altLang="zh-CN" dirty="0"/>
+              <a:t>CPU&amp;</a:t>
+            </a:r>
+            <a:r>
+              <a:rPr lang="zh-CN" altLang="en-US" dirty="0"/>
+              <a:t>内存或者缓存资源时，</a:t>
+            </a:r>
+            <a:r>
+              <a:rPr lang="en-US" altLang="zh-CN" dirty="0"/>
+              <a:t>USE</a:t>
+            </a:r>
+            <a:r>
+              <a:rPr lang="zh-CN" altLang="en-US" dirty="0"/>
+              <a:t>方法表现的更好</a:t>
+            </a:r>
+          </a:p>
+        </p:txBody>
+      </p:sp>
+    </p:spTree>
+    <p:extLst>
+      <p:ext uri="{BB962C8B-B14F-4D97-AF65-F5344CB8AC3E}">
+        <p14:creationId xmlns:p14="http://schemas.microsoft.com/office/powerpoint/2010/main" val="2780792467"/>
+      </p:ext>
+    </p:extLst>
+  </p:cSld>
+  <p:clrMapOvr>
+    <a:masterClrMapping/>
+  </p:clrMapOvr>
+</p:sld>
+</file>
+
 <file path=ppt/slides/slide5.xml><?xml version="1.0" encoding="utf-8"?>
 <p:sld xmlns:a="http://schemas.openxmlformats.org/drawingml/2006/main" xmlns:r="http://schemas.openxmlformats.org/officeDocument/2006/relationships" xmlns:p="http://schemas.openxmlformats.org/presentationml/2006/main">
   <p:cSld>

--- a/files/Prometheus.pptx
+++ b/files/Prometheus.pptx
@@ -48,12 +48,13 @@
     <p:sldId id="299" r:id="rId42"/>
     <p:sldId id="298" r:id="rId43"/>
     <p:sldId id="304" r:id="rId44"/>
-    <p:sldId id="306" r:id="rId45"/>
-    <p:sldId id="307" r:id="rId46"/>
-    <p:sldId id="310" r:id="rId47"/>
-    <p:sldId id="311" r:id="rId48"/>
-    <p:sldId id="308" r:id="rId49"/>
-    <p:sldId id="309" r:id="rId50"/>
+    <p:sldId id="312" r:id="rId45"/>
+    <p:sldId id="306" r:id="rId46"/>
+    <p:sldId id="307" r:id="rId47"/>
+    <p:sldId id="310" r:id="rId48"/>
+    <p:sldId id="311" r:id="rId49"/>
+    <p:sldId id="308" r:id="rId50"/>
+    <p:sldId id="309" r:id="rId51"/>
   </p:sldIdLst>
   <p:sldSz cx="12192000" cy="6858000"/>
   <p:notesSz cx="6858000" cy="9144000"/>
@@ -319,7 +320,7 @@
           <a:p>
             <a:fld id="{DD2514A8-13CE-47E7-BD5A-5572C6224BC1}" type="datetimeFigureOut">
               <a:rPr lang="zh-CN" altLang="en-US" smtClean="0"/>
-              <a:t>2019/11/4</a:t>
+              <a:t>2019/11/26</a:t>
             </a:fld>
             <a:endParaRPr lang="zh-CN" altLang="en-US"/>
           </a:p>
@@ -517,7 +518,7 @@
           <a:p>
             <a:fld id="{DD2514A8-13CE-47E7-BD5A-5572C6224BC1}" type="datetimeFigureOut">
               <a:rPr lang="zh-CN" altLang="en-US" smtClean="0"/>
-              <a:t>2019/11/4</a:t>
+              <a:t>2019/11/26</a:t>
             </a:fld>
             <a:endParaRPr lang="zh-CN" altLang="en-US"/>
           </a:p>
@@ -725,7 +726,7 @@
           <a:p>
             <a:fld id="{DD2514A8-13CE-47E7-BD5A-5572C6224BC1}" type="datetimeFigureOut">
               <a:rPr lang="zh-CN" altLang="en-US" smtClean="0"/>
-              <a:t>2019/11/4</a:t>
+              <a:t>2019/11/26</a:t>
             </a:fld>
             <a:endParaRPr lang="zh-CN" altLang="en-US"/>
           </a:p>
@@ -923,7 +924,7 @@
           <a:p>
             <a:fld id="{DD2514A8-13CE-47E7-BD5A-5572C6224BC1}" type="datetimeFigureOut">
               <a:rPr lang="zh-CN" altLang="en-US" smtClean="0"/>
-              <a:t>2019/11/4</a:t>
+              <a:t>2019/11/26</a:t>
             </a:fld>
             <a:endParaRPr lang="zh-CN" altLang="en-US"/>
           </a:p>
@@ -1198,7 +1199,7 @@
           <a:p>
             <a:fld id="{DD2514A8-13CE-47E7-BD5A-5572C6224BC1}" type="datetimeFigureOut">
               <a:rPr lang="zh-CN" altLang="en-US" smtClean="0"/>
-              <a:t>2019/11/4</a:t>
+              <a:t>2019/11/26</a:t>
             </a:fld>
             <a:endParaRPr lang="zh-CN" altLang="en-US"/>
           </a:p>
@@ -1463,7 +1464,7 @@
           <a:p>
             <a:fld id="{DD2514A8-13CE-47E7-BD5A-5572C6224BC1}" type="datetimeFigureOut">
               <a:rPr lang="zh-CN" altLang="en-US" smtClean="0"/>
-              <a:t>2019/11/4</a:t>
+              <a:t>2019/11/26</a:t>
             </a:fld>
             <a:endParaRPr lang="zh-CN" altLang="en-US"/>
           </a:p>
@@ -1875,7 +1876,7 @@
           <a:p>
             <a:fld id="{DD2514A8-13CE-47E7-BD5A-5572C6224BC1}" type="datetimeFigureOut">
               <a:rPr lang="zh-CN" altLang="en-US" smtClean="0"/>
-              <a:t>2019/11/4</a:t>
+              <a:t>2019/11/26</a:t>
             </a:fld>
             <a:endParaRPr lang="zh-CN" altLang="en-US"/>
           </a:p>
@@ -2016,7 +2017,7 @@
           <a:p>
             <a:fld id="{DD2514A8-13CE-47E7-BD5A-5572C6224BC1}" type="datetimeFigureOut">
               <a:rPr lang="zh-CN" altLang="en-US" smtClean="0"/>
-              <a:t>2019/11/4</a:t>
+              <a:t>2019/11/26</a:t>
             </a:fld>
             <a:endParaRPr lang="zh-CN" altLang="en-US"/>
           </a:p>
@@ -2129,7 +2130,7 @@
           <a:p>
             <a:fld id="{DD2514A8-13CE-47E7-BD5A-5572C6224BC1}" type="datetimeFigureOut">
               <a:rPr lang="zh-CN" altLang="en-US" smtClean="0"/>
-              <a:t>2019/11/4</a:t>
+              <a:t>2019/11/26</a:t>
             </a:fld>
             <a:endParaRPr lang="zh-CN" altLang="en-US"/>
           </a:p>
@@ -2440,7 +2441,7 @@
           <a:p>
             <a:fld id="{DD2514A8-13CE-47E7-BD5A-5572C6224BC1}" type="datetimeFigureOut">
               <a:rPr lang="zh-CN" altLang="en-US" smtClean="0"/>
-              <a:t>2019/11/4</a:t>
+              <a:t>2019/11/26</a:t>
             </a:fld>
             <a:endParaRPr lang="zh-CN" altLang="en-US"/>
           </a:p>
@@ -2728,7 +2729,7 @@
           <a:p>
             <a:fld id="{DD2514A8-13CE-47E7-BD5A-5572C6224BC1}" type="datetimeFigureOut">
               <a:rPr lang="zh-CN" altLang="en-US" smtClean="0"/>
-              <a:t>2019/11/4</a:t>
+              <a:t>2019/11/26</a:t>
             </a:fld>
             <a:endParaRPr lang="zh-CN" altLang="en-US"/>
           </a:p>
@@ -2969,7 +2970,7 @@
           <a:p>
             <a:fld id="{DD2514A8-13CE-47E7-BD5A-5572C6224BC1}" type="datetimeFigureOut">
               <a:rPr lang="zh-CN" altLang="en-US" smtClean="0"/>
-              <a:t>2019/11/4</a:t>
+              <a:t>2019/11/26</a:t>
             </a:fld>
             <a:endParaRPr lang="zh-CN" altLang="en-US"/>
           </a:p>
@@ -11724,6 +11725,96 @@
           <p:cNvPr id="2" name="标题 1">
             <a:extLst>
               <a:ext uri="{FF2B5EF4-FFF2-40B4-BE49-F238E27FC236}">
+                <a16:creationId xmlns:a16="http://schemas.microsoft.com/office/drawing/2014/main" id="{918C85AC-23C9-461C-8B15-97264031FECD}"/>
+              </a:ext>
+            </a:extLst>
+          </p:cNvPr>
+          <p:cNvSpPr>
+            <a:spLocks noGrp="1"/>
+          </p:cNvSpPr>
+          <p:nvPr>
+            <p:ph type="title"/>
+          </p:nvPr>
+        </p:nvSpPr>
+        <p:spPr/>
+        <p:txBody>
+          <a:bodyPr/>
+          <a:lstStyle/>
+          <a:p>
+            <a:endParaRPr lang="zh-CN" altLang="en-US" dirty="0"/>
+          </a:p>
+        </p:txBody>
+      </p:sp>
+      <p:pic>
+        <p:nvPicPr>
+          <p:cNvPr id="9" name="内容占位符 8">
+            <a:extLst>
+              <a:ext uri="{FF2B5EF4-FFF2-40B4-BE49-F238E27FC236}">
+                <a16:creationId xmlns:a16="http://schemas.microsoft.com/office/drawing/2014/main" id="{02BC05E4-C397-4E54-BFD5-6DA0CAA70095}"/>
+              </a:ext>
+            </a:extLst>
+          </p:cNvPr>
+          <p:cNvPicPr>
+            <a:picLocks noGrp="1" noChangeAspect="1"/>
+          </p:cNvPicPr>
+          <p:nvPr>
+            <p:ph idx="1"/>
+          </p:nvPr>
+        </p:nvPicPr>
+        <p:blipFill>
+          <a:blip r:embed="rId2">
+            <a:extLst>
+              <a:ext uri="{28A0092B-C50C-407E-A947-70E740481C1C}">
+                <a14:useLocalDpi xmlns:a14="http://schemas.microsoft.com/office/drawing/2010/main" val="0"/>
+              </a:ext>
+            </a:extLst>
+          </a:blip>
+          <a:stretch>
+            <a:fillRect/>
+          </a:stretch>
+        </p:blipFill>
+        <p:spPr>
+          <a:xfrm>
+            <a:off x="1024566" y="965762"/>
+            <a:ext cx="9219590" cy="4351338"/>
+          </a:xfrm>
+        </p:spPr>
+      </p:pic>
+    </p:spTree>
+    <p:extLst>
+      <p:ext uri="{BB962C8B-B14F-4D97-AF65-F5344CB8AC3E}">
+        <p14:creationId xmlns:p14="http://schemas.microsoft.com/office/powerpoint/2010/main" val="3555217238"/>
+      </p:ext>
+    </p:extLst>
+  </p:cSld>
+  <p:clrMapOvr>
+    <a:masterClrMapping/>
+  </p:clrMapOvr>
+</p:sld>
+</file>
+
+<file path=ppt/slides/slide45.xml><?xml version="1.0" encoding="utf-8"?>
+<p:sld xmlns:a="http://schemas.openxmlformats.org/drawingml/2006/main" xmlns:r="http://schemas.openxmlformats.org/officeDocument/2006/relationships" xmlns:p="http://schemas.openxmlformats.org/presentationml/2006/main">
+  <p:cSld>
+    <p:spTree>
+      <p:nvGrpSpPr>
+        <p:cNvPr id="1" name=""/>
+        <p:cNvGrpSpPr/>
+        <p:nvPr/>
+      </p:nvGrpSpPr>
+      <p:grpSpPr>
+        <a:xfrm>
+          <a:off x="0" y="0"/>
+          <a:ext cx="0" cy="0"/>
+          <a:chOff x="0" y="0"/>
+          <a:chExt cx="0" cy="0"/>
+        </a:xfrm>
+      </p:grpSpPr>
+      <p:sp>
+        <p:nvSpPr>
+          <p:cNvPr id="2" name="标题 1">
+            <a:extLst>
+              <a:ext uri="{FF2B5EF4-FFF2-40B4-BE49-F238E27FC236}">
                 <a16:creationId xmlns:a16="http://schemas.microsoft.com/office/drawing/2014/main" id="{5EBCFECF-D96D-4F80-8141-A766645A308C}"/>
               </a:ext>
             </a:extLst>
@@ -11865,7 +11956,7 @@
 </p:sld>
 </file>
 
-<file path=ppt/slides/slide45.xml><?xml version="1.0" encoding="utf-8"?>
+<file path=ppt/slides/slide46.xml><?xml version="1.0" encoding="utf-8"?>
 <p:sld xmlns:a="http://schemas.openxmlformats.org/drawingml/2006/main" xmlns:r="http://schemas.openxmlformats.org/officeDocument/2006/relationships" xmlns:p="http://schemas.openxmlformats.org/presentationml/2006/main">
   <p:cSld>
     <p:spTree>
@@ -12101,7 +12192,7 @@
             </a:r>
             <a:r>
               <a:rPr lang="zh-CN" altLang="en-US" dirty="0"/>
-              <a:t>请求数；</a:t>
+              <a:t>请求数；数据库系统的事务。 </a:t>
             </a:r>
           </a:p>
           <a:p>
@@ -12193,7 +12284,23 @@
             </a:r>
             <a:r>
               <a:rPr lang="zh-CN" altLang="en-US" dirty="0"/>
-              <a:t>。</a:t>
+              <a:t>，有些是基于策略原因导致的失败</a:t>
+            </a:r>
+            <a:r>
+              <a:rPr lang="en-US" altLang="zh-CN" dirty="0"/>
+              <a:t>——</a:t>
+            </a:r>
+            <a:r>
+              <a:rPr lang="zh-CN" altLang="en-US" dirty="0"/>
+              <a:t>例如，强制要求响应时间超过</a:t>
+            </a:r>
+            <a:r>
+              <a:rPr lang="en-US" altLang="zh-CN" dirty="0"/>
+              <a:t>30ms</a:t>
+            </a:r>
+            <a:r>
+              <a:rPr lang="zh-CN" altLang="en-US" dirty="0"/>
+              <a:t>的请求视为错误。</a:t>
             </a:r>
           </a:p>
           <a:p>
@@ -12307,7 +12414,7 @@
 </p:sld>
 </file>
 
-<file path=ppt/slides/slide46.xml><?xml version="1.0" encoding="utf-8"?>
+<file path=ppt/slides/slide47.xml><?xml version="1.0" encoding="utf-8"?>
 <p:sld xmlns:a="http://schemas.openxmlformats.org/drawingml/2006/main" xmlns:r="http://schemas.openxmlformats.org/officeDocument/2006/relationships" xmlns:p="http://schemas.openxmlformats.org/presentationml/2006/main">
   <p:cSld>
     <p:spTree>
@@ -13182,7 +13289,7 @@
 </p:sld>
 </file>
 
-<file path=ppt/slides/slide47.xml><?xml version="1.0" encoding="utf-8"?>
+<file path=ppt/slides/slide48.xml><?xml version="1.0" encoding="utf-8"?>
 <p:sld xmlns:a="http://schemas.openxmlformats.org/drawingml/2006/main" xmlns:r="http://schemas.openxmlformats.org/officeDocument/2006/relationships" xmlns:p="http://schemas.openxmlformats.org/presentationml/2006/main">
   <p:cSld>
     <p:spTree>
@@ -13283,190 +13390,6 @@
     <p:extLst>
       <p:ext uri="{BB962C8B-B14F-4D97-AF65-F5344CB8AC3E}">
         <p14:creationId xmlns:p14="http://schemas.microsoft.com/office/powerpoint/2010/main" val="3804250877"/>
-      </p:ext>
-    </p:extLst>
-  </p:cSld>
-  <p:clrMapOvr>
-    <a:masterClrMapping/>
-  </p:clrMapOvr>
-</p:sld>
-</file>
-
-<file path=ppt/slides/slide48.xml><?xml version="1.0" encoding="utf-8"?>
-<p:sld xmlns:a="http://schemas.openxmlformats.org/drawingml/2006/main" xmlns:r="http://schemas.openxmlformats.org/officeDocument/2006/relationships" xmlns:p="http://schemas.openxmlformats.org/presentationml/2006/main">
-  <p:cSld>
-    <p:spTree>
-      <p:nvGrpSpPr>
-        <p:cNvPr id="1" name=""/>
-        <p:cNvGrpSpPr/>
-        <p:nvPr/>
-      </p:nvGrpSpPr>
-      <p:grpSpPr>
-        <a:xfrm>
-          <a:off x="0" y="0"/>
-          <a:ext cx="0" cy="0"/>
-          <a:chOff x="0" y="0"/>
-          <a:chExt cx="0" cy="0"/>
-        </a:xfrm>
-      </p:grpSpPr>
-      <p:sp>
-        <p:nvSpPr>
-          <p:cNvPr id="2" name="标题 1">
-            <a:extLst>
-              <a:ext uri="{FF2B5EF4-FFF2-40B4-BE49-F238E27FC236}">
-                <a16:creationId xmlns:a16="http://schemas.microsoft.com/office/drawing/2014/main" id="{A7FF394B-AC5A-476F-9A90-A13CFA8F5118}"/>
-              </a:ext>
-            </a:extLst>
-          </p:cNvPr>
-          <p:cNvSpPr>
-            <a:spLocks noGrp="1"/>
-          </p:cNvSpPr>
-          <p:nvPr>
-            <p:ph type="title"/>
-          </p:nvPr>
-        </p:nvSpPr>
-        <p:spPr/>
-        <p:txBody>
-          <a:bodyPr/>
-          <a:lstStyle/>
-          <a:p>
-            <a:r>
-              <a:rPr lang="en-US" altLang="zh-CN" dirty="0"/>
-              <a:t>RED</a:t>
-            </a:r>
-            <a:r>
-              <a:rPr lang="zh-CN" altLang="en-US" dirty="0"/>
-              <a:t>方法</a:t>
-            </a:r>
-          </a:p>
-        </p:txBody>
-      </p:sp>
-      <p:sp>
-        <p:nvSpPr>
-          <p:cNvPr id="3" name="内容占位符 2">
-            <a:extLst>
-              <a:ext uri="{FF2B5EF4-FFF2-40B4-BE49-F238E27FC236}">
-                <a16:creationId xmlns:a16="http://schemas.microsoft.com/office/drawing/2014/main" id="{C0C2A343-11D5-418A-89CF-B2E95B40BB31}"/>
-              </a:ext>
-            </a:extLst>
-          </p:cNvPr>
-          <p:cNvSpPr>
-            <a:spLocks noGrp="1"/>
-          </p:cNvSpPr>
-          <p:nvPr>
-            <p:ph idx="1"/>
-          </p:nvPr>
-        </p:nvSpPr>
-        <p:spPr/>
-        <p:txBody>
-          <a:bodyPr/>
-          <a:lstStyle/>
-          <a:p>
-            <a:r>
-              <a:rPr lang="en-US" altLang="zh-CN" dirty="0"/>
-              <a:t>Rate – </a:t>
-            </a:r>
-            <a:r>
-              <a:rPr lang="zh-CN" altLang="en-US" dirty="0"/>
-              <a:t>服务所服务的每秒的请求数</a:t>
-            </a:r>
-            <a:endParaRPr lang="en-US" altLang="zh-CN" dirty="0"/>
-          </a:p>
-          <a:p>
-            <a:r>
-              <a:rPr lang="en-US" altLang="zh-CN" dirty="0"/>
-              <a:t>Errors – </a:t>
-            </a:r>
-            <a:r>
-              <a:rPr lang="zh-CN" altLang="en-US" dirty="0"/>
-              <a:t>每秒失败的请求数</a:t>
-            </a:r>
-            <a:endParaRPr lang="en-US" altLang="zh-CN" dirty="0"/>
-          </a:p>
-          <a:p>
-            <a:r>
-              <a:rPr lang="en-US" altLang="zh-CN" dirty="0"/>
-              <a:t>Duration – </a:t>
-            </a:r>
-            <a:r>
-              <a:rPr lang="zh-CN" altLang="en-US" dirty="0"/>
-              <a:t>每个请求所花费的时间，用时间间隔表示</a:t>
-            </a:r>
-            <a:endParaRPr lang="en-US" altLang="zh-CN" dirty="0"/>
-          </a:p>
-          <a:p>
-            <a:pPr marL="0" indent="0">
-              <a:buNone/>
-            </a:pPr>
-            <a:endParaRPr lang="en-US" altLang="zh-CN" dirty="0"/>
-          </a:p>
-          <a:p>
-            <a:pPr marL="0" indent="0">
-              <a:buNone/>
-            </a:pPr>
-            <a:r>
-              <a:rPr lang="en-US" altLang="zh-CN" dirty="0"/>
-              <a:t>Rate</a:t>
-            </a:r>
-            <a:r>
-              <a:rPr lang="zh-CN" altLang="en-US" dirty="0"/>
-              <a:t>、</a:t>
-            </a:r>
-            <a:r>
-              <a:rPr lang="en-US" altLang="zh-CN" dirty="0"/>
-              <a:t>Errors</a:t>
-            </a:r>
-            <a:r>
-              <a:rPr lang="zh-CN" altLang="en-US" dirty="0"/>
-              <a:t>、</a:t>
-            </a:r>
-            <a:r>
-              <a:rPr lang="en-US" altLang="zh-CN" dirty="0"/>
-              <a:t>Duration</a:t>
-            </a:r>
-            <a:r>
-              <a:rPr lang="zh-CN" altLang="en-US" dirty="0"/>
-              <a:t>三项指标涵盖最典型的</a:t>
-            </a:r>
-            <a:r>
-              <a:rPr lang="en-US" altLang="zh-CN" dirty="0"/>
-              <a:t>Web</a:t>
-            </a:r>
-            <a:r>
-              <a:rPr lang="zh-CN" altLang="en-US" dirty="0"/>
-              <a:t>服务问题。同时这些指标还能够反映出请求的错误率。通过这三项指标，我们就能监测到通常情况下会影响客户体验的问题。如果想要获得更细节的信息，还需要用到</a:t>
-            </a:r>
-            <a:r>
-              <a:rPr lang="en-US" altLang="zh-CN" dirty="0"/>
-              <a:t>Saturation</a:t>
-            </a:r>
-            <a:r>
-              <a:rPr lang="zh-CN" altLang="en-US" dirty="0"/>
-              <a:t>指标。在理想状态下，我们可以在监控应用程序时同时使用</a:t>
-            </a:r>
-            <a:r>
-              <a:rPr lang="en-US" altLang="zh-CN" dirty="0"/>
-              <a:t>USE</a:t>
-            </a:r>
-            <a:r>
-              <a:rPr lang="zh-CN" altLang="en-US" dirty="0"/>
-              <a:t>和</a:t>
-            </a:r>
-            <a:r>
-              <a:rPr lang="en-US" altLang="zh-CN" dirty="0"/>
-              <a:t>RED</a:t>
-            </a:r>
-            <a:r>
-              <a:rPr lang="zh-CN" altLang="en-US" dirty="0"/>
-              <a:t>方法。</a:t>
-            </a:r>
-          </a:p>
-        </p:txBody>
-      </p:sp>
-    </p:spTree>
-    <p:extLst>
-      <p:ext uri="{BB962C8B-B14F-4D97-AF65-F5344CB8AC3E}">
-        <p14:creationId xmlns:p14="http://schemas.microsoft.com/office/powerpoint/2010/main" val="1709569126"/>
       </p:ext>
     </p:extLst>
   </p:cSld>
@@ -13498,7 +13421,7 @@
           <p:cNvPr id="2" name="标题 1">
             <a:extLst>
               <a:ext uri="{FF2B5EF4-FFF2-40B4-BE49-F238E27FC236}">
-                <a16:creationId xmlns:a16="http://schemas.microsoft.com/office/drawing/2014/main" id="{1CD54F70-AA4A-41E2-BE15-DC3061A814FD}"/>
+                <a16:creationId xmlns:a16="http://schemas.microsoft.com/office/drawing/2014/main" id="{A7FF394B-AC5A-476F-9A90-A13CFA8F5118}"/>
               </a:ext>
             </a:extLst>
           </p:cNvPr>
@@ -13516,7 +13439,7 @@
           <a:p>
             <a:r>
               <a:rPr lang="en-US" altLang="zh-CN" dirty="0"/>
-              <a:t>USE</a:t>
+              <a:t>RED</a:t>
             </a:r>
             <a:r>
               <a:rPr lang="zh-CN" altLang="en-US" dirty="0"/>
@@ -13530,7 +13453,7 @@
           <p:cNvPr id="3" name="内容占位符 2">
             <a:extLst>
               <a:ext uri="{FF2B5EF4-FFF2-40B4-BE49-F238E27FC236}">
-                <a16:creationId xmlns:a16="http://schemas.microsoft.com/office/drawing/2014/main" id="{BD3B7013-D6C1-4016-BB93-8846F4097207}"/>
+                <a16:creationId xmlns:a16="http://schemas.microsoft.com/office/drawing/2014/main" id="{C0C2A343-11D5-418A-89CF-B2E95B40BB31}"/>
               </a:ext>
             </a:extLst>
           </p:cNvPr>
@@ -13548,37 +13471,40 @@
           <a:p>
             <a:r>
               <a:rPr lang="en-US" altLang="zh-CN" dirty="0"/>
-              <a:t>Utilization – </a:t>
-            </a:r>
-            <a:r>
-              <a:rPr lang="zh-CN" altLang="en-US" dirty="0"/>
-              <a:t>使用率</a:t>
+              <a:t>Rate – </a:t>
+            </a:r>
+            <a:r>
+              <a:rPr lang="zh-CN" altLang="en-US" dirty="0"/>
+              <a:t>服务所服务的每秒的请求数</a:t>
             </a:r>
             <a:endParaRPr lang="en-US" altLang="zh-CN" dirty="0"/>
           </a:p>
           <a:p>
             <a:r>
               <a:rPr lang="en-US" altLang="zh-CN" dirty="0"/>
-              <a:t>Saturation – </a:t>
-            </a:r>
-            <a:r>
-              <a:rPr lang="zh-CN" altLang="en-US" dirty="0"/>
-              <a:t>饱和度</a:t>
+              <a:t>Errors – </a:t>
+            </a:r>
+            <a:r>
+              <a:rPr lang="zh-CN" altLang="en-US" dirty="0"/>
+              <a:t>每秒失败的请求数</a:t>
             </a:r>
             <a:endParaRPr lang="en-US" altLang="zh-CN" dirty="0"/>
           </a:p>
           <a:p>
             <a:r>
               <a:rPr lang="en-US" altLang="zh-CN" dirty="0"/>
-              <a:t>Errors – </a:t>
-            </a:r>
-            <a:r>
-              <a:rPr lang="zh-CN" altLang="en-US" dirty="0"/>
-              <a:t>错误</a:t>
+              <a:t>Duration – </a:t>
+            </a:r>
+            <a:r>
+              <a:rPr lang="zh-CN" altLang="en-US" dirty="0"/>
+              <a:t>每个请求所花费的时间，用时间间隔表示</a:t>
             </a:r>
             <a:endParaRPr lang="en-US" altLang="zh-CN" dirty="0"/>
           </a:p>
           <a:p>
+            <a:pPr marL="0" indent="0">
+              <a:buNone/>
+            </a:pPr>
             <a:endParaRPr lang="en-US" altLang="zh-CN" dirty="0"/>
           </a:p>
           <a:p>
@@ -13586,16 +13512,44 @@
               <a:buNone/>
             </a:pPr>
             <a:r>
-              <a:rPr lang="zh-CN" altLang="en-US" dirty="0"/>
-              <a:t>当需要监控主机</a:t>
-            </a:r>
-            <a:r>
-              <a:rPr lang="en-US" altLang="zh-CN" dirty="0"/>
-              <a:t>CPU&amp;</a:t>
-            </a:r>
-            <a:r>
-              <a:rPr lang="zh-CN" altLang="en-US" dirty="0"/>
-              <a:t>内存或者缓存资源时，</a:t>
+              <a:rPr lang="en-US" altLang="zh-CN" dirty="0"/>
+              <a:t>Rate</a:t>
+            </a:r>
+            <a:r>
+              <a:rPr lang="zh-CN" altLang="en-US" dirty="0"/>
+              <a:t>、</a:t>
+            </a:r>
+            <a:r>
+              <a:rPr lang="en-US" altLang="zh-CN" dirty="0"/>
+              <a:t>Errors</a:t>
+            </a:r>
+            <a:r>
+              <a:rPr lang="zh-CN" altLang="en-US" dirty="0"/>
+              <a:t>、</a:t>
+            </a:r>
+            <a:r>
+              <a:rPr lang="en-US" altLang="zh-CN" dirty="0"/>
+              <a:t>Duration</a:t>
+            </a:r>
+            <a:r>
+              <a:rPr lang="zh-CN" altLang="en-US" dirty="0"/>
+              <a:t>三项指标涵盖最典型的</a:t>
+            </a:r>
+            <a:r>
+              <a:rPr lang="en-US" altLang="zh-CN" dirty="0"/>
+              <a:t>Web</a:t>
+            </a:r>
+            <a:r>
+              <a:rPr lang="zh-CN" altLang="en-US" dirty="0"/>
+              <a:t>服务问题。同时这些指标还能够反映出请求的错误率。通过这三项指标，我们就能监测到通常情况下会影响客户体验的问题。如果想要获得更细节的信息，还需要用到</a:t>
+            </a:r>
+            <a:r>
+              <a:rPr lang="en-US" altLang="zh-CN" dirty="0"/>
+              <a:t>Saturation</a:t>
+            </a:r>
+            <a:r>
+              <a:rPr lang="zh-CN" altLang="en-US" dirty="0"/>
+              <a:t>指标。在理想状态下，我们可以在监控应用程序时同时使用</a:t>
             </a:r>
             <a:r>
               <a:rPr lang="en-US" altLang="zh-CN" dirty="0"/>
@@ -13603,7 +13557,15 @@
             </a:r>
             <a:r>
               <a:rPr lang="zh-CN" altLang="en-US" dirty="0"/>
-              <a:t>方法表现的更好</a:t>
+              <a:t>和</a:t>
+            </a:r>
+            <a:r>
+              <a:rPr lang="en-US" altLang="zh-CN" dirty="0"/>
+              <a:t>RED</a:t>
+            </a:r>
+            <a:r>
+              <a:rPr lang="zh-CN" altLang="en-US" dirty="0"/>
+              <a:t>方法。</a:t>
             </a:r>
           </a:p>
         </p:txBody>
@@ -13611,7 +13573,7 @@
     </p:spTree>
     <p:extLst>
       <p:ext uri="{BB962C8B-B14F-4D97-AF65-F5344CB8AC3E}">
-        <p14:creationId xmlns:p14="http://schemas.microsoft.com/office/powerpoint/2010/main" val="2780792467"/>
+        <p14:creationId xmlns:p14="http://schemas.microsoft.com/office/powerpoint/2010/main" val="1709569126"/>
       </p:ext>
     </p:extLst>
   </p:cSld>
@@ -13765,6 +13727,151 @@
     <p:extLst>
       <p:ext uri="{BB962C8B-B14F-4D97-AF65-F5344CB8AC3E}">
         <p14:creationId xmlns:p14="http://schemas.microsoft.com/office/powerpoint/2010/main" val="4222791036"/>
+      </p:ext>
+    </p:extLst>
+  </p:cSld>
+  <p:clrMapOvr>
+    <a:masterClrMapping/>
+  </p:clrMapOvr>
+</p:sld>
+</file>
+
+<file path=ppt/slides/slide50.xml><?xml version="1.0" encoding="utf-8"?>
+<p:sld xmlns:a="http://schemas.openxmlformats.org/drawingml/2006/main" xmlns:r="http://schemas.openxmlformats.org/officeDocument/2006/relationships" xmlns:p="http://schemas.openxmlformats.org/presentationml/2006/main">
+  <p:cSld>
+    <p:spTree>
+      <p:nvGrpSpPr>
+        <p:cNvPr id="1" name=""/>
+        <p:cNvGrpSpPr/>
+        <p:nvPr/>
+      </p:nvGrpSpPr>
+      <p:grpSpPr>
+        <a:xfrm>
+          <a:off x="0" y="0"/>
+          <a:ext cx="0" cy="0"/>
+          <a:chOff x="0" y="0"/>
+          <a:chExt cx="0" cy="0"/>
+        </a:xfrm>
+      </p:grpSpPr>
+      <p:sp>
+        <p:nvSpPr>
+          <p:cNvPr id="2" name="标题 1">
+            <a:extLst>
+              <a:ext uri="{FF2B5EF4-FFF2-40B4-BE49-F238E27FC236}">
+                <a16:creationId xmlns:a16="http://schemas.microsoft.com/office/drawing/2014/main" id="{1CD54F70-AA4A-41E2-BE15-DC3061A814FD}"/>
+              </a:ext>
+            </a:extLst>
+          </p:cNvPr>
+          <p:cNvSpPr>
+            <a:spLocks noGrp="1"/>
+          </p:cNvSpPr>
+          <p:nvPr>
+            <p:ph type="title"/>
+          </p:nvPr>
+        </p:nvSpPr>
+        <p:spPr/>
+        <p:txBody>
+          <a:bodyPr/>
+          <a:lstStyle/>
+          <a:p>
+            <a:r>
+              <a:rPr lang="en-US" altLang="zh-CN" dirty="0"/>
+              <a:t>USE</a:t>
+            </a:r>
+            <a:r>
+              <a:rPr lang="zh-CN" altLang="en-US" dirty="0"/>
+              <a:t>方法</a:t>
+            </a:r>
+          </a:p>
+        </p:txBody>
+      </p:sp>
+      <p:sp>
+        <p:nvSpPr>
+          <p:cNvPr id="3" name="内容占位符 2">
+            <a:extLst>
+              <a:ext uri="{FF2B5EF4-FFF2-40B4-BE49-F238E27FC236}">
+                <a16:creationId xmlns:a16="http://schemas.microsoft.com/office/drawing/2014/main" id="{BD3B7013-D6C1-4016-BB93-8846F4097207}"/>
+              </a:ext>
+            </a:extLst>
+          </p:cNvPr>
+          <p:cNvSpPr>
+            <a:spLocks noGrp="1"/>
+          </p:cNvSpPr>
+          <p:nvPr>
+            <p:ph idx="1"/>
+          </p:nvPr>
+        </p:nvSpPr>
+        <p:spPr/>
+        <p:txBody>
+          <a:bodyPr/>
+          <a:lstStyle/>
+          <a:p>
+            <a:r>
+              <a:rPr lang="en-US" altLang="zh-CN" dirty="0"/>
+              <a:t>Utilization – </a:t>
+            </a:r>
+            <a:r>
+              <a:rPr lang="zh-CN" altLang="en-US" dirty="0"/>
+              <a:t>使用率</a:t>
+            </a:r>
+            <a:endParaRPr lang="en-US" altLang="zh-CN" dirty="0"/>
+          </a:p>
+          <a:p>
+            <a:r>
+              <a:rPr lang="en-US" altLang="zh-CN" dirty="0"/>
+              <a:t>Saturation – </a:t>
+            </a:r>
+            <a:r>
+              <a:rPr lang="zh-CN" altLang="en-US" dirty="0"/>
+              <a:t>饱和度</a:t>
+            </a:r>
+            <a:endParaRPr lang="en-US" altLang="zh-CN" dirty="0"/>
+          </a:p>
+          <a:p>
+            <a:r>
+              <a:rPr lang="en-US" altLang="zh-CN" dirty="0"/>
+              <a:t>Errors – </a:t>
+            </a:r>
+            <a:r>
+              <a:rPr lang="zh-CN" altLang="en-US" dirty="0"/>
+              <a:t>错误</a:t>
+            </a:r>
+            <a:endParaRPr lang="en-US" altLang="zh-CN" dirty="0"/>
+          </a:p>
+          <a:p>
+            <a:endParaRPr lang="en-US" altLang="zh-CN" dirty="0"/>
+          </a:p>
+          <a:p>
+            <a:pPr marL="0" indent="0">
+              <a:buNone/>
+            </a:pPr>
+            <a:r>
+              <a:rPr lang="zh-CN" altLang="en-US" dirty="0"/>
+              <a:t>当需要监控主机</a:t>
+            </a:r>
+            <a:r>
+              <a:rPr lang="en-US" altLang="zh-CN" dirty="0"/>
+              <a:t>CPU&amp;</a:t>
+            </a:r>
+            <a:r>
+              <a:rPr lang="zh-CN" altLang="en-US" dirty="0"/>
+              <a:t>内存或者缓存资源时，</a:t>
+            </a:r>
+            <a:r>
+              <a:rPr lang="en-US" altLang="zh-CN" dirty="0"/>
+              <a:t>USE</a:t>
+            </a:r>
+            <a:r>
+              <a:rPr lang="zh-CN" altLang="en-US" dirty="0"/>
+              <a:t>方法表现的更好</a:t>
+            </a:r>
+          </a:p>
+        </p:txBody>
+      </p:sp>
+    </p:spTree>
+    <p:extLst>
+      <p:ext uri="{BB962C8B-B14F-4D97-AF65-F5344CB8AC3E}">
+        <p14:creationId xmlns:p14="http://schemas.microsoft.com/office/powerpoint/2010/main" val="2780792467"/>
       </p:ext>
     </p:extLst>
   </p:cSld>

--- a/files/Prometheus.pptx
+++ b/files/Prometheus.pptx
@@ -47,15 +47,16 @@
     <p:sldId id="287" r:id="rId41"/>
     <p:sldId id="288" r:id="rId42"/>
     <p:sldId id="299" r:id="rId43"/>
-    <p:sldId id="298" r:id="rId44"/>
-    <p:sldId id="304" r:id="rId45"/>
-    <p:sldId id="312" r:id="rId46"/>
-    <p:sldId id="306" r:id="rId47"/>
-    <p:sldId id="307" r:id="rId48"/>
-    <p:sldId id="310" r:id="rId49"/>
-    <p:sldId id="311" r:id="rId50"/>
-    <p:sldId id="308" r:id="rId51"/>
-    <p:sldId id="309" r:id="rId52"/>
+    <p:sldId id="314" r:id="rId44"/>
+    <p:sldId id="298" r:id="rId45"/>
+    <p:sldId id="304" r:id="rId46"/>
+    <p:sldId id="312" r:id="rId47"/>
+    <p:sldId id="306" r:id="rId48"/>
+    <p:sldId id="307" r:id="rId49"/>
+    <p:sldId id="310" r:id="rId50"/>
+    <p:sldId id="311" r:id="rId51"/>
+    <p:sldId id="308" r:id="rId52"/>
+    <p:sldId id="309" r:id="rId53"/>
   </p:sldIdLst>
   <p:sldSz cx="12192000" cy="6858000"/>
   <p:notesSz cx="6858000" cy="9144000"/>
@@ -321,7 +322,7 @@
           <a:p>
             <a:fld id="{DD2514A8-13CE-47E7-BD5A-5572C6224BC1}" type="datetimeFigureOut">
               <a:rPr lang="zh-CN" altLang="en-US" smtClean="0"/>
-              <a:t>2019/11/28</a:t>
+              <a:t>2020/3/18</a:t>
             </a:fld>
             <a:endParaRPr lang="zh-CN" altLang="en-US"/>
           </a:p>
@@ -519,7 +520,7 @@
           <a:p>
             <a:fld id="{DD2514A8-13CE-47E7-BD5A-5572C6224BC1}" type="datetimeFigureOut">
               <a:rPr lang="zh-CN" altLang="en-US" smtClean="0"/>
-              <a:t>2019/11/28</a:t>
+              <a:t>2020/3/18</a:t>
             </a:fld>
             <a:endParaRPr lang="zh-CN" altLang="en-US"/>
           </a:p>
@@ -727,7 +728,7 @@
           <a:p>
             <a:fld id="{DD2514A8-13CE-47E7-BD5A-5572C6224BC1}" type="datetimeFigureOut">
               <a:rPr lang="zh-CN" altLang="en-US" smtClean="0"/>
-              <a:t>2019/11/28</a:t>
+              <a:t>2020/3/18</a:t>
             </a:fld>
             <a:endParaRPr lang="zh-CN" altLang="en-US"/>
           </a:p>
@@ -925,7 +926,7 @@
           <a:p>
             <a:fld id="{DD2514A8-13CE-47E7-BD5A-5572C6224BC1}" type="datetimeFigureOut">
               <a:rPr lang="zh-CN" altLang="en-US" smtClean="0"/>
-              <a:t>2019/11/28</a:t>
+              <a:t>2020/3/18</a:t>
             </a:fld>
             <a:endParaRPr lang="zh-CN" altLang="en-US"/>
           </a:p>
@@ -1200,7 +1201,7 @@
           <a:p>
             <a:fld id="{DD2514A8-13CE-47E7-BD5A-5572C6224BC1}" type="datetimeFigureOut">
               <a:rPr lang="zh-CN" altLang="en-US" smtClean="0"/>
-              <a:t>2019/11/28</a:t>
+              <a:t>2020/3/18</a:t>
             </a:fld>
             <a:endParaRPr lang="zh-CN" altLang="en-US"/>
           </a:p>
@@ -1465,7 +1466,7 @@
           <a:p>
             <a:fld id="{DD2514A8-13CE-47E7-BD5A-5572C6224BC1}" type="datetimeFigureOut">
               <a:rPr lang="zh-CN" altLang="en-US" smtClean="0"/>
-              <a:t>2019/11/28</a:t>
+              <a:t>2020/3/18</a:t>
             </a:fld>
             <a:endParaRPr lang="zh-CN" altLang="en-US"/>
           </a:p>
@@ -1877,7 +1878,7 @@
           <a:p>
             <a:fld id="{DD2514A8-13CE-47E7-BD5A-5572C6224BC1}" type="datetimeFigureOut">
               <a:rPr lang="zh-CN" altLang="en-US" smtClean="0"/>
-              <a:t>2019/11/28</a:t>
+              <a:t>2020/3/18</a:t>
             </a:fld>
             <a:endParaRPr lang="zh-CN" altLang="en-US"/>
           </a:p>
@@ -2018,7 +2019,7 @@
           <a:p>
             <a:fld id="{DD2514A8-13CE-47E7-BD5A-5572C6224BC1}" type="datetimeFigureOut">
               <a:rPr lang="zh-CN" altLang="en-US" smtClean="0"/>
-              <a:t>2019/11/28</a:t>
+              <a:t>2020/3/18</a:t>
             </a:fld>
             <a:endParaRPr lang="zh-CN" altLang="en-US"/>
           </a:p>
@@ -2131,7 +2132,7 @@
           <a:p>
             <a:fld id="{DD2514A8-13CE-47E7-BD5A-5572C6224BC1}" type="datetimeFigureOut">
               <a:rPr lang="zh-CN" altLang="en-US" smtClean="0"/>
-              <a:t>2019/11/28</a:t>
+              <a:t>2020/3/18</a:t>
             </a:fld>
             <a:endParaRPr lang="zh-CN" altLang="en-US"/>
           </a:p>
@@ -2442,7 +2443,7 @@
           <a:p>
             <a:fld id="{DD2514A8-13CE-47E7-BD5A-5572C6224BC1}" type="datetimeFigureOut">
               <a:rPr lang="zh-CN" altLang="en-US" smtClean="0"/>
-              <a:t>2019/11/28</a:t>
+              <a:t>2020/3/18</a:t>
             </a:fld>
             <a:endParaRPr lang="zh-CN" altLang="en-US"/>
           </a:p>
@@ -2730,7 +2731,7 @@
           <a:p>
             <a:fld id="{DD2514A8-13CE-47E7-BD5A-5572C6224BC1}" type="datetimeFigureOut">
               <a:rPr lang="zh-CN" altLang="en-US" smtClean="0"/>
-              <a:t>2019/11/28</a:t>
+              <a:t>2020/3/18</a:t>
             </a:fld>
             <a:endParaRPr lang="zh-CN" altLang="en-US"/>
           </a:p>
@@ -2971,7 +2972,7 @@
           <a:p>
             <a:fld id="{DD2514A8-13CE-47E7-BD5A-5572C6224BC1}" type="datetimeFigureOut">
               <a:rPr lang="zh-CN" altLang="en-US" smtClean="0"/>
-              <a:t>2019/11/28</a:t>
+              <a:t>2020/3/18</a:t>
             </a:fld>
             <a:endParaRPr lang="zh-CN" altLang="en-US"/>
           </a:p>
@@ -11487,6 +11488,129 @@
           <a:chExt cx="0" cy="0"/>
         </a:xfrm>
       </p:grpSpPr>
+      <p:pic>
+        <p:nvPicPr>
+          <p:cNvPr id="4" name="图片 3">
+            <a:extLst>
+              <a:ext uri="{FF2B5EF4-FFF2-40B4-BE49-F238E27FC236}">
+                <a16:creationId xmlns:a16="http://schemas.microsoft.com/office/drawing/2014/main" id="{D85EFE3B-EDA6-49AA-B6A3-2602034331E8}"/>
+              </a:ext>
+            </a:extLst>
+          </p:cNvPr>
+          <p:cNvPicPr>
+            <a:picLocks noChangeAspect="1"/>
+          </p:cNvPicPr>
+          <p:nvPr/>
+        </p:nvPicPr>
+        <p:blipFill>
+          <a:blip r:embed="rId2"/>
+          <a:stretch>
+            <a:fillRect/>
+          </a:stretch>
+        </p:blipFill>
+        <p:spPr>
+          <a:xfrm>
+            <a:off x="8660788" y="0"/>
+            <a:ext cx="3162167" cy="6858000"/>
+          </a:xfrm>
+          <a:prstGeom prst="rect">
+            <a:avLst/>
+          </a:prstGeom>
+        </p:spPr>
+      </p:pic>
+      <p:sp>
+        <p:nvSpPr>
+          <p:cNvPr id="2" name="标题 1">
+            <a:extLst>
+              <a:ext uri="{FF2B5EF4-FFF2-40B4-BE49-F238E27FC236}">
+                <a16:creationId xmlns:a16="http://schemas.microsoft.com/office/drawing/2014/main" id="{A0A1344C-D573-400B-8CAD-F53708D74D21}"/>
+              </a:ext>
+            </a:extLst>
+          </p:cNvPr>
+          <p:cNvSpPr>
+            <a:spLocks noGrp="1"/>
+          </p:cNvSpPr>
+          <p:nvPr>
+            <p:ph type="title"/>
+          </p:nvPr>
+        </p:nvSpPr>
+        <p:spPr/>
+        <p:txBody>
+          <a:bodyPr/>
+          <a:lstStyle/>
+          <a:p>
+            <a:r>
+              <a:rPr lang="en-US" altLang="zh-CN" dirty="0"/>
+              <a:t>Software exposing Prometheus metrics</a:t>
+            </a:r>
+            <a:br>
+              <a:rPr lang="en-US" altLang="zh-CN" dirty="0"/>
+            </a:br>
+            <a:endParaRPr lang="zh-CN" altLang="en-US" dirty="0"/>
+          </a:p>
+        </p:txBody>
+      </p:sp>
+      <p:sp>
+        <p:nvSpPr>
+          <p:cNvPr id="3" name="内容占位符 2">
+            <a:extLst>
+              <a:ext uri="{FF2B5EF4-FFF2-40B4-BE49-F238E27FC236}">
+                <a16:creationId xmlns:a16="http://schemas.microsoft.com/office/drawing/2014/main" id="{053BC6B4-FB40-4AA7-A14E-E42D65B86271}"/>
+              </a:ext>
+            </a:extLst>
+          </p:cNvPr>
+          <p:cNvSpPr>
+            <a:spLocks noGrp="1"/>
+          </p:cNvSpPr>
+          <p:nvPr>
+            <p:ph idx="1"/>
+          </p:nvPr>
+        </p:nvSpPr>
+        <p:spPr/>
+        <p:txBody>
+          <a:bodyPr/>
+          <a:lstStyle/>
+          <a:p>
+            <a:r>
+              <a:rPr lang="en-US" altLang="zh-CN" dirty="0">
+                <a:hlinkClick r:id="rId3"/>
+              </a:rPr>
+              <a:t>https://prometheus.io/docs/instrumenting/exporters/#software-exposing-prometheus-metrics</a:t>
+            </a:r>
+            <a:endParaRPr lang="zh-CN" altLang="en-US" dirty="0"/>
+          </a:p>
+        </p:txBody>
+      </p:sp>
+    </p:spTree>
+    <p:extLst>
+      <p:ext uri="{BB962C8B-B14F-4D97-AF65-F5344CB8AC3E}">
+        <p14:creationId xmlns:p14="http://schemas.microsoft.com/office/powerpoint/2010/main" val="2221740227"/>
+      </p:ext>
+    </p:extLst>
+  </p:cSld>
+  <p:clrMapOvr>
+    <a:masterClrMapping/>
+  </p:clrMapOvr>
+</p:sld>
+</file>
+
+<file path=ppt/slides/slide44.xml><?xml version="1.0" encoding="utf-8"?>
+<p:sld xmlns:a="http://schemas.openxmlformats.org/drawingml/2006/main" xmlns:r="http://schemas.openxmlformats.org/officeDocument/2006/relationships" xmlns:p="http://schemas.openxmlformats.org/presentationml/2006/main">
+  <p:cSld>
+    <p:spTree>
+      <p:nvGrpSpPr>
+        <p:cNvPr id="1" name=""/>
+        <p:cNvGrpSpPr/>
+        <p:nvPr/>
+      </p:nvGrpSpPr>
+      <p:grpSpPr>
+        <a:xfrm>
+          <a:off x="0" y="0"/>
+          <a:ext cx="0" cy="0"/>
+          <a:chOff x="0" y="0"/>
+          <a:chExt cx="0" cy="0"/>
+        </a:xfrm>
+      </p:grpSpPr>
       <p:sp>
         <p:nvSpPr>
           <p:cNvPr id="2" name="标题 1">
@@ -11591,7 +11715,7 @@
 </p:sld>
 </file>
 
-<file path=ppt/slides/slide44.xml><?xml version="1.0" encoding="utf-8"?>
+<file path=ppt/slides/slide45.xml><?xml version="1.0" encoding="utf-8"?>
 <p:sld xmlns:a="http://schemas.openxmlformats.org/drawingml/2006/main" xmlns:r="http://schemas.openxmlformats.org/officeDocument/2006/relationships" xmlns:p="http://schemas.openxmlformats.org/presentationml/2006/main">
   <p:cSld>
     <p:spTree>
@@ -11696,7 +11820,7 @@
 </p:sld>
 </file>
 
-<file path=ppt/slides/slide45.xml><?xml version="1.0" encoding="utf-8"?>
+<file path=ppt/slides/slide46.xml><?xml version="1.0" encoding="utf-8"?>
 <p:sld xmlns:a="http://schemas.openxmlformats.org/drawingml/2006/main" xmlns:r="http://schemas.openxmlformats.org/officeDocument/2006/relationships" xmlns:p="http://schemas.openxmlformats.org/presentationml/2006/main">
   <p:cSld>
     <p:spTree>
@@ -11786,7 +11910,7 @@
 </p:sld>
 </file>
 
-<file path=ppt/slides/slide46.xml><?xml version="1.0" encoding="utf-8"?>
+<file path=ppt/slides/slide47.xml><?xml version="1.0" encoding="utf-8"?>
 <p:sld xmlns:a="http://schemas.openxmlformats.org/drawingml/2006/main" xmlns:r="http://schemas.openxmlformats.org/officeDocument/2006/relationships" xmlns:p="http://schemas.openxmlformats.org/presentationml/2006/main">
   <p:cSld>
     <p:spTree>
@@ -11949,7 +12073,7 @@
 </p:sld>
 </file>
 
-<file path=ppt/slides/slide47.xml><?xml version="1.0" encoding="utf-8"?>
+<file path=ppt/slides/slide48.xml><?xml version="1.0" encoding="utf-8"?>
 <p:sld xmlns:a="http://schemas.openxmlformats.org/drawingml/2006/main" xmlns:r="http://schemas.openxmlformats.org/officeDocument/2006/relationships" xmlns:p="http://schemas.openxmlformats.org/presentationml/2006/main">
   <p:cSld>
     <p:spTree>
@@ -12407,7 +12531,7 @@
 </p:sld>
 </file>
 
-<file path=ppt/slides/slide48.xml><?xml version="1.0" encoding="utf-8"?>
+<file path=ppt/slides/slide49.xml><?xml version="1.0" encoding="utf-8"?>
 <p:sld xmlns:a="http://schemas.openxmlformats.org/drawingml/2006/main" xmlns:r="http://schemas.openxmlformats.org/officeDocument/2006/relationships" xmlns:p="http://schemas.openxmlformats.org/presentationml/2006/main">
   <p:cSld>
     <p:spTree>
@@ -13282,116 +13406,6 @@
 </p:sld>
 </file>
 
-<file path=ppt/slides/slide49.xml><?xml version="1.0" encoding="utf-8"?>
-<p:sld xmlns:a="http://schemas.openxmlformats.org/drawingml/2006/main" xmlns:r="http://schemas.openxmlformats.org/officeDocument/2006/relationships" xmlns:p="http://schemas.openxmlformats.org/presentationml/2006/main">
-  <p:cSld>
-    <p:spTree>
-      <p:nvGrpSpPr>
-        <p:cNvPr id="1" name=""/>
-        <p:cNvGrpSpPr/>
-        <p:nvPr/>
-      </p:nvGrpSpPr>
-      <p:grpSpPr>
-        <a:xfrm>
-          <a:off x="0" y="0"/>
-          <a:ext cx="0" cy="0"/>
-          <a:chOff x="0" y="0"/>
-          <a:chExt cx="0" cy="0"/>
-        </a:xfrm>
-      </p:grpSpPr>
-      <p:sp>
-        <p:nvSpPr>
-          <p:cNvPr id="3" name="内容占位符 2">
-            <a:extLst>
-              <a:ext uri="{FF2B5EF4-FFF2-40B4-BE49-F238E27FC236}">
-                <a16:creationId xmlns:a16="http://schemas.microsoft.com/office/drawing/2014/main" id="{E1F386B3-D743-46A5-A870-E7E2231182B8}"/>
-              </a:ext>
-            </a:extLst>
-          </p:cNvPr>
-          <p:cNvSpPr>
-            <a:spLocks noGrp="1"/>
-          </p:cNvSpPr>
-          <p:nvPr>
-            <p:ph idx="1"/>
-          </p:nvPr>
-        </p:nvSpPr>
-        <p:spPr>
-          <a:xfrm>
-            <a:off x="838200" y="328474"/>
-            <a:ext cx="10515600" cy="5848489"/>
-          </a:xfrm>
-        </p:spPr>
-        <p:txBody>
-          <a:bodyPr/>
-          <a:lstStyle/>
-          <a:p>
-            <a:pPr marL="0" indent="0">
-              <a:buNone/>
-            </a:pPr>
-            <a:r>
-              <a:rPr lang="zh-CN" altLang="en-US" dirty="0"/>
-              <a:t>对于为客户提供服务的应用程序，四个黄金信号通常可以很容易地选择</a:t>
-            </a:r>
-            <a:endParaRPr lang="en-US" altLang="zh-CN" dirty="0"/>
-          </a:p>
-          <a:p>
-            <a:r>
-              <a:rPr lang="en-US" altLang="zh-CN" dirty="0"/>
-              <a:t>Latency </a:t>
-            </a:r>
-            <a:r>
-              <a:rPr lang="zh-CN" altLang="en-US" dirty="0"/>
-              <a:t>延迟：完成请求的时间</a:t>
-            </a:r>
-          </a:p>
-          <a:p>
-            <a:r>
-              <a:rPr lang="en-US" altLang="zh-CN" dirty="0"/>
-              <a:t>Traffic</a:t>
-            </a:r>
-            <a:r>
-              <a:rPr lang="zh-CN" altLang="en-US" dirty="0"/>
-              <a:t> 流量：每秒服务请求数</a:t>
-            </a:r>
-          </a:p>
-          <a:p>
-            <a:r>
-              <a:rPr lang="en-US" altLang="zh-CN" dirty="0"/>
-              <a:t>Errors </a:t>
-            </a:r>
-            <a:r>
-              <a:rPr lang="zh-CN" altLang="en-US" dirty="0"/>
-              <a:t>错误：处理客户端请求或访问资源时发生的应用程序错误</a:t>
-            </a:r>
-          </a:p>
-          <a:p>
-            <a:r>
-              <a:rPr lang="en-US" altLang="zh-CN" dirty="0"/>
-              <a:t>Saturation </a:t>
-            </a:r>
-            <a:r>
-              <a:rPr lang="zh-CN" altLang="en-US" dirty="0"/>
-              <a:t>饱和度：当前使用的资源的百分比或数量</a:t>
-            </a:r>
-          </a:p>
-          <a:p>
-            <a:endParaRPr lang="zh-CN" altLang="en-US" dirty="0"/>
-          </a:p>
-        </p:txBody>
-      </p:sp>
-    </p:spTree>
-    <p:extLst>
-      <p:ext uri="{BB962C8B-B14F-4D97-AF65-F5344CB8AC3E}">
-        <p14:creationId xmlns:p14="http://schemas.microsoft.com/office/powerpoint/2010/main" val="3804250877"/>
-      </p:ext>
-    </p:extLst>
-  </p:cSld>
-  <p:clrMapOvr>
-    <a:masterClrMapping/>
-  </p:clrMapOvr>
-</p:sld>
-</file>
-
 <file path=ppt/slides/slide5.xml><?xml version="1.0" encoding="utf-8"?>
 <p:sld xmlns:a="http://schemas.openxmlformats.org/drawingml/2006/main" xmlns:r="http://schemas.openxmlformats.org/officeDocument/2006/relationships" xmlns:p="http://schemas.openxmlformats.org/presentationml/2006/main">
   <p:cSld>
@@ -13753,6 +13767,116 @@
       </p:grpSpPr>
       <p:sp>
         <p:nvSpPr>
+          <p:cNvPr id="3" name="内容占位符 2">
+            <a:extLst>
+              <a:ext uri="{FF2B5EF4-FFF2-40B4-BE49-F238E27FC236}">
+                <a16:creationId xmlns:a16="http://schemas.microsoft.com/office/drawing/2014/main" id="{E1F386B3-D743-46A5-A870-E7E2231182B8}"/>
+              </a:ext>
+            </a:extLst>
+          </p:cNvPr>
+          <p:cNvSpPr>
+            <a:spLocks noGrp="1"/>
+          </p:cNvSpPr>
+          <p:nvPr>
+            <p:ph idx="1"/>
+          </p:nvPr>
+        </p:nvSpPr>
+        <p:spPr>
+          <a:xfrm>
+            <a:off x="838200" y="328474"/>
+            <a:ext cx="10515600" cy="5848489"/>
+          </a:xfrm>
+        </p:spPr>
+        <p:txBody>
+          <a:bodyPr/>
+          <a:lstStyle/>
+          <a:p>
+            <a:pPr marL="0" indent="0">
+              <a:buNone/>
+            </a:pPr>
+            <a:r>
+              <a:rPr lang="zh-CN" altLang="en-US" dirty="0"/>
+              <a:t>对于为客户提供服务的应用程序，四个黄金信号通常可以很容易地选择</a:t>
+            </a:r>
+            <a:endParaRPr lang="en-US" altLang="zh-CN" dirty="0"/>
+          </a:p>
+          <a:p>
+            <a:r>
+              <a:rPr lang="en-US" altLang="zh-CN" dirty="0"/>
+              <a:t>Latency </a:t>
+            </a:r>
+            <a:r>
+              <a:rPr lang="zh-CN" altLang="en-US" dirty="0"/>
+              <a:t>延迟：完成请求的时间</a:t>
+            </a:r>
+          </a:p>
+          <a:p>
+            <a:r>
+              <a:rPr lang="en-US" altLang="zh-CN" dirty="0"/>
+              <a:t>Traffic</a:t>
+            </a:r>
+            <a:r>
+              <a:rPr lang="zh-CN" altLang="en-US" dirty="0"/>
+              <a:t> 流量：每秒服务请求数</a:t>
+            </a:r>
+          </a:p>
+          <a:p>
+            <a:r>
+              <a:rPr lang="en-US" altLang="zh-CN" dirty="0"/>
+              <a:t>Errors </a:t>
+            </a:r>
+            <a:r>
+              <a:rPr lang="zh-CN" altLang="en-US" dirty="0"/>
+              <a:t>错误：处理客户端请求或访问资源时发生的应用程序错误</a:t>
+            </a:r>
+          </a:p>
+          <a:p>
+            <a:r>
+              <a:rPr lang="en-US" altLang="zh-CN" dirty="0"/>
+              <a:t>Saturation </a:t>
+            </a:r>
+            <a:r>
+              <a:rPr lang="zh-CN" altLang="en-US" dirty="0"/>
+              <a:t>饱和度：当前使用的资源的百分比或数量</a:t>
+            </a:r>
+          </a:p>
+          <a:p>
+            <a:endParaRPr lang="zh-CN" altLang="en-US" dirty="0"/>
+          </a:p>
+        </p:txBody>
+      </p:sp>
+    </p:spTree>
+    <p:extLst>
+      <p:ext uri="{BB962C8B-B14F-4D97-AF65-F5344CB8AC3E}">
+        <p14:creationId xmlns:p14="http://schemas.microsoft.com/office/powerpoint/2010/main" val="3804250877"/>
+      </p:ext>
+    </p:extLst>
+  </p:cSld>
+  <p:clrMapOvr>
+    <a:masterClrMapping/>
+  </p:clrMapOvr>
+</p:sld>
+</file>
+
+<file path=ppt/slides/slide51.xml><?xml version="1.0" encoding="utf-8"?>
+<p:sld xmlns:a="http://schemas.openxmlformats.org/drawingml/2006/main" xmlns:r="http://schemas.openxmlformats.org/officeDocument/2006/relationships" xmlns:p="http://schemas.openxmlformats.org/presentationml/2006/main">
+  <p:cSld>
+    <p:spTree>
+      <p:nvGrpSpPr>
+        <p:cNvPr id="1" name=""/>
+        <p:cNvGrpSpPr/>
+        <p:nvPr/>
+      </p:nvGrpSpPr>
+      <p:grpSpPr>
+        <a:xfrm>
+          <a:off x="0" y="0"/>
+          <a:ext cx="0" cy="0"/>
+          <a:chOff x="0" y="0"/>
+          <a:chExt cx="0" cy="0"/>
+        </a:xfrm>
+      </p:grpSpPr>
+      <p:sp>
+        <p:nvSpPr>
           <p:cNvPr id="2" name="标题 1">
             <a:extLst>
               <a:ext uri="{FF2B5EF4-FFF2-40B4-BE49-F238E27FC236}">
@@ -13918,7 +14042,7 @@
 </p:sld>
 </file>
 
-<file path=ppt/slides/slide51.xml><?xml version="1.0" encoding="utf-8"?>
+<file path=ppt/slides/slide52.xml><?xml version="1.0" encoding="utf-8"?>
 <p:sld xmlns:a="http://schemas.openxmlformats.org/drawingml/2006/main" xmlns:r="http://schemas.openxmlformats.org/officeDocument/2006/relationships" xmlns:p="http://schemas.openxmlformats.org/presentationml/2006/main">
   <p:cSld>
     <p:spTree>
